--- a/unit_00/html_review/Review I - HTML.pptx
+++ b/unit_00/html_review/Review I - HTML.pptx
@@ -5,33 +5,37 @@
     <p:sldMasterId id="2147483673" r:id="rId4"/>
   </p:sldMasterIdLst>
   <p:notesMasterIdLst>
-    <p:notesMasterId r:id="rId29"/>
+    <p:notesMasterId r:id="rId33"/>
   </p:notesMasterIdLst>
   <p:sldIdLst>
     <p:sldId id="257" r:id="rId5"/>
     <p:sldId id="263" r:id="rId6"/>
-    <p:sldId id="264" r:id="rId7"/>
-    <p:sldId id="265" r:id="rId8"/>
-    <p:sldId id="266" r:id="rId9"/>
-    <p:sldId id="268" r:id="rId10"/>
-    <p:sldId id="269" r:id="rId11"/>
-    <p:sldId id="267" r:id="rId12"/>
-    <p:sldId id="270" r:id="rId13"/>
-    <p:sldId id="271" r:id="rId14"/>
-    <p:sldId id="272" r:id="rId15"/>
-    <p:sldId id="273" r:id="rId16"/>
-    <p:sldId id="274" r:id="rId17"/>
-    <p:sldId id="275" r:id="rId18"/>
-    <p:sldId id="276" r:id="rId19"/>
-    <p:sldId id="281" r:id="rId20"/>
-    <p:sldId id="282" r:id="rId21"/>
-    <p:sldId id="283" r:id="rId22"/>
-    <p:sldId id="278" r:id="rId23"/>
-    <p:sldId id="284" r:id="rId24"/>
-    <p:sldId id="279" r:id="rId25"/>
-    <p:sldId id="285" r:id="rId26"/>
-    <p:sldId id="280" r:id="rId27"/>
-    <p:sldId id="277" r:id="rId28"/>
+    <p:sldId id="286" r:id="rId7"/>
+    <p:sldId id="287" r:id="rId8"/>
+    <p:sldId id="264" r:id="rId9"/>
+    <p:sldId id="265" r:id="rId10"/>
+    <p:sldId id="266" r:id="rId11"/>
+    <p:sldId id="268" r:id="rId12"/>
+    <p:sldId id="269" r:id="rId13"/>
+    <p:sldId id="267" r:id="rId14"/>
+    <p:sldId id="271" r:id="rId15"/>
+    <p:sldId id="288" r:id="rId16"/>
+    <p:sldId id="272" r:id="rId17"/>
+    <p:sldId id="274" r:id="rId18"/>
+    <p:sldId id="275" r:id="rId19"/>
+    <p:sldId id="276" r:id="rId20"/>
+    <p:sldId id="281" r:id="rId21"/>
+    <p:sldId id="290" r:id="rId22"/>
+    <p:sldId id="291" r:id="rId23"/>
+    <p:sldId id="282" r:id="rId24"/>
+    <p:sldId id="283" r:id="rId25"/>
+    <p:sldId id="289" r:id="rId26"/>
+    <p:sldId id="278" r:id="rId27"/>
+    <p:sldId id="284" r:id="rId28"/>
+    <p:sldId id="279" r:id="rId29"/>
+    <p:sldId id="285" r:id="rId30"/>
+    <p:sldId id="280" r:id="rId31"/>
+    <p:sldId id="277" r:id="rId32"/>
   </p:sldIdLst>
   <p:sldSz cx="12192000" cy="6858000"/>
   <p:notesSz cx="6858000" cy="9144000"/>
@@ -220,7 +224,7 @@
           <a:p>
             <a:fld id="{3F839238-B565-4611-A910-43B731DECEC1}" type="datetimeFigureOut">
               <a:rPr lang="en-US" smtClean="0"/>
-              <a:t>7/3/2020</a:t>
+              <a:t>7/28/2020</a:t>
             </a:fld>
             <a:endParaRPr lang="en-US"/>
           </a:p>
@@ -284,38 +288,37 @@
           <a:p>
             <a:pPr lvl="0"/>
             <a:r>
-              <a:rPr lang="en-US" smtClean="0"/>
+              <a:rPr lang="en-US"/>
               <a:t>Click to edit Master text styles</a:t>
             </a:r>
           </a:p>
           <a:p>
             <a:pPr lvl="1"/>
             <a:r>
-              <a:rPr lang="en-US" smtClean="0"/>
+              <a:rPr lang="en-US"/>
               <a:t>Second level</a:t>
             </a:r>
           </a:p>
           <a:p>
             <a:pPr lvl="2"/>
             <a:r>
-              <a:rPr lang="en-US" smtClean="0"/>
+              <a:rPr lang="en-US"/>
               <a:t>Third level</a:t>
             </a:r>
           </a:p>
           <a:p>
             <a:pPr lvl="3"/>
             <a:r>
-              <a:rPr lang="en-US" smtClean="0"/>
+              <a:rPr lang="en-US"/>
               <a:t>Fourth level</a:t>
             </a:r>
           </a:p>
           <a:p>
             <a:pPr lvl="4"/>
             <a:r>
-              <a:rPr lang="en-US" smtClean="0"/>
+              <a:rPr lang="en-US"/>
               <a:t>Fifth level</a:t>
             </a:r>
-            <a:endParaRPr lang="en-US"/>
           </a:p>
         </p:txBody>
       </p:sp>
@@ -532,6 +535,12 @@
           <a:bodyPr/>
           <a:lstStyle/>
           <a:p>
+            <a:r>
+              <a:rPr lang="en-US">
+                <a:hlinkClick r:id="rId3"/>
+              </a:rPr>
+              <a:t>https://developer.mozilla.org/en-US/docs/Web/HTML/Block-level_elements</a:t>
+            </a:r>
             <a:endParaRPr lang="en-US"/>
           </a:p>
         </p:txBody>
@@ -543,7 +552,7 @@
             <a:spLocks noGrp="1"/>
           </p:cNvSpPr>
           <p:nvPr>
-            <p:ph type="sldNum" sz="quarter" idx="10"/>
+            <p:ph type="sldNum" sz="quarter" idx="5"/>
           </p:nvPr>
         </p:nvSpPr>
         <p:spPr/>
@@ -553,7 +562,181 @@
           <a:p>
             <a:fld id="{913AAEB1-1BB9-43BA-8E44-621D6A53A2EE}" type="slidenum">
               <a:rPr lang="en-US" smtClean="0"/>
-              <a:t>24</a:t>
+              <a:t>16</a:t>
+            </a:fld>
+            <a:endParaRPr lang="en-US"/>
+          </a:p>
+        </p:txBody>
+      </p:sp>
+    </p:spTree>
+    <p:extLst>
+      <p:ext uri="{BB962C8B-B14F-4D97-AF65-F5344CB8AC3E}">
+        <p14:creationId xmlns:p14="http://schemas.microsoft.com/office/powerpoint/2010/main" val="322264101"/>
+      </p:ext>
+    </p:extLst>
+  </p:cSld>
+  <p:clrMapOvr>
+    <a:masterClrMapping/>
+  </p:clrMapOvr>
+</p:notes>
+</file>
+
+<file path=ppt/notesSlides/notesSlide2.xml><?xml version="1.0" encoding="utf-8"?>
+<p:notes xmlns:a="http://schemas.openxmlformats.org/drawingml/2006/main" xmlns:r="http://schemas.openxmlformats.org/officeDocument/2006/relationships" xmlns:p="http://schemas.openxmlformats.org/presentationml/2006/main">
+  <p:cSld>
+    <p:spTree>
+      <p:nvGrpSpPr>
+        <p:cNvPr id="1" name=""/>
+        <p:cNvGrpSpPr/>
+        <p:nvPr/>
+      </p:nvGrpSpPr>
+      <p:grpSpPr>
+        <a:xfrm>
+          <a:off x="0" y="0"/>
+          <a:ext cx="0" cy="0"/>
+          <a:chOff x="0" y="0"/>
+          <a:chExt cx="0" cy="0"/>
+        </a:xfrm>
+      </p:grpSpPr>
+      <p:sp>
+        <p:nvSpPr>
+          <p:cNvPr id="2" name="Slide Image Placeholder 1"/>
+          <p:cNvSpPr>
+            <a:spLocks noGrp="1" noRot="1" noChangeAspect="1"/>
+          </p:cNvSpPr>
+          <p:nvPr>
+            <p:ph type="sldImg"/>
+          </p:nvPr>
+        </p:nvSpPr>
+        <p:spPr/>
+      </p:sp>
+      <p:sp>
+        <p:nvSpPr>
+          <p:cNvPr id="3" name="Notes Placeholder 2"/>
+          <p:cNvSpPr>
+            <a:spLocks noGrp="1"/>
+          </p:cNvSpPr>
+          <p:nvPr>
+            <p:ph type="body" idx="1"/>
+          </p:nvPr>
+        </p:nvSpPr>
+        <p:spPr/>
+        <p:txBody>
+          <a:bodyPr/>
+          <a:lstStyle/>
+          <a:p>
+            <a:r>
+              <a:rPr lang="en-US">
+                <a:hlinkClick r:id="rId3"/>
+              </a:rPr>
+              <a:t>https://developer.mozilla.org/en-US/docs/Web/HTML/Inline_elements</a:t>
+            </a:r>
+            <a:endParaRPr lang="en-US"/>
+          </a:p>
+        </p:txBody>
+      </p:sp>
+      <p:sp>
+        <p:nvSpPr>
+          <p:cNvPr id="4" name="Slide Number Placeholder 3"/>
+          <p:cNvSpPr>
+            <a:spLocks noGrp="1"/>
+          </p:cNvSpPr>
+          <p:nvPr>
+            <p:ph type="sldNum" sz="quarter" idx="5"/>
+          </p:nvPr>
+        </p:nvSpPr>
+        <p:spPr/>
+        <p:txBody>
+          <a:bodyPr/>
+          <a:lstStyle/>
+          <a:p>
+            <a:fld id="{913AAEB1-1BB9-43BA-8E44-621D6A53A2EE}" type="slidenum">
+              <a:rPr lang="en-US" smtClean="0"/>
+              <a:t>17</a:t>
+            </a:fld>
+            <a:endParaRPr lang="en-US"/>
+          </a:p>
+        </p:txBody>
+      </p:sp>
+    </p:spTree>
+    <p:extLst>
+      <p:ext uri="{BB962C8B-B14F-4D97-AF65-F5344CB8AC3E}">
+        <p14:creationId xmlns:p14="http://schemas.microsoft.com/office/powerpoint/2010/main" val="1069080471"/>
+      </p:ext>
+    </p:extLst>
+  </p:cSld>
+  <p:clrMapOvr>
+    <a:masterClrMapping/>
+  </p:clrMapOvr>
+</p:notes>
+</file>
+
+<file path=ppt/notesSlides/notesSlide3.xml><?xml version="1.0" encoding="utf-8"?>
+<p:notes xmlns:a="http://schemas.openxmlformats.org/drawingml/2006/main" xmlns:r="http://schemas.openxmlformats.org/officeDocument/2006/relationships" xmlns:p="http://schemas.openxmlformats.org/presentationml/2006/main">
+  <p:cSld>
+    <p:spTree>
+      <p:nvGrpSpPr>
+        <p:cNvPr id="1" name=""/>
+        <p:cNvGrpSpPr/>
+        <p:nvPr/>
+      </p:nvGrpSpPr>
+      <p:grpSpPr>
+        <a:xfrm>
+          <a:off x="0" y="0"/>
+          <a:ext cx="0" cy="0"/>
+          <a:chOff x="0" y="0"/>
+          <a:chExt cx="0" cy="0"/>
+        </a:xfrm>
+      </p:grpSpPr>
+      <p:sp>
+        <p:nvSpPr>
+          <p:cNvPr id="2" name="Slide Image Placeholder 1"/>
+          <p:cNvSpPr>
+            <a:spLocks noGrp="1" noRot="1" noChangeAspect="1"/>
+          </p:cNvSpPr>
+          <p:nvPr>
+            <p:ph type="sldImg"/>
+          </p:nvPr>
+        </p:nvSpPr>
+        <p:spPr/>
+      </p:sp>
+      <p:sp>
+        <p:nvSpPr>
+          <p:cNvPr id="3" name="Notes Placeholder 2"/>
+          <p:cNvSpPr>
+            <a:spLocks noGrp="1"/>
+          </p:cNvSpPr>
+          <p:nvPr>
+            <p:ph type="body" idx="1"/>
+          </p:nvPr>
+        </p:nvSpPr>
+        <p:spPr/>
+        <p:txBody>
+          <a:bodyPr/>
+          <a:lstStyle/>
+          <a:p>
+            <a:endParaRPr lang="en-US"/>
+          </a:p>
+        </p:txBody>
+      </p:sp>
+      <p:sp>
+        <p:nvSpPr>
+          <p:cNvPr id="4" name="Slide Number Placeholder 3"/>
+          <p:cNvSpPr>
+            <a:spLocks noGrp="1"/>
+          </p:cNvSpPr>
+          <p:nvPr>
+            <p:ph type="sldNum" sz="quarter" idx="10"/>
+          </p:nvPr>
+        </p:nvSpPr>
+        <p:spPr/>
+        <p:txBody>
+          <a:bodyPr/>
+          <a:lstStyle/>
+          <a:p>
+            <a:fld id="{913AAEB1-1BB9-43BA-8E44-621D6A53A2EE}" type="slidenum">
+              <a:rPr lang="en-US" smtClean="0"/>
+              <a:t>28</a:t>
             </a:fld>
             <a:endParaRPr lang="en-US"/>
           </a:p>
@@ -594,7 +777,7 @@
           <p:cNvPr id="5" name="Rectangle 4">
             <a:extLst>
               <a:ext uri="{FF2B5EF4-FFF2-40B4-BE49-F238E27FC236}">
-                <a16:creationId xmlns:a16="http://schemas.microsoft.com/office/drawing/2014/main" xmlns="" id="{904DB13E-F722-4ED6-BB00-556651E95281}"/>
+                <a16:creationId xmlns:a16="http://schemas.microsoft.com/office/drawing/2014/main" id="{904DB13E-F722-4ED6-BB00-556651E95281}"/>
               </a:ext>
             </a:extLst>
           </p:cNvPr>
@@ -743,7 +926,7 @@
           <p:cNvPr id="7" name="Group 6">
             <a:extLst>
               <a:ext uri="{FF2B5EF4-FFF2-40B4-BE49-F238E27FC236}">
-                <a16:creationId xmlns:a16="http://schemas.microsoft.com/office/drawing/2014/main" xmlns="" id="{E26428D7-C6F3-473D-A360-A3F5C3E8728C}"/>
+                <a16:creationId xmlns:a16="http://schemas.microsoft.com/office/drawing/2014/main" id="{E26428D7-C6F3-473D-A360-A3F5C3E8728C}"/>
               </a:ext>
             </a:extLst>
           </p:cNvPr>
@@ -1041,7 +1224,7 @@
           <a:p>
             <a:fld id="{E9F25E47-8026-47FD-8FD6-2C7B55A6BE4F}" type="datetime1">
               <a:rPr lang="en-US" smtClean="0"/>
-              <a:t>7/3/2020</a:t>
+              <a:t>7/28/2020</a:t>
             </a:fld>
             <a:endParaRPr lang="en-US" dirty="0"/>
           </a:p>
@@ -1243,7 +1426,7 @@
           <a:p>
             <a:fld id="{49F0A7AA-AB30-4D36-B646-A02FA5DCCA55}" type="datetime1">
               <a:rPr lang="en-US" smtClean="0"/>
-              <a:t>7/3/2020</a:t>
+              <a:t>7/28/2020</a:t>
             </a:fld>
             <a:endParaRPr lang="en-US" dirty="0"/>
           </a:p>
@@ -1326,7 +1509,7 @@
           <p:cNvPr id="15" name="Rectangle 14">
             <a:extLst>
               <a:ext uri="{FF2B5EF4-FFF2-40B4-BE49-F238E27FC236}">
-                <a16:creationId xmlns:a16="http://schemas.microsoft.com/office/drawing/2014/main" xmlns="" id="{0A4A1889-E37C-4EC3-9E41-9DAD221CF389}"/>
+                <a16:creationId xmlns:a16="http://schemas.microsoft.com/office/drawing/2014/main" id="{0A4A1889-E37C-4EC3-9E41-9DAD221CF389}"/>
               </a:ext>
             </a:extLst>
           </p:cNvPr>
@@ -1523,7 +1706,7 @@
           <p:cNvPr id="16" name="Group 15">
             <a:extLst>
               <a:ext uri="{FF2B5EF4-FFF2-40B4-BE49-F238E27FC236}">
-                <a16:creationId xmlns:a16="http://schemas.microsoft.com/office/drawing/2014/main" xmlns="" id="{1683EB04-C23E-490C-A1A6-030CF79D23C8}"/>
+                <a16:creationId xmlns:a16="http://schemas.microsoft.com/office/drawing/2014/main" id="{1683EB04-C23E-490C-A1A6-030CF79D23C8}"/>
               </a:ext>
             </a:extLst>
           </p:cNvPr>
@@ -1543,7 +1726,7 @@
             <p:cNvPr id="17" name="Straight Connector 16">
               <a:extLst>
                 <a:ext uri="{FF2B5EF4-FFF2-40B4-BE49-F238E27FC236}">
-                  <a16:creationId xmlns:a16="http://schemas.microsoft.com/office/drawing/2014/main" xmlns="" id="{F8A84C03-E1CA-4A4E-81D6-9BB0C335B7A0}"/>
+                  <a16:creationId xmlns:a16="http://schemas.microsoft.com/office/drawing/2014/main" id="{F8A84C03-E1CA-4A4E-81D6-9BB0C335B7A0}"/>
                 </a:ext>
               </a:extLst>
             </p:cNvPr>
@@ -1591,7 +1774,7 @@
             <p:cNvPr id="18" name="Straight Connector 17">
               <a:extLst>
                 <a:ext uri="{FF2B5EF4-FFF2-40B4-BE49-F238E27FC236}">
-                  <a16:creationId xmlns:a16="http://schemas.microsoft.com/office/drawing/2014/main" xmlns="" id="{4A26FB5A-D5D1-4DAB-AC43-7F51A7F2D197}"/>
+                  <a16:creationId xmlns:a16="http://schemas.microsoft.com/office/drawing/2014/main" id="{4A26FB5A-D5D1-4DAB-AC43-7F51A7F2D197}"/>
                 </a:ext>
               </a:extLst>
             </p:cNvPr>
@@ -1639,7 +1822,7 @@
             <p:cNvPr id="19" name="Straight Connector 18">
               <a:extLst>
                 <a:ext uri="{FF2B5EF4-FFF2-40B4-BE49-F238E27FC236}">
-                  <a16:creationId xmlns:a16="http://schemas.microsoft.com/office/drawing/2014/main" xmlns="" id="{49303F14-E560-4C02-94F4-B4695FE26813}"/>
+                  <a16:creationId xmlns:a16="http://schemas.microsoft.com/office/drawing/2014/main" id="{49303F14-E560-4C02-94F4-B4695FE26813}"/>
                 </a:ext>
               </a:extLst>
             </p:cNvPr>
@@ -1842,7 +2025,7 @@
           <a:p>
             <a:fld id="{CFA4D178-B71E-4B10-AF0F-C5E0B7294A7C}" type="datetime1">
               <a:rPr lang="en-US" smtClean="0"/>
-              <a:t>7/3/2020</a:t>
+              <a:t>7/28/2020</a:t>
             </a:fld>
             <a:endParaRPr lang="en-US" dirty="0"/>
           </a:p>
@@ -2162,7 +2345,7 @@
           <a:p>
             <a:fld id="{27E6D853-85C2-4120-A6B2-2EAC4467BF8B}" type="datetime1">
               <a:rPr lang="en-US" smtClean="0"/>
-              <a:t>7/3/2020</a:t>
+              <a:t>7/28/2020</a:t>
             </a:fld>
             <a:endParaRPr lang="en-US" dirty="0"/>
           </a:p>
@@ -2599,7 +2782,7 @@
           <a:p>
             <a:fld id="{CA3AECF5-4644-4878-B4B4-3AC946C4B252}" type="datetime1">
               <a:rPr lang="en-US" smtClean="0"/>
-              <a:t>7/3/2020</a:t>
+              <a:t>7/28/2020</a:t>
             </a:fld>
             <a:endParaRPr lang="en-US" dirty="0"/>
           </a:p>
@@ -2717,7 +2900,7 @@
           <a:p>
             <a:fld id="{B8E389F8-4EAE-4B22-8731-40270585493B}" type="datetime1">
               <a:rPr lang="en-US" smtClean="0"/>
-              <a:t>7/3/2020</a:t>
+              <a:t>7/28/2020</a:t>
             </a:fld>
             <a:endParaRPr lang="en-US" dirty="0"/>
           </a:p>
@@ -2812,7 +2995,7 @@
           <a:p>
             <a:fld id="{772F4F3F-699B-4D10-AAB9-00C2579C25F8}" type="datetime1">
               <a:rPr lang="en-US" smtClean="0"/>
-              <a:t>7/3/2020</a:t>
+              <a:t>7/28/2020</a:t>
             </a:fld>
             <a:endParaRPr lang="en-US" dirty="0"/>
           </a:p>
@@ -2895,7 +3078,7 @@
           <p:cNvPr id="10" name="Rectangle 9">
             <a:extLst>
               <a:ext uri="{FF2B5EF4-FFF2-40B4-BE49-F238E27FC236}">
-                <a16:creationId xmlns:a16="http://schemas.microsoft.com/office/drawing/2014/main" xmlns="" id="{D5E1BBF9-8BEF-4353-BA68-30AAF9EBD8D8}"/>
+                <a16:creationId xmlns:a16="http://schemas.microsoft.com/office/drawing/2014/main" id="{D5E1BBF9-8BEF-4353-BA68-30AAF9EBD8D8}"/>
               </a:ext>
             </a:extLst>
           </p:cNvPr>
@@ -2942,7 +3125,7 @@
           <p:cNvPr id="13" name="Rectangle 12">
             <a:extLst>
               <a:ext uri="{FF2B5EF4-FFF2-40B4-BE49-F238E27FC236}">
-                <a16:creationId xmlns:a16="http://schemas.microsoft.com/office/drawing/2014/main" xmlns="" id="{5B941C21-2A5D-4912-AB06-1BB0C0EB6AE1}"/>
+                <a16:creationId xmlns:a16="http://schemas.microsoft.com/office/drawing/2014/main" id="{5B941C21-2A5D-4912-AB06-1BB0C0EB6AE1}"/>
               </a:ext>
             </a:extLst>
           </p:cNvPr>
@@ -3229,7 +3412,7 @@
           <a:p>
             <a:fld id="{E51BA90F-EE6C-42F5-8961-2F52EE18037D}" type="datetime1">
               <a:rPr lang="en-US" smtClean="0"/>
-              <a:t>7/3/2020</a:t>
+              <a:t>7/28/2020</a:t>
             </a:fld>
             <a:endParaRPr lang="en-US" dirty="0"/>
           </a:p>
@@ -3337,7 +3520,7 @@
           <p:cNvPr id="11" name="Rectangle 10">
             <a:extLst>
               <a:ext uri="{FF2B5EF4-FFF2-40B4-BE49-F238E27FC236}">
-                <a16:creationId xmlns:a16="http://schemas.microsoft.com/office/drawing/2014/main" xmlns="" id="{E687CA98-D9C7-497F-A1DA-7D22F8753BCE}"/>
+                <a16:creationId xmlns:a16="http://schemas.microsoft.com/office/drawing/2014/main" id="{E687CA98-D9C7-497F-A1DA-7D22F8753BCE}"/>
               </a:ext>
             </a:extLst>
           </p:cNvPr>
@@ -3490,7 +3673,7 @@
           <a:p>
             <a:fld id="{FB6292F5-AD2B-47F4-B460-BF55BF34C27D}" type="datetime1">
               <a:rPr lang="en-US" smtClean="0"/>
-              <a:t>7/3/2020</a:t>
+              <a:t>7/28/2020</a:t>
             </a:fld>
             <a:endParaRPr lang="en-US" dirty="0"/>
           </a:p>
@@ -3572,7 +3755,7 @@
           <p:cNvPr id="12" name="Rectangle 11">
             <a:extLst>
               <a:ext uri="{FF2B5EF4-FFF2-40B4-BE49-F238E27FC236}">
-                <a16:creationId xmlns:a16="http://schemas.microsoft.com/office/drawing/2014/main" xmlns="" id="{F8B3D8CC-BB13-41A5-8F34-B8E84A4F9534}"/>
+                <a16:creationId xmlns:a16="http://schemas.microsoft.com/office/drawing/2014/main" id="{F8B3D8CC-BB13-41A5-8F34-B8E84A4F9534}"/>
               </a:ext>
             </a:extLst>
           </p:cNvPr>
@@ -3774,7 +3957,7 @@
           <p:cNvPr id="9" name="Rectangle 8">
             <a:extLst>
               <a:ext uri="{FF2B5EF4-FFF2-40B4-BE49-F238E27FC236}">
-                <a16:creationId xmlns:a16="http://schemas.microsoft.com/office/drawing/2014/main" xmlns="" id="{1E94681D-2A4C-4A8D-B9B5-31D440D0328D}"/>
+                <a16:creationId xmlns:a16="http://schemas.microsoft.com/office/drawing/2014/main" id="{1E94681D-2A4C-4A8D-B9B5-31D440D0328D}"/>
               </a:ext>
             </a:extLst>
           </p:cNvPr>
@@ -4006,7 +4189,7 @@
           <a:p>
             <a:fld id="{8B88B800-945A-43B0-8EA5-8657D67FD7E1}" type="datetime1">
               <a:rPr lang="en-US" smtClean="0"/>
-              <a:t>7/3/2020</a:t>
+              <a:t>7/28/2020</a:t>
             </a:fld>
             <a:endParaRPr lang="en-US" dirty="0"/>
           </a:p>
@@ -4486,7 +4669,7 @@
           <p:cNvPr id="6" name="Picture 5" descr="abstract image">
             <a:extLst>
               <a:ext uri="{FF2B5EF4-FFF2-40B4-BE49-F238E27FC236}">
-                <a16:creationId xmlns:a16="http://schemas.microsoft.com/office/drawing/2014/main" xmlns="" id="{8045422F-7258-40AC-BD2E-2469AA448922}"/>
+                <a16:creationId xmlns:a16="http://schemas.microsoft.com/office/drawing/2014/main" id="{8045422F-7258-40AC-BD2E-2469AA448922}"/>
               </a:ext>
             </a:extLst>
           </p:cNvPr>
@@ -4521,10 +4704,10 @@
           <p:cNvPr id="82" name="Rectangle 81">
             <a:extLst>
               <a:ext uri="{FF2B5EF4-FFF2-40B4-BE49-F238E27FC236}">
-                <a16:creationId xmlns:a16="http://schemas.microsoft.com/office/drawing/2014/main" xmlns="" id="{2644B391-9BFE-445C-A9EC-F544BB85FBC7}"/>
+                <a16:creationId xmlns:a16="http://schemas.microsoft.com/office/drawing/2014/main" id="{2644B391-9BFE-445C-A9EC-F544BB85FBC7}"/>
               </a:ext>
               <a:ext uri="{C183D7F6-B498-43B3-948B-1728B52AA6E4}">
-                <adec:decorative xmlns:adec="http://schemas.microsoft.com/office/drawing/2017/decorative" xmlns="" val="1"/>
+                <adec:decorative xmlns:adec="http://schemas.microsoft.com/office/drawing/2017/decorative" val="1"/>
               </a:ext>
             </a:extLst>
           </p:cNvPr>
@@ -4534,7 +4717,7 @@
           <p:nvPr>
             <p:extLst>
               <p:ext uri="{386F3935-93C4-4BCD-93E2-E3B085C9AB24}">
-                <p16:designElem xmlns:p16="http://schemas.microsoft.com/office/powerpoint/2015/main" xmlns="" val="1"/>
+                <p16:designElem xmlns:p16="http://schemas.microsoft.com/office/powerpoint/2015/main" val="1"/>
               </p:ext>
             </p:extLst>
           </p:nvPr>
@@ -4566,10 +4749,10 @@
           <p:cNvPr id="84" name="Rectangle 83">
             <a:extLst>
               <a:ext uri="{FF2B5EF4-FFF2-40B4-BE49-F238E27FC236}">
-                <a16:creationId xmlns:a16="http://schemas.microsoft.com/office/drawing/2014/main" xmlns="" id="{80F26E69-87D9-4655-AE7B-280A87AA3CAD}"/>
+                <a16:creationId xmlns:a16="http://schemas.microsoft.com/office/drawing/2014/main" id="{80F26E69-87D9-4655-AE7B-280A87AA3CAD}"/>
               </a:ext>
               <a:ext uri="{C183D7F6-B498-43B3-948B-1728B52AA6E4}">
-                <adec:decorative xmlns:adec="http://schemas.microsoft.com/office/drawing/2017/decorative" xmlns="" val="1"/>
+                <adec:decorative xmlns:adec="http://schemas.microsoft.com/office/drawing/2017/decorative" val="1"/>
               </a:ext>
             </a:extLst>
           </p:cNvPr>
@@ -4579,7 +4762,7 @@
           <p:nvPr>
             <p:extLst>
               <p:ext uri="{386F3935-93C4-4BCD-93E2-E3B085C9AB24}">
-                <p16:designElem xmlns:p16="http://schemas.microsoft.com/office/powerpoint/2015/main" xmlns="" val="1"/>
+                <p16:designElem xmlns:p16="http://schemas.microsoft.com/office/powerpoint/2015/main" val="1"/>
               </p:ext>
             </p:extLst>
           </p:nvPr>
@@ -4610,7 +4793,7 @@
           <p:cNvPr id="2" name="Title 1">
             <a:extLst>
               <a:ext uri="{FF2B5EF4-FFF2-40B4-BE49-F238E27FC236}">
-                <a16:creationId xmlns:a16="http://schemas.microsoft.com/office/drawing/2014/main" xmlns="" id="{18C3B467-088C-4F3D-A9A7-105C4E1E20CD}"/>
+                <a16:creationId xmlns:a16="http://schemas.microsoft.com/office/drawing/2014/main" id="{18C3B467-088C-4F3D-A9A7-105C4E1E20CD}"/>
               </a:ext>
             </a:extLst>
           </p:cNvPr>
@@ -4653,7 +4836,7 @@
           <p:cNvPr id="3" name="Subtitle 2">
             <a:extLst>
               <a:ext uri="{FF2B5EF4-FFF2-40B4-BE49-F238E27FC236}">
-                <a16:creationId xmlns:a16="http://schemas.microsoft.com/office/drawing/2014/main" xmlns="" id="{C8722DDC-8EEE-4A06-8DFE-B44871EAA2CF}"/>
+                <a16:creationId xmlns:a16="http://schemas.microsoft.com/office/drawing/2014/main" id="{C8722DDC-8EEE-4A06-8DFE-B44871EAA2CF}"/>
               </a:ext>
             </a:extLst>
           </p:cNvPr>
@@ -4707,13 +4890,6 @@
   <p:clrMapOvr>
     <a:overrideClrMapping bg1="dk1" tx1="lt1" bg2="dk2" tx2="lt2" accent1="accent1" accent2="accent2" accent3="accent3" accent4="accent4" accent5="accent5" accent6="accent6" hlink="hlink" folHlink="folHlink"/>
   </p:clrMapOvr>
-  <p:timing>
-    <p:tnLst>
-      <p:par>
-        <p:cTn id="1" dur="indefinite" restart="never" nodeType="tmRoot"/>
-      </p:par>
-    </p:tnLst>
-  </p:timing>
 </p:sld>
 </file>
 
@@ -4739,7 +4915,7 @@
           <p:cNvPr id="2" name="Title 1">
             <a:extLst>
               <a:ext uri="{FF2B5EF4-FFF2-40B4-BE49-F238E27FC236}">
-                <a16:creationId xmlns:a16="http://schemas.microsoft.com/office/drawing/2014/main" xmlns="" id="{BDFAC13C-59B1-436E-B58F-C304E1C705CF}"/>
+                <a16:creationId xmlns:a16="http://schemas.microsoft.com/office/drawing/2014/main" id="{BDFAC13C-59B1-436E-B58F-C304E1C705CF}"/>
               </a:ext>
             </a:extLst>
           </p:cNvPr>
@@ -4750,12 +4926,7 @@
             <p:ph type="title"/>
           </p:nvPr>
         </p:nvSpPr>
-        <p:spPr>
-          <a:xfrm>
-            <a:off x="664234" y="733579"/>
-            <a:ext cx="5077520" cy="1371600"/>
-          </a:xfrm>
-        </p:spPr>
+        <p:spPr/>
         <p:txBody>
           <a:bodyPr>
             <a:normAutofit/>
@@ -4763,10 +4934,20 @@
           <a:lstStyle/>
           <a:p>
             <a:r>
-              <a:rPr lang="en-US" u="sng" dirty="0" smtClean="0"/>
-              <a:t>&lt;link&gt;</a:t>
-            </a:r>
-            <a:endParaRPr lang="en-US" u="sng" dirty="0"/>
+              <a:rPr lang="en-US" u="sng" dirty="0">
+                <a:latin typeface="Consolas" panose="020B0609020204030204" pitchFamily="49" charset="0"/>
+              </a:rPr>
+              <a:t>&lt;</a:t>
+            </a:r>
+            <a:r>
+              <a:rPr lang="en-US" u="sng">
+                <a:latin typeface="Consolas" panose="020B0609020204030204" pitchFamily="49" charset="0"/>
+              </a:rPr>
+              <a:t>title&gt;...&lt;/title&gt;</a:t>
+            </a:r>
+            <a:endParaRPr lang="en-US" u="sng" dirty="0">
+              <a:latin typeface="Consolas" panose="020B0609020204030204" pitchFamily="49" charset="0"/>
+            </a:endParaRPr>
           </a:p>
         </p:txBody>
       </p:sp>
@@ -4775,7 +4956,7 @@
           <p:cNvPr id="3" name="Content Placeholder 2">
             <a:extLst>
               <a:ext uri="{FF2B5EF4-FFF2-40B4-BE49-F238E27FC236}">
-                <a16:creationId xmlns:a16="http://schemas.microsoft.com/office/drawing/2014/main" xmlns="" id="{844A3DC5-46BF-4BFF-8008-98FD467C4904}"/>
+                <a16:creationId xmlns:a16="http://schemas.microsoft.com/office/drawing/2014/main" id="{844A3DC5-46BF-4BFF-8008-98FD467C4904}"/>
               </a:ext>
             </a:extLst>
           </p:cNvPr>
@@ -4786,36 +4967,160 @@
             <p:ph idx="1"/>
           </p:nvPr>
         </p:nvSpPr>
-        <p:spPr>
-          <a:xfrm>
-            <a:off x="1066800" y="2733472"/>
-            <a:ext cx="10058400" cy="1919267"/>
-          </a:xfrm>
-        </p:spPr>
+        <p:spPr/>
         <p:txBody>
           <a:bodyPr>
             <a:normAutofit/>
           </a:bodyPr>
           <a:lstStyle/>
           <a:p>
-            <a:pPr indent="0">
-              <a:buNone/>
+            <a:pPr>
+              <a:lnSpc>
+                <a:spcPct val="120000"/>
+              </a:lnSpc>
+              <a:spcBef>
+                <a:spcPts val="0"/>
+              </a:spcBef>
             </a:pPr>
             <a:r>
               <a:rPr lang="en-US" sz="1800" dirty="0">
                 <a:cs typeface="Arial" panose="020B0604020202020204" pitchFamily="34" charset="0"/>
               </a:rPr>
-              <a:t>The HTML External Resource Link element (&lt;link&gt;) specifies relationships between the current document and an external resource.  &lt;link&gt; is most commonly used to link to stylesheets, but is also used with site icons (e.g. "favicon")</a:t>
-            </a:r>
+              <a:t>The HTML </a:t>
+            </a:r>
+            <a:r>
+              <a:rPr lang="en-US" sz="1800" b="1" dirty="0">
+                <a:solidFill>
+                  <a:srgbClr val="00B0F0"/>
+                </a:solidFill>
+                <a:latin typeface="Consolas" panose="020B0609020204030204" pitchFamily="49" charset="0"/>
+                <a:cs typeface="Arial" panose="020B0604020202020204" pitchFamily="34" charset="0"/>
+                <a:hlinkClick r:id="rId2">
+                  <a:extLst>
+                    <a:ext uri="{A12FA001-AC4F-418D-AE19-62706E023703}">
+                      <ahyp:hlinkClr xmlns:ahyp="http://schemas.microsoft.com/office/drawing/2018/hyperlinkcolor" val="tx"/>
+                    </a:ext>
+                  </a:extLst>
+                </a:hlinkClick>
+              </a:rPr>
+              <a:t>&lt;title&gt;</a:t>
+            </a:r>
+            <a:r>
+              <a:rPr lang="en-US" sz="1800" dirty="0">
+                <a:cs typeface="Arial" panose="020B0604020202020204" pitchFamily="34" charset="0"/>
+              </a:rPr>
+              <a:t> element defines the document's title that is shown in a </a:t>
+            </a:r>
+            <a:r>
+              <a:rPr lang="en-US" sz="1800">
+                <a:cs typeface="Arial" panose="020B0604020202020204" pitchFamily="34" charset="0"/>
+              </a:rPr>
+              <a:t>browser's title bar or tab. </a:t>
+            </a:r>
+          </a:p>
+          <a:p>
+            <a:pPr>
+              <a:lnSpc>
+                <a:spcPct val="120000"/>
+              </a:lnSpc>
+              <a:spcBef>
+                <a:spcPts val="0"/>
+              </a:spcBef>
+            </a:pPr>
+            <a:r>
+              <a:rPr lang="en-US" sz="1800">
+                <a:cs typeface="Arial" panose="020B0604020202020204" pitchFamily="34" charset="0"/>
+              </a:rPr>
+              <a:t>It </a:t>
+            </a:r>
+            <a:r>
+              <a:rPr lang="en-US" sz="1800" dirty="0">
+                <a:cs typeface="Arial" panose="020B0604020202020204" pitchFamily="34" charset="0"/>
+              </a:rPr>
+              <a:t>only contains text.  Tags within the element </a:t>
+            </a:r>
+            <a:r>
+              <a:rPr lang="en-US" sz="1800">
+                <a:cs typeface="Arial" panose="020B0604020202020204" pitchFamily="34" charset="0"/>
+              </a:rPr>
+              <a:t>are ignored</a:t>
+            </a:r>
+          </a:p>
+          <a:p>
+            <a:pPr>
+              <a:lnSpc>
+                <a:spcPct val="120000"/>
+              </a:lnSpc>
+              <a:spcBef>
+                <a:spcPts val="0"/>
+              </a:spcBef>
+            </a:pPr>
+            <a:r>
+              <a:rPr lang="en-US" sz="1800" b="1">
+                <a:latin typeface="Consolas" panose="020B0609020204030204" pitchFamily="49" charset="0"/>
+                <a:cs typeface="Arial" panose="020B0604020202020204" pitchFamily="34" charset="0"/>
+              </a:rPr>
+              <a:t>&lt;title&gt;</a:t>
+            </a:r>
+            <a:r>
+              <a:rPr lang="en-US" sz="1800">
+                <a:cs typeface="Arial" panose="020B0604020202020204" pitchFamily="34" charset="0"/>
+              </a:rPr>
+              <a:t> tags always go inside the </a:t>
+            </a:r>
+            <a:r>
+              <a:rPr lang="en-US" sz="1800" b="1">
+                <a:latin typeface="Consolas" panose="020B0609020204030204" pitchFamily="49" charset="0"/>
+                <a:cs typeface="Arial" panose="020B0604020202020204" pitchFamily="34" charset="0"/>
+              </a:rPr>
+              <a:t>&lt;head&gt;</a:t>
+            </a:r>
+            <a:r>
+              <a:rPr lang="en-US" sz="1800">
+                <a:cs typeface="Arial" panose="020B0604020202020204" pitchFamily="34" charset="0"/>
+              </a:rPr>
+              <a:t> element.</a:t>
+            </a:r>
+            <a:endParaRPr lang="en-US" sz="1800" dirty="0">
+              <a:cs typeface="Arial" panose="020B0604020202020204" pitchFamily="34" charset="0"/>
+            </a:endParaRPr>
           </a:p>
           <a:p>
             <a:pPr marL="0" indent="0">
+              <a:lnSpc>
+                <a:spcPct val="120000"/>
+              </a:lnSpc>
+              <a:spcBef>
+                <a:spcPts val="0"/>
+              </a:spcBef>
               <a:buNone/>
             </a:pPr>
-            <a:endParaRPr lang="en-US" sz="1800" dirty="0"/>
-          </a:p>
-          <a:p>
-            <a:pPr indent="0">
+            <a:endParaRPr lang="en-US" sz="1800"/>
+          </a:p>
+          <a:p>
+            <a:pPr marL="0" indent="0">
+              <a:lnSpc>
+                <a:spcPct val="120000"/>
+              </a:lnSpc>
+              <a:spcBef>
+                <a:spcPts val="0"/>
+              </a:spcBef>
+              <a:buNone/>
+            </a:pPr>
+            <a:r>
+              <a:rPr lang="en-US" sz="1800" b="1" u="sng"/>
+              <a:t>Example</a:t>
+            </a:r>
+            <a:endParaRPr lang="en-US" sz="1800" b="1" u="sng" dirty="0"/>
+          </a:p>
+          <a:p>
+            <a:pPr marL="0" indent="0">
+              <a:lnSpc>
+                <a:spcPct val="120000"/>
+              </a:lnSpc>
+              <a:spcBef>
+                <a:spcPts val="0"/>
+              </a:spcBef>
               <a:buNone/>
               <a:tabLst>
                 <a:tab pos="0" algn="l"/>
@@ -4823,11 +5128,52 @@
               </a:tabLst>
             </a:pPr>
             <a:r>
+              <a:rPr lang="en-US" sz="1800">
+                <a:latin typeface="Consolas" panose="020B0609020204030204" pitchFamily="49" charset="0"/>
+              </a:rPr>
+              <a:t>&lt;</a:t>
+            </a:r>
+            <a:r>
               <a:rPr lang="en-US" sz="1800" dirty="0">
                 <a:latin typeface="Consolas" panose="020B0609020204030204" pitchFamily="49" charset="0"/>
               </a:rPr>
-              <a:t>e.g.: &lt;link rel="stylesheet" href="style.css"&gt;</a:t>
-            </a:r>
+              <a:t>title&gt;</a:t>
+            </a:r>
+            <a:r>
+              <a:rPr lang="en-US" sz="1800">
+                <a:latin typeface="Consolas" panose="020B0609020204030204" pitchFamily="49" charset="0"/>
+              </a:rPr>
+              <a:t>Home Page - Ranken Technical College&lt;/</a:t>
+            </a:r>
+            <a:r>
+              <a:rPr lang="en-US" sz="1800" dirty="0">
+                <a:latin typeface="Consolas" panose="020B0609020204030204" pitchFamily="49" charset="0"/>
+              </a:rPr>
+              <a:t>title&gt;</a:t>
+            </a:r>
+          </a:p>
+        </p:txBody>
+      </p:sp>
+      <p:sp>
+        <p:nvSpPr>
+          <p:cNvPr id="5" name="Slide Number Placeholder 4"/>
+          <p:cNvSpPr>
+            <a:spLocks noGrp="1"/>
+          </p:cNvSpPr>
+          <p:nvPr>
+            <p:ph type="sldNum" sz="quarter" idx="12"/>
+          </p:nvPr>
+        </p:nvSpPr>
+        <p:spPr/>
+        <p:txBody>
+          <a:bodyPr/>
+          <a:lstStyle/>
+          <a:p>
+            <a:fld id="{34B7E4EF-A1BD-40F4-AB7B-04F084DD991D}" type="slidenum">
+              <a:rPr lang="en-US" smtClean="0"/>
+              <a:t>10</a:t>
+            </a:fld>
+            <a:endParaRPr lang="en-US" dirty="0"/>
           </a:p>
         </p:txBody>
       </p:sp>
@@ -4839,8 +5185,8 @@
         </p:nvSpPr>
         <p:spPr>
           <a:xfrm>
-            <a:off x="983810" y="5420825"/>
-            <a:ext cx="7589822" cy="646331"/>
+            <a:off x="983810" y="5754469"/>
+            <a:ext cx="10141390" cy="646331"/>
           </a:xfrm>
           <a:prstGeom prst="rect">
             <a:avLst/>
@@ -4863,10 +5209,32 @@
                 <a:solidFill>
                   <a:srgbClr val="00B0F0"/>
                 </a:solidFill>
-              </a:rPr>
-              <a:t>https://developer.mozilla.org/en-US/docs/Web/HTML/Element/link</a:t>
-            </a:r>
-            <a:endParaRPr lang="en-US" dirty="0">
+                <a:hlinkClick r:id="rId2">
+                  <a:extLst>
+                    <a:ext uri="{A12FA001-AC4F-418D-AE19-62706E023703}">
+                      <ahyp:hlinkClr xmlns:ahyp="http://schemas.microsoft.com/office/drawing/2018/hyperlinkcolor" val="tx"/>
+                    </a:ext>
+                  </a:extLst>
+                </a:hlinkClick>
+              </a:rPr>
+              <a:t>https://developer.mozilla.org/en-US/docs/Web/HTML/Element</a:t>
+            </a:r>
+            <a:r>
+              <a:rPr lang="en-US">
+                <a:solidFill>
+                  <a:srgbClr val="00B0F0"/>
+                </a:solidFill>
+                <a:hlinkClick r:id="rId2">
+                  <a:extLst>
+                    <a:ext uri="{A12FA001-AC4F-418D-AE19-62706E023703}">
+                      <ahyp:hlinkClr xmlns:ahyp="http://schemas.microsoft.com/office/drawing/2018/hyperlinkcolor" val="tx"/>
+                    </a:ext>
+                  </a:extLst>
+                </a:hlinkClick>
+              </a:rPr>
+              <a:t>/title</a:t>
+            </a:r>
+            <a:endParaRPr lang="en-US">
               <a:solidFill>
                 <a:srgbClr val="00B0F0"/>
               </a:solidFill>
@@ -4874,46 +5242,16 @@
           </a:p>
         </p:txBody>
       </p:sp>
-      <p:sp>
-        <p:nvSpPr>
-          <p:cNvPr id="5" name="Slide Number Placeholder 4"/>
-          <p:cNvSpPr>
-            <a:spLocks noGrp="1"/>
-          </p:cNvSpPr>
-          <p:nvPr>
-            <p:ph type="sldNum" sz="quarter" idx="12"/>
-          </p:nvPr>
-        </p:nvSpPr>
-        <p:spPr/>
-        <p:txBody>
-          <a:bodyPr/>
-          <a:lstStyle/>
-          <a:p>
-            <a:fld id="{34B7E4EF-A1BD-40F4-AB7B-04F084DD991D}" type="slidenum">
-              <a:rPr lang="en-US" smtClean="0"/>
-              <a:t>10</a:t>
-            </a:fld>
-            <a:endParaRPr lang="en-US" dirty="0"/>
-          </a:p>
-        </p:txBody>
-      </p:sp>
     </p:spTree>
     <p:extLst>
       <p:ext uri="{BB962C8B-B14F-4D97-AF65-F5344CB8AC3E}">
-        <p14:creationId xmlns:p14="http://schemas.microsoft.com/office/powerpoint/2010/main" val="1306118553"/>
+        <p14:creationId xmlns:p14="http://schemas.microsoft.com/office/powerpoint/2010/main" val="984166339"/>
       </p:ext>
     </p:extLst>
   </p:cSld>
   <p:clrMapOvr>
     <a:masterClrMapping/>
   </p:clrMapOvr>
-  <p:timing>
-    <p:tnLst>
-      <p:par>
-        <p:cTn id="1" dur="indefinite" restart="never" nodeType="tmRoot"/>
-      </p:par>
-    </p:tnLst>
-  </p:timing>
 </p:sld>
 </file>
 
@@ -4939,7 +5277,7 @@
           <p:cNvPr id="2" name="Title 1">
             <a:extLst>
               <a:ext uri="{FF2B5EF4-FFF2-40B4-BE49-F238E27FC236}">
-                <a16:creationId xmlns:a16="http://schemas.microsoft.com/office/drawing/2014/main" xmlns="" id="{BDFAC13C-59B1-436E-B58F-C304E1C705CF}"/>
+                <a16:creationId xmlns:a16="http://schemas.microsoft.com/office/drawing/2014/main" id="{BDFAC13C-59B1-436E-B58F-C304E1C705CF}"/>
               </a:ext>
             </a:extLst>
           </p:cNvPr>
@@ -4950,12 +5288,7 @@
             <p:ph type="title"/>
           </p:nvPr>
         </p:nvSpPr>
-        <p:spPr>
-          <a:xfrm>
-            <a:off x="664233" y="733579"/>
-            <a:ext cx="5582657" cy="1371600"/>
-          </a:xfrm>
-        </p:spPr>
+        <p:spPr/>
         <p:txBody>
           <a:bodyPr>
             <a:normAutofit/>
@@ -4963,10 +5296,14 @@
           <a:lstStyle/>
           <a:p>
             <a:r>
-              <a:rPr lang="en-US" u="sng" dirty="0" smtClean="0"/>
-              <a:t>HTML 5 Semantic Tags</a:t>
-            </a:r>
-            <a:endParaRPr lang="en-US" u="sng" dirty="0"/>
+              <a:rPr lang="en-US" u="sng">
+                <a:latin typeface="Consolas" panose="020B0609020204030204" pitchFamily="49" charset="0"/>
+              </a:rPr>
+              <a:t>&lt;link /&gt;</a:t>
+            </a:r>
+            <a:endParaRPr lang="en-US" u="sng" dirty="0">
+              <a:latin typeface="Consolas" panose="020B0609020204030204" pitchFamily="49" charset="0"/>
+            </a:endParaRPr>
           </a:p>
         </p:txBody>
       </p:sp>
@@ -4975,7 +5312,7 @@
           <p:cNvPr id="3" name="Content Placeholder 2">
             <a:extLst>
               <a:ext uri="{FF2B5EF4-FFF2-40B4-BE49-F238E27FC236}">
-                <a16:creationId xmlns:a16="http://schemas.microsoft.com/office/drawing/2014/main" xmlns="" id="{844A3DC5-46BF-4BFF-8008-98FD467C4904}"/>
+                <a16:creationId xmlns:a16="http://schemas.microsoft.com/office/drawing/2014/main" id="{844A3DC5-46BF-4BFF-8008-98FD467C4904}"/>
               </a:ext>
             </a:extLst>
           </p:cNvPr>
@@ -4986,80 +5323,163 @@
             <p:ph idx="1"/>
           </p:nvPr>
         </p:nvSpPr>
-        <p:spPr>
-          <a:xfrm>
-            <a:off x="1066800" y="2105179"/>
-            <a:ext cx="10058400" cy="3037189"/>
-          </a:xfrm>
-        </p:spPr>
+        <p:spPr/>
         <p:txBody>
           <a:bodyPr>
-            <a:noAutofit/>
+            <a:normAutofit/>
           </a:bodyPr>
           <a:lstStyle/>
           <a:p>
-            <a:r>
-              <a:rPr lang="en-US" sz="1800" dirty="0">
-                <a:cs typeface="Arial" panose="020B0604020202020204" pitchFamily="34" charset="0"/>
-              </a:rPr>
-              <a:t>&lt;article&gt;</a:t>
-            </a:r>
-          </a:p>
-          <a:p>
-            <a:r>
-              <a:rPr lang="en-US" sz="1800" dirty="0">
-                <a:cs typeface="Arial" panose="020B0604020202020204" pitchFamily="34" charset="0"/>
-              </a:rPr>
-              <a:t>&lt;aside&gt;</a:t>
-            </a:r>
-          </a:p>
-          <a:p>
-            <a:r>
-              <a:rPr lang="en-US" sz="1800" dirty="0">
-                <a:cs typeface="Arial" panose="020B0604020202020204" pitchFamily="34" charset="0"/>
-              </a:rPr>
-              <a:t>&lt;figure&gt;</a:t>
-            </a:r>
-          </a:p>
-          <a:p>
-            <a:r>
-              <a:rPr lang="en-US" sz="1800" dirty="0">
-                <a:cs typeface="Arial" panose="020B0604020202020204" pitchFamily="34" charset="0"/>
-              </a:rPr>
-              <a:t>&lt;footer&gt;</a:t>
-            </a:r>
-          </a:p>
-          <a:p>
-            <a:r>
-              <a:rPr lang="en-US" sz="1800" dirty="0">
-                <a:cs typeface="Arial" panose="020B0604020202020204" pitchFamily="34" charset="0"/>
-              </a:rPr>
-              <a:t>&lt;header&gt;</a:t>
-            </a:r>
-          </a:p>
-          <a:p>
-            <a:r>
-              <a:rPr lang="en-US" sz="1800" dirty="0">
-                <a:cs typeface="Arial" panose="020B0604020202020204" pitchFamily="34" charset="0"/>
-              </a:rPr>
-              <a:t>&lt;main&gt;</a:t>
-            </a:r>
-          </a:p>
-          <a:p>
-            <a:r>
-              <a:rPr lang="en-US" sz="1800" dirty="0">
-                <a:cs typeface="Arial" panose="020B0604020202020204" pitchFamily="34" charset="0"/>
-              </a:rPr>
-              <a:t>&lt;nav&gt;</a:t>
-            </a:r>
-          </a:p>
-          <a:p>
-            <a:r>
-              <a:rPr lang="en-US" sz="1800" dirty="0">
-                <a:cs typeface="Arial" panose="020B0604020202020204" pitchFamily="34" charset="0"/>
-              </a:rPr>
-              <a:t>&lt;section&gt;</a:t>
-            </a:r>
+            <a:pPr marL="285750" lvl="1" indent="-285750">
+              <a:lnSpc>
+                <a:spcPct val="120000"/>
+              </a:lnSpc>
+              <a:spcBef>
+                <a:spcPts val="0"/>
+              </a:spcBef>
+            </a:pPr>
+            <a:r>
+              <a:rPr lang="en-US" sz="1800"/>
+              <a:t>The HTML External Resource Link element </a:t>
+            </a:r>
+            <a:r>
+              <a:rPr lang="en-US" sz="1800" b="1">
+                <a:latin typeface="Consolas" panose="020B0609020204030204" pitchFamily="49" charset="0"/>
+                <a:hlinkClick r:id="rId2"/>
+              </a:rPr>
+              <a:t>&lt;link&gt;</a:t>
+            </a:r>
+            <a:r>
+              <a:rPr lang="en-US" sz="1800"/>
+              <a:t> specifies relationships between the current document and an external resource. </a:t>
+            </a:r>
+          </a:p>
+          <a:p>
+            <a:pPr marL="285750" lvl="1" indent="-285750">
+              <a:lnSpc>
+                <a:spcPct val="120000"/>
+              </a:lnSpc>
+              <a:spcBef>
+                <a:spcPts val="0"/>
+              </a:spcBef>
+            </a:pPr>
+            <a:r>
+              <a:rPr lang="en-US" sz="1800" b="1">
+                <a:latin typeface="Consolas" panose="020B0609020204030204" pitchFamily="49" charset="0"/>
+              </a:rPr>
+              <a:t>&lt;link&gt;</a:t>
+            </a:r>
+            <a:r>
+              <a:rPr lang="en-US" sz="1800"/>
+              <a:t> is most commonly used to link to CSS stylesheets.</a:t>
+            </a:r>
+          </a:p>
+          <a:p>
+            <a:pPr marL="285750" lvl="1" indent="-285750">
+              <a:lnSpc>
+                <a:spcPct val="120000"/>
+              </a:lnSpc>
+              <a:spcBef>
+                <a:spcPts val="0"/>
+              </a:spcBef>
+            </a:pPr>
+            <a:r>
+              <a:rPr lang="en-US" sz="1800" b="1">
+                <a:latin typeface="Consolas" panose="020B0609020204030204" pitchFamily="49" charset="0"/>
+                <a:cs typeface="Arial" panose="020B0604020202020204" pitchFamily="34" charset="0"/>
+              </a:rPr>
+              <a:t>&lt;link&gt;</a:t>
+            </a:r>
+            <a:r>
+              <a:rPr lang="en-US" sz="1800">
+                <a:cs typeface="Arial" panose="020B0604020202020204" pitchFamily="34" charset="0"/>
+              </a:rPr>
+              <a:t> tags always go inside the </a:t>
+            </a:r>
+            <a:r>
+              <a:rPr lang="en-US" sz="1800" b="1">
+                <a:latin typeface="Consolas" panose="020B0609020204030204" pitchFamily="49" charset="0"/>
+                <a:cs typeface="Arial" panose="020B0604020202020204" pitchFamily="34" charset="0"/>
+              </a:rPr>
+              <a:t>&lt;head&gt;</a:t>
+            </a:r>
+            <a:r>
+              <a:rPr lang="en-US" sz="1800">
+                <a:cs typeface="Arial" panose="020B0604020202020204" pitchFamily="34" charset="0"/>
+              </a:rPr>
+              <a:t> element.</a:t>
+            </a:r>
+            <a:endParaRPr lang="en-US" sz="1800"/>
+          </a:p>
+          <a:p>
+            <a:pPr marL="0" lvl="1" indent="0">
+              <a:lnSpc>
+                <a:spcPct val="120000"/>
+              </a:lnSpc>
+              <a:spcBef>
+                <a:spcPts val="0"/>
+              </a:spcBef>
+              <a:buNone/>
+            </a:pPr>
+            <a:endParaRPr lang="en-US" sz="1800"/>
+          </a:p>
+          <a:p>
+            <a:pPr marL="0" lvl="1" indent="0">
+              <a:lnSpc>
+                <a:spcPct val="120000"/>
+              </a:lnSpc>
+              <a:spcBef>
+                <a:spcPts val="0"/>
+              </a:spcBef>
+              <a:buNone/>
+            </a:pPr>
+            <a:r>
+              <a:rPr lang="en-US" sz="1800" b="1" u="sng"/>
+              <a:t>Example</a:t>
+            </a:r>
+          </a:p>
+          <a:p>
+            <a:pPr marL="0" lvl="1" indent="0">
+              <a:lnSpc>
+                <a:spcPct val="120000"/>
+              </a:lnSpc>
+              <a:spcBef>
+                <a:spcPts val="0"/>
+              </a:spcBef>
+              <a:buNone/>
+            </a:pPr>
+            <a:r>
+              <a:rPr lang="en-US" sz="1800">
+                <a:latin typeface="Consolas" panose="020B0609020204030204" pitchFamily="49" charset="0"/>
+              </a:rPr>
+              <a:t>&lt;link rel="stylesheet" type="text/css" href="/css/main.css" &gt;</a:t>
+            </a:r>
+            <a:endParaRPr lang="en-US" sz="1800" dirty="0">
+              <a:latin typeface="Consolas" panose="020B0609020204030204" pitchFamily="49" charset="0"/>
+            </a:endParaRPr>
+          </a:p>
+        </p:txBody>
+      </p:sp>
+      <p:sp>
+        <p:nvSpPr>
+          <p:cNvPr id="5" name="Slide Number Placeholder 4"/>
+          <p:cNvSpPr>
+            <a:spLocks noGrp="1"/>
+          </p:cNvSpPr>
+          <p:nvPr>
+            <p:ph type="sldNum" sz="quarter" idx="12"/>
+          </p:nvPr>
+        </p:nvSpPr>
+        <p:spPr/>
+        <p:txBody>
+          <a:bodyPr/>
+          <a:lstStyle/>
+          <a:p>
+            <a:fld id="{34B7E4EF-A1BD-40F4-AB7B-04F084DD991D}" type="slidenum">
+              <a:rPr lang="en-US" smtClean="0"/>
+              <a:t>11</a:t>
+            </a:fld>
+            <a:endParaRPr lang="en-US" dirty="0"/>
           </a:p>
         </p:txBody>
       </p:sp>
@@ -5071,8 +5491,8 @@
         </p:nvSpPr>
         <p:spPr>
           <a:xfrm>
-            <a:off x="983810" y="5420825"/>
-            <a:ext cx="7589822" cy="646331"/>
+            <a:off x="1066799" y="5754469"/>
+            <a:ext cx="10058399" cy="646331"/>
           </a:xfrm>
           <a:prstGeom prst="rect">
             <a:avLst/>
@@ -5095,10 +5515,20 @@
                 <a:solidFill>
                   <a:srgbClr val="00B0F0"/>
                 </a:solidFill>
-              </a:rPr>
-              <a:t>https://developer.mozilla.org/en-US/docs/Web/HTML/Element/</a:t>
-            </a:r>
-            <a:endParaRPr lang="en-US" dirty="0">
+                <a:hlinkClick r:id="rId2"/>
+              </a:rPr>
+              <a:t>https://developer.mozilla.org/en-US/docs/Web/HTML/Element</a:t>
+            </a:r>
+            <a:r>
+              <a:rPr lang="en-US">
+                <a:solidFill>
+                  <a:srgbClr val="00B0F0"/>
+                </a:solidFill>
+                <a:hlinkClick r:id="rId2"/>
+              </a:rPr>
+              <a:t>/link</a:t>
+            </a:r>
+            <a:endParaRPr lang="en-US">
               <a:solidFill>
                 <a:srgbClr val="00B0F0"/>
               </a:solidFill>
@@ -5106,46 +5536,16 @@
           </a:p>
         </p:txBody>
       </p:sp>
-      <p:sp>
-        <p:nvSpPr>
-          <p:cNvPr id="5" name="Slide Number Placeholder 4"/>
-          <p:cNvSpPr>
-            <a:spLocks noGrp="1"/>
-          </p:cNvSpPr>
-          <p:nvPr>
-            <p:ph type="sldNum" sz="quarter" idx="12"/>
-          </p:nvPr>
-        </p:nvSpPr>
-        <p:spPr/>
-        <p:txBody>
-          <a:bodyPr/>
-          <a:lstStyle/>
-          <a:p>
-            <a:fld id="{34B7E4EF-A1BD-40F4-AB7B-04F084DD991D}" type="slidenum">
-              <a:rPr lang="en-US" smtClean="0"/>
-              <a:t>11</a:t>
-            </a:fld>
-            <a:endParaRPr lang="en-US" dirty="0"/>
-          </a:p>
-        </p:txBody>
-      </p:sp>
     </p:spTree>
     <p:extLst>
       <p:ext uri="{BB962C8B-B14F-4D97-AF65-F5344CB8AC3E}">
-        <p14:creationId xmlns:p14="http://schemas.microsoft.com/office/powerpoint/2010/main" val="1733842156"/>
+        <p14:creationId xmlns:p14="http://schemas.microsoft.com/office/powerpoint/2010/main" val="1306118553"/>
       </p:ext>
     </p:extLst>
   </p:cSld>
   <p:clrMapOvr>
     <a:masterClrMapping/>
   </p:clrMapOvr>
-  <p:timing>
-    <p:tnLst>
-      <p:par>
-        <p:cTn id="1" dur="indefinite" restart="never" nodeType="tmRoot"/>
-      </p:par>
-    </p:tnLst>
-  </p:timing>
 </p:sld>
 </file>
 
@@ -5168,10 +5568,10 @@
       </p:grpSpPr>
       <p:sp>
         <p:nvSpPr>
-          <p:cNvPr id="2" name="Title 1">
+          <p:cNvPr id="5" name="Title 4">
             <a:extLst>
               <a:ext uri="{FF2B5EF4-FFF2-40B4-BE49-F238E27FC236}">
-                <a16:creationId xmlns:a16="http://schemas.microsoft.com/office/drawing/2014/main" xmlns="" id="{BDFAC13C-59B1-436E-B58F-C304E1C705CF}"/>
+                <a16:creationId xmlns:a16="http://schemas.microsoft.com/office/drawing/2014/main" id="{82482C33-AC72-4622-9150-D6E96E9CC903}"/>
               </a:ext>
             </a:extLst>
           </p:cNvPr>
@@ -5182,32 +5582,24 @@
             <p:ph type="title"/>
           </p:nvPr>
         </p:nvSpPr>
-        <p:spPr>
-          <a:xfrm>
-            <a:off x="664234" y="733579"/>
-            <a:ext cx="5537390" cy="1371600"/>
-          </a:xfrm>
-        </p:spPr>
-        <p:txBody>
-          <a:bodyPr>
-            <a:normAutofit/>
-          </a:bodyPr>
+        <p:spPr/>
+        <p:txBody>
+          <a:bodyPr/>
           <a:lstStyle/>
           <a:p>
             <a:r>
-              <a:rPr lang="en-US" u="sng" dirty="0" smtClean="0"/>
-              <a:t>HTML5 Semantic Tags</a:t>
-            </a:r>
-            <a:endParaRPr lang="en-US" u="sng" dirty="0"/>
-          </a:p>
-        </p:txBody>
-      </p:sp>
-      <p:sp>
-        <p:nvSpPr>
-          <p:cNvPr id="3" name="Content Placeholder 2">
+              <a:rPr lang="en-US" cap="none"/>
+              <a:t>Content</a:t>
+            </a:r>
+          </a:p>
+        </p:txBody>
+      </p:sp>
+      <p:sp>
+        <p:nvSpPr>
+          <p:cNvPr id="6" name="Text Placeholder 5">
             <a:extLst>
               <a:ext uri="{FF2B5EF4-FFF2-40B4-BE49-F238E27FC236}">
-                <a16:creationId xmlns:a16="http://schemas.microsoft.com/office/drawing/2014/main" xmlns="" id="{844A3DC5-46BF-4BFF-8008-98FD467C4904}"/>
+                <a16:creationId xmlns:a16="http://schemas.microsoft.com/office/drawing/2014/main" id="{93E0FA6B-B74C-4EBA-A3F7-A83C7F3AD34E}"/>
               </a:ext>
             </a:extLst>
           </p:cNvPr>
@@ -5215,57 +5607,30 @@
             <a:spLocks noGrp="1"/>
           </p:cNvSpPr>
           <p:nvPr>
-            <p:ph idx="1"/>
-          </p:nvPr>
-        </p:nvSpPr>
-        <p:spPr>
-          <a:xfrm>
-            <a:off x="1066800" y="2733472"/>
-            <a:ext cx="10058400" cy="1919267"/>
-          </a:xfrm>
-        </p:spPr>
-        <p:txBody>
-          <a:bodyPr>
-            <a:normAutofit/>
-          </a:bodyPr>
+            <p:ph type="body" idx="1"/>
+          </p:nvPr>
+        </p:nvSpPr>
+        <p:spPr/>
+        <p:txBody>
+          <a:bodyPr/>
           <a:lstStyle/>
           <a:p>
-            <a:pPr indent="0">
-              <a:buNone/>
-            </a:pPr>
-            <a:endParaRPr lang="en-US" sz="1800" dirty="0">
-              <a:latin typeface="Consolas" panose="020B0609020204030204" pitchFamily="49" charset="0"/>
-            </a:endParaRPr>
-          </a:p>
-        </p:txBody>
-      </p:sp>
-      <p:pic>
-        <p:nvPicPr>
-          <p:cNvPr id="5" name="Picture 4"/>
-          <p:cNvPicPr>
-            <a:picLocks noChangeAspect="1"/>
-          </p:cNvPicPr>
-          <p:nvPr/>
-        </p:nvPicPr>
-        <p:blipFill>
-          <a:blip r:embed="rId2"/>
-          <a:stretch>
-            <a:fillRect/>
-          </a:stretch>
-        </p:blipFill>
-        <p:spPr>
-          <a:xfrm>
-            <a:off x="2706561" y="2038254"/>
-            <a:ext cx="3248025" cy="3762375"/>
-          </a:xfrm>
-          <a:prstGeom prst="rect">
-            <a:avLst/>
-          </a:prstGeom>
-        </p:spPr>
-      </p:pic>
-      <p:sp>
-        <p:nvSpPr>
-          <p:cNvPr id="6" name="Slide Number Placeholder 5"/>
+            <a:r>
+              <a:rPr lang="en-US"/>
+              <a:t>Common tags used in the body of an HTML document.</a:t>
+            </a:r>
+          </a:p>
+        </p:txBody>
+      </p:sp>
+      <p:sp>
+        <p:nvSpPr>
+          <p:cNvPr id="4" name="Slide Number Placeholder 3">
+            <a:extLst>
+              <a:ext uri="{FF2B5EF4-FFF2-40B4-BE49-F238E27FC236}">
+                <a16:creationId xmlns:a16="http://schemas.microsoft.com/office/drawing/2014/main" id="{3C43E6E1-9ABC-48C7-87EE-FD7119A0880A}"/>
+              </a:ext>
+            </a:extLst>
+          </p:cNvPr>
           <p:cNvSpPr>
             <a:spLocks noGrp="1"/>
           </p:cNvSpPr>
@@ -5289,20 +5654,13 @@
     </p:spTree>
     <p:extLst>
       <p:ext uri="{BB962C8B-B14F-4D97-AF65-F5344CB8AC3E}">
-        <p14:creationId xmlns:p14="http://schemas.microsoft.com/office/powerpoint/2010/main" val="2829571439"/>
+        <p14:creationId xmlns:p14="http://schemas.microsoft.com/office/powerpoint/2010/main" val="3987913093"/>
       </p:ext>
     </p:extLst>
   </p:cSld>
   <p:clrMapOvr>
     <a:masterClrMapping/>
   </p:clrMapOvr>
-  <p:timing>
-    <p:tnLst>
-      <p:par>
-        <p:cTn id="1" dur="indefinite" restart="never" nodeType="tmRoot"/>
-      </p:par>
-    </p:tnLst>
-  </p:timing>
 </p:sld>
 </file>
 
@@ -5328,7 +5686,7 @@
           <p:cNvPr id="2" name="Title 1">
             <a:extLst>
               <a:ext uri="{FF2B5EF4-FFF2-40B4-BE49-F238E27FC236}">
-                <a16:creationId xmlns:a16="http://schemas.microsoft.com/office/drawing/2014/main" xmlns="" id="{BDFAC13C-59B1-436E-B58F-C304E1C705CF}"/>
+                <a16:creationId xmlns:a16="http://schemas.microsoft.com/office/drawing/2014/main" id="{BDFAC13C-59B1-436E-B58F-C304E1C705CF}"/>
               </a:ext>
             </a:extLst>
           </p:cNvPr>
@@ -5339,12 +5697,7 @@
             <p:ph type="title"/>
           </p:nvPr>
         </p:nvSpPr>
-        <p:spPr>
-          <a:xfrm>
-            <a:off x="664234" y="733579"/>
-            <a:ext cx="5077520" cy="1371600"/>
-          </a:xfrm>
-        </p:spPr>
+        <p:spPr/>
         <p:txBody>
           <a:bodyPr>
             <a:normAutofit/>
@@ -5352,8 +5705,8 @@
           <a:lstStyle/>
           <a:p>
             <a:r>
-              <a:rPr lang="en-US" u="sng" dirty="0" smtClean="0"/>
-              <a:t>&lt;div&gt;</a:t>
+              <a:rPr lang="en-US" u="sng"/>
+              <a:t>HTML5 Tags for sectioning content</a:t>
             </a:r>
             <a:endParaRPr lang="en-US" u="sng" dirty="0"/>
           </a:p>
@@ -5364,7 +5717,7 @@
           <p:cNvPr id="3" name="Content Placeholder 2">
             <a:extLst>
               <a:ext uri="{FF2B5EF4-FFF2-40B4-BE49-F238E27FC236}">
-                <a16:creationId xmlns:a16="http://schemas.microsoft.com/office/drawing/2014/main" xmlns="" id="{844A3DC5-46BF-4BFF-8008-98FD467C4904}"/>
+                <a16:creationId xmlns:a16="http://schemas.microsoft.com/office/drawing/2014/main" id="{844A3DC5-46BF-4BFF-8008-98FD467C4904}"/>
               </a:ext>
             </a:extLst>
           </p:cNvPr>
@@ -5377,25 +5730,220 @@
         </p:nvSpPr>
         <p:spPr>
           <a:xfrm>
-            <a:off x="1066800" y="2733472"/>
-            <a:ext cx="10058400" cy="1919267"/>
+            <a:off x="1066800" y="1577130"/>
+            <a:ext cx="10058400" cy="4244830"/>
           </a:xfrm>
         </p:spPr>
         <p:txBody>
-          <a:bodyPr>
-            <a:normAutofit/>
+          <a:bodyPr anchor="ctr">
+            <a:noAutofit/>
           </a:bodyPr>
           <a:lstStyle/>
           <a:p>
-            <a:pPr indent="0">
+            <a:pPr marL="0" indent="0">
+              <a:lnSpc>
+                <a:spcPct val="150000"/>
+              </a:lnSpc>
+              <a:spcBef>
+                <a:spcPts val="0"/>
+              </a:spcBef>
               <a:buNone/>
             </a:pPr>
             <a:r>
-              <a:rPr lang="en-US" sz="1800" dirty="0">
-                <a:cs typeface="Arial" panose="020B0604020202020204" pitchFamily="34" charset="0"/>
-              </a:rPr>
-              <a:t>The HTML Content Division element &lt;div&gt; is the generic container for flow content. It has no effect on the content or layout until styled using CSS</a:t>
-            </a:r>
+              <a:rPr lang="fr-FR" sz="1800" b="1">
+                <a:latin typeface="Consolas" panose="020B0609020204030204" pitchFamily="49" charset="0"/>
+                <a:cs typeface="Arial" panose="020B0604020202020204" pitchFamily="34" charset="0"/>
+                <a:hlinkClick r:id="rId2"/>
+              </a:rPr>
+              <a:t>&lt;header&gt;</a:t>
+            </a:r>
+            <a:endParaRPr lang="fr-FR" sz="1800" b="1">
+              <a:latin typeface="Consolas" panose="020B0609020204030204" pitchFamily="49" charset="0"/>
+              <a:cs typeface="Arial" panose="020B0604020202020204" pitchFamily="34" charset="0"/>
+            </a:endParaRPr>
+          </a:p>
+          <a:p>
+            <a:pPr marL="0" indent="0">
+              <a:lnSpc>
+                <a:spcPct val="150000"/>
+              </a:lnSpc>
+              <a:spcBef>
+                <a:spcPts val="0"/>
+              </a:spcBef>
+              <a:buNone/>
+            </a:pPr>
+            <a:r>
+              <a:rPr lang="fr-FR" sz="1800" b="1">
+                <a:latin typeface="Consolas" panose="020B0609020204030204" pitchFamily="49" charset="0"/>
+                <a:cs typeface="Arial" panose="020B0604020202020204" pitchFamily="34" charset="0"/>
+                <a:hlinkClick r:id="rId3"/>
+              </a:rPr>
+              <a:t>&lt;nav&gt;</a:t>
+            </a:r>
+            <a:endParaRPr lang="fr-FR" sz="1800" b="1">
+              <a:latin typeface="Consolas" panose="020B0609020204030204" pitchFamily="49" charset="0"/>
+              <a:cs typeface="Arial" panose="020B0604020202020204" pitchFamily="34" charset="0"/>
+            </a:endParaRPr>
+          </a:p>
+          <a:p>
+            <a:pPr marL="0" indent="0">
+              <a:lnSpc>
+                <a:spcPct val="150000"/>
+              </a:lnSpc>
+              <a:spcBef>
+                <a:spcPts val="0"/>
+              </a:spcBef>
+              <a:buNone/>
+            </a:pPr>
+            <a:r>
+              <a:rPr lang="fr-FR" sz="1800" b="1">
+                <a:latin typeface="Consolas" panose="020B0609020204030204" pitchFamily="49" charset="0"/>
+                <a:cs typeface="Arial" panose="020B0604020202020204" pitchFamily="34" charset="0"/>
+                <a:hlinkClick r:id="rId4"/>
+              </a:rPr>
+              <a:t>&lt;main&gt;</a:t>
+            </a:r>
+            <a:endParaRPr lang="fr-FR" sz="1800" b="1">
+              <a:latin typeface="Consolas" panose="020B0609020204030204" pitchFamily="49" charset="0"/>
+              <a:cs typeface="Arial" panose="020B0604020202020204" pitchFamily="34" charset="0"/>
+            </a:endParaRPr>
+          </a:p>
+          <a:p>
+            <a:pPr marL="0" indent="0">
+              <a:lnSpc>
+                <a:spcPct val="150000"/>
+              </a:lnSpc>
+              <a:spcBef>
+                <a:spcPts val="0"/>
+              </a:spcBef>
+              <a:buNone/>
+            </a:pPr>
+            <a:r>
+              <a:rPr lang="fr-FR" sz="1800" b="1">
+                <a:latin typeface="Consolas" panose="020B0609020204030204" pitchFamily="49" charset="0"/>
+                <a:cs typeface="Arial" panose="020B0604020202020204" pitchFamily="34" charset="0"/>
+                <a:hlinkClick r:id="rId5"/>
+              </a:rPr>
+              <a:t>&lt;section&gt;</a:t>
+            </a:r>
+            <a:endParaRPr lang="fr-FR" sz="1800" b="1">
+              <a:latin typeface="Consolas" panose="020B0609020204030204" pitchFamily="49" charset="0"/>
+              <a:cs typeface="Arial" panose="020B0604020202020204" pitchFamily="34" charset="0"/>
+            </a:endParaRPr>
+          </a:p>
+          <a:p>
+            <a:pPr marL="0" indent="0">
+              <a:lnSpc>
+                <a:spcPct val="150000"/>
+              </a:lnSpc>
+              <a:spcBef>
+                <a:spcPts val="0"/>
+              </a:spcBef>
+              <a:buNone/>
+            </a:pPr>
+            <a:r>
+              <a:rPr lang="fr-FR" sz="1800" b="1">
+                <a:latin typeface="Consolas" panose="020B0609020204030204" pitchFamily="49" charset="0"/>
+                <a:cs typeface="Arial" panose="020B0604020202020204" pitchFamily="34" charset="0"/>
+                <a:hlinkClick r:id="rId6"/>
+              </a:rPr>
+              <a:t>&lt;article&gt;</a:t>
+            </a:r>
+            <a:endParaRPr lang="fr-FR" sz="1800" b="1">
+              <a:latin typeface="Consolas" panose="020B0609020204030204" pitchFamily="49" charset="0"/>
+              <a:cs typeface="Arial" panose="020B0604020202020204" pitchFamily="34" charset="0"/>
+            </a:endParaRPr>
+          </a:p>
+          <a:p>
+            <a:pPr marL="0" indent="0">
+              <a:lnSpc>
+                <a:spcPct val="150000"/>
+              </a:lnSpc>
+              <a:spcBef>
+                <a:spcPts val="0"/>
+              </a:spcBef>
+              <a:buNone/>
+            </a:pPr>
+            <a:r>
+              <a:rPr lang="fr-FR" sz="1800" b="1">
+                <a:latin typeface="Consolas" panose="020B0609020204030204" pitchFamily="49" charset="0"/>
+                <a:cs typeface="Arial" panose="020B0604020202020204" pitchFamily="34" charset="0"/>
+                <a:hlinkClick r:id="rId7"/>
+              </a:rPr>
+              <a:t>&lt;aside&gt;</a:t>
+            </a:r>
+            <a:endParaRPr lang="fr-FR" sz="1800" b="1">
+              <a:latin typeface="Consolas" panose="020B0609020204030204" pitchFamily="49" charset="0"/>
+              <a:cs typeface="Arial" panose="020B0604020202020204" pitchFamily="34" charset="0"/>
+            </a:endParaRPr>
+          </a:p>
+          <a:p>
+            <a:pPr marL="0" indent="0">
+              <a:lnSpc>
+                <a:spcPct val="150000"/>
+              </a:lnSpc>
+              <a:spcBef>
+                <a:spcPts val="0"/>
+              </a:spcBef>
+              <a:buNone/>
+            </a:pPr>
+            <a:r>
+              <a:rPr lang="fr-FR" sz="1800" b="1">
+                <a:latin typeface="Consolas" panose="020B0609020204030204" pitchFamily="49" charset="0"/>
+                <a:cs typeface="Arial" panose="020B0604020202020204" pitchFamily="34" charset="0"/>
+                <a:hlinkClick r:id="rId8"/>
+              </a:rPr>
+              <a:t>&lt;footer&gt;</a:t>
+            </a:r>
+            <a:endParaRPr lang="fr-FR" sz="1800" b="1">
+              <a:latin typeface="Consolas" panose="020B0609020204030204" pitchFamily="49" charset="0"/>
+              <a:cs typeface="Arial" panose="020B0604020202020204" pitchFamily="34" charset="0"/>
+            </a:endParaRPr>
+          </a:p>
+          <a:p>
+            <a:pPr marL="0" indent="0">
+              <a:lnSpc>
+                <a:spcPct val="150000"/>
+              </a:lnSpc>
+              <a:spcBef>
+                <a:spcPts val="0"/>
+              </a:spcBef>
+              <a:buNone/>
+            </a:pPr>
+            <a:r>
+              <a:rPr lang="fr-FR" sz="1800" b="1">
+                <a:latin typeface="Consolas" panose="020B0609020204030204" pitchFamily="49" charset="0"/>
+                <a:cs typeface="Arial" panose="020B0604020202020204" pitchFamily="34" charset="0"/>
+              </a:rPr>
+              <a:t>etc.</a:t>
+            </a:r>
+            <a:endParaRPr lang="fr-FR" sz="1800" b="1" dirty="0">
+              <a:latin typeface="Consolas" panose="020B0609020204030204" pitchFamily="49" charset="0"/>
+              <a:cs typeface="Arial" panose="020B0604020202020204" pitchFamily="34" charset="0"/>
+            </a:endParaRPr>
+          </a:p>
+        </p:txBody>
+      </p:sp>
+      <p:sp>
+        <p:nvSpPr>
+          <p:cNvPr id="5" name="Slide Number Placeholder 4"/>
+          <p:cNvSpPr>
+            <a:spLocks noGrp="1"/>
+          </p:cNvSpPr>
+          <p:nvPr>
+            <p:ph type="sldNum" sz="quarter" idx="12"/>
+          </p:nvPr>
+        </p:nvSpPr>
+        <p:spPr/>
+        <p:txBody>
+          <a:bodyPr/>
+          <a:lstStyle/>
+          <a:p>
+            <a:fld id="{34B7E4EF-A1BD-40F4-AB7B-04F084DD991D}" type="slidenum">
+              <a:rPr lang="en-US" smtClean="0"/>
+              <a:t>13</a:t>
+            </a:fld>
+            <a:endParaRPr lang="en-US" dirty="0"/>
           </a:p>
         </p:txBody>
       </p:sp>
@@ -5407,8 +5955,8 @@
         </p:nvSpPr>
         <p:spPr>
           <a:xfrm>
-            <a:off x="983810" y="5420825"/>
-            <a:ext cx="7589822" cy="646331"/>
+            <a:off x="1066800" y="5923018"/>
+            <a:ext cx="10058400" cy="584775"/>
           </a:xfrm>
           <a:prstGeom prst="rect">
             <a:avLst/>
@@ -5421,20 +5969,27 @@
           <a:lstStyle/>
           <a:p>
             <a:r>
-              <a:rPr lang="en-US" b="1" dirty="0"/>
+              <a:rPr lang="en-US" sz="1600" b="1" dirty="0"/>
               <a:t>Source</a:t>
             </a:r>
           </a:p>
           <a:p>
             <a:r>
-              <a:rPr lang="en-US" dirty="0">
+              <a:rPr lang="en-US" sz="1600">
                 <a:solidFill>
                   <a:srgbClr val="00B0F0"/>
                 </a:solidFill>
-              </a:rPr>
-              <a:t>https://developer.mozilla.org/en-US/docs/Web/HTML/Element/div</a:t>
-            </a:r>
-            <a:endParaRPr lang="en-US" dirty="0">
+                <a:hlinkClick r:id="rId9">
+                  <a:extLst>
+                    <a:ext uri="{A12FA001-AC4F-418D-AE19-62706E023703}">
+                      <ahyp:hlinkClr xmlns:ahyp="http://schemas.microsoft.com/office/drawing/2018/hyperlinkcolor" val="tx"/>
+                    </a:ext>
+                  </a:extLst>
+                </a:hlinkClick>
+              </a:rPr>
+              <a:t>https://developer.mozilla.org/en-US/docs/Web/HTML/Element#Content_sectioning</a:t>
+            </a:r>
+            <a:endParaRPr lang="en-US" sz="1600" dirty="0">
               <a:solidFill>
                 <a:srgbClr val="00B0F0"/>
               </a:solidFill>
@@ -5442,46 +5997,539 @@
           </a:p>
         </p:txBody>
       </p:sp>
-      <p:sp>
-        <p:nvSpPr>
-          <p:cNvPr id="5" name="Slide Number Placeholder 4"/>
-          <p:cNvSpPr>
-            <a:spLocks noGrp="1"/>
-          </p:cNvSpPr>
-          <p:nvPr>
-            <p:ph type="sldNum" sz="quarter" idx="12"/>
-          </p:nvPr>
-        </p:nvSpPr>
-        <p:spPr/>
-        <p:txBody>
-          <a:bodyPr/>
-          <a:lstStyle/>
-          <a:p>
-            <a:fld id="{34B7E4EF-A1BD-40F4-AB7B-04F084DD991D}" type="slidenum">
-              <a:rPr lang="en-US" smtClean="0"/>
-              <a:t>13</a:t>
-            </a:fld>
-            <a:endParaRPr lang="en-US" dirty="0"/>
-          </a:p>
-        </p:txBody>
-      </p:sp>
+      <p:graphicFrame>
+        <p:nvGraphicFramePr>
+          <p:cNvPr id="7" name="Table 7">
+            <a:extLst>
+              <a:ext uri="{FF2B5EF4-FFF2-40B4-BE49-F238E27FC236}">
+                <a16:creationId xmlns:a16="http://schemas.microsoft.com/office/drawing/2014/main" id="{A2CF1F56-1F49-4A56-9E1C-3B4B719A051D}"/>
+              </a:ext>
+            </a:extLst>
+          </p:cNvPr>
+          <p:cNvGraphicFramePr>
+            <a:graphicFrameLocks noGrp="1"/>
+          </p:cNvGraphicFramePr>
+          <p:nvPr>
+            <p:extLst>
+              <p:ext uri="{D42A27DB-BD31-4B8C-83A1-F6EECF244321}">
+                <p14:modId xmlns:p14="http://schemas.microsoft.com/office/powerpoint/2010/main" val="1414465819"/>
+              </p:ext>
+            </p:extLst>
+          </p:nvPr>
+        </p:nvGraphicFramePr>
+        <p:xfrm>
+          <a:off x="6306542" y="2037679"/>
+          <a:ext cx="3980458" cy="3410740"/>
+        </p:xfrm>
+        <a:graphic>
+          <a:graphicData uri="http://schemas.openxmlformats.org/drawingml/2006/table">
+            <a:tbl>
+              <a:tblPr firstRow="1" bandRow="1">
+                <a:tableStyleId>{5C22544A-7EE6-4342-B048-85BDC9FD1C3A}</a:tableStyleId>
+              </a:tblPr>
+              <a:tblGrid>
+                <a:gridCol w="1990229">
+                  <a:extLst>
+                    <a:ext uri="{9D8B030D-6E8A-4147-A177-3AD203B41FA5}">
+                      <a16:colId xmlns:a16="http://schemas.microsoft.com/office/drawing/2014/main" val="1937702341"/>
+                    </a:ext>
+                  </a:extLst>
+                </a:gridCol>
+                <a:gridCol w="1990229">
+                  <a:extLst>
+                    <a:ext uri="{9D8B030D-6E8A-4147-A177-3AD203B41FA5}">
+                      <a16:colId xmlns:a16="http://schemas.microsoft.com/office/drawing/2014/main" val="1202954943"/>
+                    </a:ext>
+                  </a:extLst>
+                </a:gridCol>
+              </a:tblGrid>
+              <a:tr h="852685">
+                <a:tc gridSpan="2">
+                  <a:txBody>
+                    <a:bodyPr/>
+                    <a:lstStyle/>
+                    <a:p>
+                      <a:pPr algn="ctr"/>
+                      <a:r>
+                        <a:rPr lang="en-US" b="1">
+                          <a:solidFill>
+                            <a:schemeClr val="tx1"/>
+                          </a:solidFill>
+                          <a:latin typeface="Consolas" panose="020B0609020204030204" pitchFamily="49" charset="0"/>
+                        </a:rPr>
+                        <a:t>&lt;header&gt;</a:t>
+                      </a:r>
+                    </a:p>
+                  </a:txBody>
+                  <a:tcPr anchor="ctr">
+                    <a:lnL w="12700" cap="flat" cmpd="sng" algn="ctr">
+                      <a:solidFill>
+                        <a:schemeClr val="tx1"/>
+                      </a:solidFill>
+                      <a:prstDash val="solid"/>
+                      <a:round/>
+                      <a:headEnd type="none" w="med" len="med"/>
+                      <a:tailEnd type="none" w="med" len="med"/>
+                    </a:lnL>
+                    <a:lnR w="12700" cap="flat" cmpd="sng" algn="ctr">
+                      <a:solidFill>
+                        <a:schemeClr val="tx1"/>
+                      </a:solidFill>
+                      <a:prstDash val="solid"/>
+                      <a:round/>
+                      <a:headEnd type="none" w="med" len="med"/>
+                      <a:tailEnd type="none" w="med" len="med"/>
+                    </a:lnR>
+                    <a:lnT w="12700" cap="flat" cmpd="sng" algn="ctr">
+                      <a:solidFill>
+                        <a:schemeClr val="tx1"/>
+                      </a:solidFill>
+                      <a:prstDash val="solid"/>
+                      <a:round/>
+                      <a:headEnd type="none" w="med" len="med"/>
+                      <a:tailEnd type="none" w="med" len="med"/>
+                    </a:lnT>
+                    <a:lnB w="12700" cap="flat" cmpd="sng" algn="ctr">
+                      <a:solidFill>
+                        <a:schemeClr val="tx1"/>
+                      </a:solidFill>
+                      <a:prstDash val="solid"/>
+                      <a:round/>
+                      <a:headEnd type="none" w="med" len="med"/>
+                      <a:tailEnd type="none" w="med" len="med"/>
+                    </a:lnB>
+                    <a:solidFill>
+                      <a:schemeClr val="bg1"/>
+                    </a:solidFill>
+                  </a:tcPr>
+                </a:tc>
+                <a:tc hMerge="1">
+                  <a:txBody>
+                    <a:bodyPr/>
+                    <a:lstStyle/>
+                    <a:p>
+                      <a:endParaRPr lang="en-US"/>
+                    </a:p>
+                  </a:txBody>
+                  <a:tcPr>
+                    <a:lnL w="12700" cap="flat" cmpd="sng" algn="ctr">
+                      <a:solidFill>
+                        <a:schemeClr val="tx1"/>
+                      </a:solidFill>
+                      <a:prstDash val="solid"/>
+                      <a:round/>
+                      <a:headEnd type="none" w="med" len="med"/>
+                      <a:tailEnd type="none" w="med" len="med"/>
+                    </a:lnL>
+                    <a:lnR w="12700" cap="flat" cmpd="sng" algn="ctr">
+                      <a:solidFill>
+                        <a:schemeClr val="tx1"/>
+                      </a:solidFill>
+                      <a:prstDash val="solid"/>
+                      <a:round/>
+                      <a:headEnd type="none" w="med" len="med"/>
+                      <a:tailEnd type="none" w="med" len="med"/>
+                    </a:lnR>
+                    <a:lnT w="12700" cap="flat" cmpd="sng" algn="ctr">
+                      <a:solidFill>
+                        <a:schemeClr val="tx1"/>
+                      </a:solidFill>
+                      <a:prstDash val="solid"/>
+                      <a:round/>
+                      <a:headEnd type="none" w="med" len="med"/>
+                      <a:tailEnd type="none" w="med" len="med"/>
+                    </a:lnT>
+                    <a:lnB w="12700" cap="flat" cmpd="sng" algn="ctr">
+                      <a:solidFill>
+                        <a:schemeClr val="tx1"/>
+                      </a:solidFill>
+                      <a:prstDash val="solid"/>
+                      <a:round/>
+                      <a:headEnd type="none" w="med" len="med"/>
+                      <a:tailEnd type="none" w="med" len="med"/>
+                    </a:lnB>
+                    <a:solidFill>
+                      <a:schemeClr val="bg1"/>
+                    </a:solidFill>
+                  </a:tcPr>
+                </a:tc>
+                <a:extLst>
+                  <a:ext uri="{0D108BD9-81ED-4DB2-BD59-A6C34878D82A}">
+                    <a16:rowId xmlns:a16="http://schemas.microsoft.com/office/drawing/2014/main" val="2644650568"/>
+                  </a:ext>
+                </a:extLst>
+              </a:tr>
+              <a:tr h="852685">
+                <a:tc gridSpan="2">
+                  <a:txBody>
+                    <a:bodyPr/>
+                    <a:lstStyle/>
+                    <a:p>
+                      <a:pPr algn="ctr"/>
+                      <a:r>
+                        <a:rPr lang="en-US" b="1">
+                          <a:solidFill>
+                            <a:schemeClr val="tx1"/>
+                          </a:solidFill>
+                          <a:latin typeface="Consolas" panose="020B0609020204030204" pitchFamily="49" charset="0"/>
+                        </a:rPr>
+                        <a:t>&lt;nav&gt;</a:t>
+                      </a:r>
+                    </a:p>
+                  </a:txBody>
+                  <a:tcPr anchor="ctr">
+                    <a:lnL w="12700" cap="flat" cmpd="sng" algn="ctr">
+                      <a:solidFill>
+                        <a:schemeClr val="tx1"/>
+                      </a:solidFill>
+                      <a:prstDash val="solid"/>
+                      <a:round/>
+                      <a:headEnd type="none" w="med" len="med"/>
+                      <a:tailEnd type="none" w="med" len="med"/>
+                    </a:lnL>
+                    <a:lnR w="12700" cap="flat" cmpd="sng" algn="ctr">
+                      <a:solidFill>
+                        <a:schemeClr val="tx1"/>
+                      </a:solidFill>
+                      <a:prstDash val="solid"/>
+                      <a:round/>
+                      <a:headEnd type="none" w="med" len="med"/>
+                      <a:tailEnd type="none" w="med" len="med"/>
+                    </a:lnR>
+                    <a:lnT w="12700" cap="flat" cmpd="sng" algn="ctr">
+                      <a:solidFill>
+                        <a:schemeClr val="tx1"/>
+                      </a:solidFill>
+                      <a:prstDash val="solid"/>
+                      <a:round/>
+                      <a:headEnd type="none" w="med" len="med"/>
+                      <a:tailEnd type="none" w="med" len="med"/>
+                    </a:lnT>
+                    <a:lnB w="12700" cap="flat" cmpd="sng" algn="ctr">
+                      <a:solidFill>
+                        <a:schemeClr val="tx1"/>
+                      </a:solidFill>
+                      <a:prstDash val="solid"/>
+                      <a:round/>
+                      <a:headEnd type="none" w="med" len="med"/>
+                      <a:tailEnd type="none" w="med" len="med"/>
+                    </a:lnB>
+                    <a:solidFill>
+                      <a:schemeClr val="bg1"/>
+                    </a:solidFill>
+                  </a:tcPr>
+                </a:tc>
+                <a:tc hMerge="1">
+                  <a:txBody>
+                    <a:bodyPr/>
+                    <a:lstStyle/>
+                    <a:p>
+                      <a:endParaRPr lang="en-US"/>
+                    </a:p>
+                  </a:txBody>
+                  <a:tcPr>
+                    <a:lnL w="12700" cap="flat" cmpd="sng" algn="ctr">
+                      <a:solidFill>
+                        <a:schemeClr val="tx1"/>
+                      </a:solidFill>
+                      <a:prstDash val="solid"/>
+                      <a:round/>
+                      <a:headEnd type="none" w="med" len="med"/>
+                      <a:tailEnd type="none" w="med" len="med"/>
+                    </a:lnL>
+                    <a:lnR w="12700" cap="flat" cmpd="sng" algn="ctr">
+                      <a:solidFill>
+                        <a:schemeClr val="tx1"/>
+                      </a:solidFill>
+                      <a:prstDash val="solid"/>
+                      <a:round/>
+                      <a:headEnd type="none" w="med" len="med"/>
+                      <a:tailEnd type="none" w="med" len="med"/>
+                    </a:lnR>
+                    <a:lnT w="12700" cap="flat" cmpd="sng" algn="ctr">
+                      <a:solidFill>
+                        <a:schemeClr val="tx1"/>
+                      </a:solidFill>
+                      <a:prstDash val="solid"/>
+                      <a:round/>
+                      <a:headEnd type="none" w="med" len="med"/>
+                      <a:tailEnd type="none" w="med" len="med"/>
+                    </a:lnT>
+                    <a:lnB w="12700" cap="flat" cmpd="sng" algn="ctr">
+                      <a:solidFill>
+                        <a:schemeClr val="tx1"/>
+                      </a:solidFill>
+                      <a:prstDash val="solid"/>
+                      <a:round/>
+                      <a:headEnd type="none" w="med" len="med"/>
+                      <a:tailEnd type="none" w="med" len="med"/>
+                    </a:lnB>
+                    <a:solidFill>
+                      <a:schemeClr val="bg1"/>
+                    </a:solidFill>
+                  </a:tcPr>
+                </a:tc>
+                <a:extLst>
+                  <a:ext uri="{0D108BD9-81ED-4DB2-BD59-A6C34878D82A}">
+                    <a16:rowId xmlns:a16="http://schemas.microsoft.com/office/drawing/2014/main" val="370541137"/>
+                  </a:ext>
+                </a:extLst>
+              </a:tr>
+              <a:tr h="852685">
+                <a:tc>
+                  <a:txBody>
+                    <a:bodyPr/>
+                    <a:lstStyle/>
+                    <a:p>
+                      <a:pPr algn="ctr"/>
+                      <a:r>
+                        <a:rPr lang="en-US" b="1">
+                          <a:solidFill>
+                            <a:schemeClr val="tx1"/>
+                          </a:solidFill>
+                          <a:latin typeface="Consolas" panose="020B0609020204030204" pitchFamily="49" charset="0"/>
+                        </a:rPr>
+                        <a:t>&lt;main&gt;</a:t>
+                      </a:r>
+                    </a:p>
+                  </a:txBody>
+                  <a:tcPr anchor="ctr">
+                    <a:lnL w="12700" cap="flat" cmpd="sng" algn="ctr">
+                      <a:solidFill>
+                        <a:schemeClr val="tx1"/>
+                      </a:solidFill>
+                      <a:prstDash val="solid"/>
+                      <a:round/>
+                      <a:headEnd type="none" w="med" len="med"/>
+                      <a:tailEnd type="none" w="med" len="med"/>
+                    </a:lnL>
+                    <a:lnR w="12700" cap="flat" cmpd="sng" algn="ctr">
+                      <a:solidFill>
+                        <a:schemeClr val="tx1"/>
+                      </a:solidFill>
+                      <a:prstDash val="solid"/>
+                      <a:round/>
+                      <a:headEnd type="none" w="med" len="med"/>
+                      <a:tailEnd type="none" w="med" len="med"/>
+                    </a:lnR>
+                    <a:lnT w="12700" cap="flat" cmpd="sng" algn="ctr">
+                      <a:solidFill>
+                        <a:schemeClr val="tx1"/>
+                      </a:solidFill>
+                      <a:prstDash val="solid"/>
+                      <a:round/>
+                      <a:headEnd type="none" w="med" len="med"/>
+                      <a:tailEnd type="none" w="med" len="med"/>
+                    </a:lnT>
+                    <a:lnB w="12700" cap="flat" cmpd="sng" algn="ctr">
+                      <a:solidFill>
+                        <a:schemeClr val="tx1"/>
+                      </a:solidFill>
+                      <a:prstDash val="solid"/>
+                      <a:round/>
+                      <a:headEnd type="none" w="med" len="med"/>
+                      <a:tailEnd type="none" w="med" len="med"/>
+                    </a:lnB>
+                    <a:solidFill>
+                      <a:schemeClr val="bg1"/>
+                    </a:solidFill>
+                  </a:tcPr>
+                </a:tc>
+                <a:tc>
+                  <a:txBody>
+                    <a:bodyPr/>
+                    <a:lstStyle/>
+                    <a:p>
+                      <a:pPr algn="ctr"/>
+                      <a:r>
+                        <a:rPr lang="en-US" b="1">
+                          <a:solidFill>
+                            <a:schemeClr val="tx1"/>
+                          </a:solidFill>
+                          <a:latin typeface="Consolas" panose="020B0609020204030204" pitchFamily="49" charset="0"/>
+                        </a:rPr>
+                        <a:t>&lt;aside&gt;</a:t>
+                      </a:r>
+                    </a:p>
+                  </a:txBody>
+                  <a:tcPr anchor="ctr">
+                    <a:lnL w="12700" cap="flat" cmpd="sng" algn="ctr">
+                      <a:solidFill>
+                        <a:schemeClr val="tx1"/>
+                      </a:solidFill>
+                      <a:prstDash val="solid"/>
+                      <a:round/>
+                      <a:headEnd type="none" w="med" len="med"/>
+                      <a:tailEnd type="none" w="med" len="med"/>
+                    </a:lnL>
+                    <a:lnR w="12700" cap="flat" cmpd="sng" algn="ctr">
+                      <a:solidFill>
+                        <a:schemeClr val="tx1"/>
+                      </a:solidFill>
+                      <a:prstDash val="solid"/>
+                      <a:round/>
+                      <a:headEnd type="none" w="med" len="med"/>
+                      <a:tailEnd type="none" w="med" len="med"/>
+                    </a:lnR>
+                    <a:lnT w="12700" cap="flat" cmpd="sng" algn="ctr">
+                      <a:solidFill>
+                        <a:schemeClr val="tx1"/>
+                      </a:solidFill>
+                      <a:prstDash val="solid"/>
+                      <a:round/>
+                      <a:headEnd type="none" w="med" len="med"/>
+                      <a:tailEnd type="none" w="med" len="med"/>
+                    </a:lnT>
+                    <a:lnB w="12700" cap="flat" cmpd="sng" algn="ctr">
+                      <a:solidFill>
+                        <a:schemeClr val="tx1"/>
+                      </a:solidFill>
+                      <a:prstDash val="solid"/>
+                      <a:round/>
+                      <a:headEnd type="none" w="med" len="med"/>
+                      <a:tailEnd type="none" w="med" len="med"/>
+                    </a:lnB>
+                    <a:solidFill>
+                      <a:schemeClr val="bg1"/>
+                    </a:solidFill>
+                  </a:tcPr>
+                </a:tc>
+                <a:extLst>
+                  <a:ext uri="{0D108BD9-81ED-4DB2-BD59-A6C34878D82A}">
+                    <a16:rowId xmlns:a16="http://schemas.microsoft.com/office/drawing/2014/main" val="1351939152"/>
+                  </a:ext>
+                </a:extLst>
+              </a:tr>
+              <a:tr h="852685">
+                <a:tc gridSpan="2">
+                  <a:txBody>
+                    <a:bodyPr/>
+                    <a:lstStyle/>
+                    <a:p>
+                      <a:pPr algn="ctr"/>
+                      <a:r>
+                        <a:rPr lang="en-US" b="1">
+                          <a:solidFill>
+                            <a:schemeClr val="tx1"/>
+                          </a:solidFill>
+                          <a:latin typeface="Consolas" panose="020B0609020204030204" pitchFamily="49" charset="0"/>
+                        </a:rPr>
+                        <a:t>&lt;footer&gt;</a:t>
+                      </a:r>
+                    </a:p>
+                  </a:txBody>
+                  <a:tcPr anchor="ctr">
+                    <a:lnL w="12700" cap="flat" cmpd="sng" algn="ctr">
+                      <a:solidFill>
+                        <a:schemeClr val="tx1"/>
+                      </a:solidFill>
+                      <a:prstDash val="solid"/>
+                      <a:round/>
+                      <a:headEnd type="none" w="med" len="med"/>
+                      <a:tailEnd type="none" w="med" len="med"/>
+                    </a:lnL>
+                    <a:lnR w="12700" cap="flat" cmpd="sng" algn="ctr">
+                      <a:solidFill>
+                        <a:schemeClr val="tx1"/>
+                      </a:solidFill>
+                      <a:prstDash val="solid"/>
+                      <a:round/>
+                      <a:headEnd type="none" w="med" len="med"/>
+                      <a:tailEnd type="none" w="med" len="med"/>
+                    </a:lnR>
+                    <a:lnT w="12700" cap="flat" cmpd="sng" algn="ctr">
+                      <a:solidFill>
+                        <a:schemeClr val="tx1"/>
+                      </a:solidFill>
+                      <a:prstDash val="solid"/>
+                      <a:round/>
+                      <a:headEnd type="none" w="med" len="med"/>
+                      <a:tailEnd type="none" w="med" len="med"/>
+                    </a:lnT>
+                    <a:lnB w="12700" cap="flat" cmpd="sng" algn="ctr">
+                      <a:solidFill>
+                        <a:schemeClr val="tx1"/>
+                      </a:solidFill>
+                      <a:prstDash val="solid"/>
+                      <a:round/>
+                      <a:headEnd type="none" w="med" len="med"/>
+                      <a:tailEnd type="none" w="med" len="med"/>
+                    </a:lnB>
+                    <a:solidFill>
+                      <a:schemeClr val="bg1"/>
+                    </a:solidFill>
+                  </a:tcPr>
+                </a:tc>
+                <a:tc hMerge="1">
+                  <a:txBody>
+                    <a:bodyPr/>
+                    <a:lstStyle/>
+                    <a:p>
+                      <a:endParaRPr lang="en-US"/>
+                    </a:p>
+                  </a:txBody>
+                  <a:tcPr>
+                    <a:lnL w="12700" cap="flat" cmpd="sng" algn="ctr">
+                      <a:solidFill>
+                        <a:schemeClr val="tx1"/>
+                      </a:solidFill>
+                      <a:prstDash val="solid"/>
+                      <a:round/>
+                      <a:headEnd type="none" w="med" len="med"/>
+                      <a:tailEnd type="none" w="med" len="med"/>
+                    </a:lnL>
+                    <a:lnR w="12700" cap="flat" cmpd="sng" algn="ctr">
+                      <a:solidFill>
+                        <a:schemeClr val="tx1"/>
+                      </a:solidFill>
+                      <a:prstDash val="solid"/>
+                      <a:round/>
+                      <a:headEnd type="none" w="med" len="med"/>
+                      <a:tailEnd type="none" w="med" len="med"/>
+                    </a:lnR>
+                    <a:lnT w="12700" cap="flat" cmpd="sng" algn="ctr">
+                      <a:solidFill>
+                        <a:schemeClr val="tx1"/>
+                      </a:solidFill>
+                      <a:prstDash val="solid"/>
+                      <a:round/>
+                      <a:headEnd type="none" w="med" len="med"/>
+                      <a:tailEnd type="none" w="med" len="med"/>
+                    </a:lnT>
+                    <a:lnB w="12700" cap="flat" cmpd="sng" algn="ctr">
+                      <a:solidFill>
+                        <a:schemeClr val="tx1"/>
+                      </a:solidFill>
+                      <a:prstDash val="solid"/>
+                      <a:round/>
+                      <a:headEnd type="none" w="med" len="med"/>
+                      <a:tailEnd type="none" w="med" len="med"/>
+                    </a:lnB>
+                    <a:solidFill>
+                      <a:schemeClr val="bg1"/>
+                    </a:solidFill>
+                  </a:tcPr>
+                </a:tc>
+                <a:extLst>
+                  <a:ext uri="{0D108BD9-81ED-4DB2-BD59-A6C34878D82A}">
+                    <a16:rowId xmlns:a16="http://schemas.microsoft.com/office/drawing/2014/main" val="2112364187"/>
+                  </a:ext>
+                </a:extLst>
+              </a:tr>
+            </a:tbl>
+          </a:graphicData>
+        </a:graphic>
+      </p:graphicFrame>
     </p:spTree>
     <p:extLst>
       <p:ext uri="{BB962C8B-B14F-4D97-AF65-F5344CB8AC3E}">
-        <p14:creationId xmlns:p14="http://schemas.microsoft.com/office/powerpoint/2010/main" val="3588875917"/>
+        <p14:creationId xmlns:p14="http://schemas.microsoft.com/office/powerpoint/2010/main" val="1733842156"/>
       </p:ext>
     </p:extLst>
   </p:cSld>
   <p:clrMapOvr>
     <a:masterClrMapping/>
   </p:clrMapOvr>
-  <p:timing>
-    <p:tnLst>
-      <p:par>
-        <p:cTn id="1" dur="indefinite" restart="never" nodeType="tmRoot"/>
-      </p:par>
-    </p:tnLst>
-  </p:timing>
 </p:sld>
 </file>
 
@@ -5507,7 +6555,7 @@
           <p:cNvPr id="2" name="Title 1">
             <a:extLst>
               <a:ext uri="{FF2B5EF4-FFF2-40B4-BE49-F238E27FC236}">
-                <a16:creationId xmlns:a16="http://schemas.microsoft.com/office/drawing/2014/main" xmlns="" id="{BDFAC13C-59B1-436E-B58F-C304E1C705CF}"/>
+                <a16:creationId xmlns:a16="http://schemas.microsoft.com/office/drawing/2014/main" id="{BDFAC13C-59B1-436E-B58F-C304E1C705CF}"/>
               </a:ext>
             </a:extLst>
           </p:cNvPr>
@@ -5518,12 +6566,7 @@
             <p:ph type="title"/>
           </p:nvPr>
         </p:nvSpPr>
-        <p:spPr>
-          <a:xfrm>
-            <a:off x="664234" y="733579"/>
-            <a:ext cx="5077520" cy="1371600"/>
-          </a:xfrm>
-        </p:spPr>
+        <p:spPr/>
         <p:txBody>
           <a:bodyPr>
             <a:normAutofit/>
@@ -5531,10 +6574,20 @@
           <a:lstStyle/>
           <a:p>
             <a:r>
-              <a:rPr lang="en-US" u="sng" dirty="0" smtClean="0"/>
-              <a:t>&lt;span&gt;</a:t>
-            </a:r>
-            <a:endParaRPr lang="en-US" u="sng" dirty="0"/>
+              <a:rPr lang="en-US" u="sng" dirty="0">
+                <a:latin typeface="Consolas" panose="020B0609020204030204" pitchFamily="49" charset="0"/>
+              </a:rPr>
+              <a:t>&lt;</a:t>
+            </a:r>
+            <a:r>
+              <a:rPr lang="en-US" u="sng">
+                <a:latin typeface="Consolas" panose="020B0609020204030204" pitchFamily="49" charset="0"/>
+              </a:rPr>
+              <a:t>div&gt;...&lt;/div&gt;</a:t>
+            </a:r>
+            <a:endParaRPr lang="en-US" u="sng" dirty="0">
+              <a:latin typeface="Consolas" panose="020B0609020204030204" pitchFamily="49" charset="0"/>
+            </a:endParaRPr>
           </a:p>
         </p:txBody>
       </p:sp>
@@ -5543,7 +6596,7 @@
           <p:cNvPr id="3" name="Content Placeholder 2">
             <a:extLst>
               <a:ext uri="{FF2B5EF4-FFF2-40B4-BE49-F238E27FC236}">
-                <a16:creationId xmlns:a16="http://schemas.microsoft.com/office/drawing/2014/main" xmlns="" id="{844A3DC5-46BF-4BFF-8008-98FD467C4904}"/>
+                <a16:creationId xmlns:a16="http://schemas.microsoft.com/office/drawing/2014/main" id="{844A3DC5-46BF-4BFF-8008-98FD467C4904}"/>
               </a:ext>
             </a:extLst>
           </p:cNvPr>
@@ -5554,27 +6607,126 @@
             <p:ph idx="1"/>
           </p:nvPr>
         </p:nvSpPr>
-        <p:spPr>
-          <a:xfrm>
-            <a:off x="1066800" y="2733472"/>
-            <a:ext cx="10058400" cy="1919267"/>
-          </a:xfrm>
-        </p:spPr>
+        <p:spPr/>
         <p:txBody>
           <a:bodyPr>
             <a:normAutofit/>
           </a:bodyPr>
           <a:lstStyle/>
           <a:p>
-            <a:pPr indent="0">
+            <a:pPr marL="0" indent="0">
+              <a:lnSpc>
+                <a:spcPct val="150000"/>
+              </a:lnSpc>
+              <a:spcBef>
+                <a:spcPts val="0"/>
+              </a:spcBef>
               <a:buNone/>
             </a:pPr>
             <a:r>
-              <a:rPr lang="en-US" sz="1800" dirty="0">
-                <a:cs typeface="Arial" panose="020B0604020202020204" pitchFamily="34" charset="0"/>
-              </a:rPr>
-              <a:t>The HTML &lt;span&gt; element is a generic inline container for phrasing content which does not inherently represent anything. It can be used to group elements for styling purposes or because they share attribute values.  &lt;span&gt; is much like a &lt;div&gt; element, but &lt;div&gt; is a block-level element whereas a &lt;span&gt; is an inline element</a:t>
-            </a:r>
+              <a:rPr lang="en-US" sz="2400" dirty="0">
+                <a:cs typeface="Arial" panose="020B0604020202020204" pitchFamily="34" charset="0"/>
+              </a:rPr>
+              <a:t>The </a:t>
+            </a:r>
+            <a:r>
+              <a:rPr lang="en-US" sz="2400">
+                <a:cs typeface="Arial" panose="020B0604020202020204" pitchFamily="34" charset="0"/>
+              </a:rPr>
+              <a:t>HTML </a:t>
+            </a:r>
+            <a:r>
+              <a:rPr lang="en-US" sz="2400" b="1">
+                <a:solidFill>
+                  <a:srgbClr val="00B0F0"/>
+                </a:solidFill>
+                <a:latin typeface="Consolas" panose="020B0609020204030204" pitchFamily="49" charset="0"/>
+                <a:cs typeface="Arial" panose="020B0604020202020204" pitchFamily="34" charset="0"/>
+                <a:hlinkClick r:id="rId2">
+                  <a:extLst>
+                    <a:ext uri="{A12FA001-AC4F-418D-AE19-62706E023703}">
+                      <ahyp:hlinkClr xmlns:ahyp="http://schemas.microsoft.com/office/drawing/2018/hyperlinkcolor" val="tx"/>
+                    </a:ext>
+                  </a:extLst>
+                </a:hlinkClick>
+              </a:rPr>
+              <a:t>&lt;</a:t>
+            </a:r>
+            <a:r>
+              <a:rPr lang="en-US" sz="2400" b="1" dirty="0">
+                <a:solidFill>
+                  <a:srgbClr val="00B0F0"/>
+                </a:solidFill>
+                <a:latin typeface="Consolas" panose="020B0609020204030204" pitchFamily="49" charset="0"/>
+                <a:cs typeface="Arial" panose="020B0604020202020204" pitchFamily="34" charset="0"/>
+                <a:hlinkClick r:id="rId2">
+                  <a:extLst>
+                    <a:ext uri="{A12FA001-AC4F-418D-AE19-62706E023703}">
+                      <ahyp:hlinkClr xmlns:ahyp="http://schemas.microsoft.com/office/drawing/2018/hyperlinkcolor" val="tx"/>
+                    </a:ext>
+                  </a:extLst>
+                </a:hlinkClick>
+              </a:rPr>
+              <a:t>div</a:t>
+            </a:r>
+            <a:r>
+              <a:rPr lang="en-US" sz="2400" b="1">
+                <a:solidFill>
+                  <a:srgbClr val="00B0F0"/>
+                </a:solidFill>
+                <a:latin typeface="Consolas" panose="020B0609020204030204" pitchFamily="49" charset="0"/>
+                <a:cs typeface="Arial" panose="020B0604020202020204" pitchFamily="34" charset="0"/>
+                <a:hlinkClick r:id="rId2">
+                  <a:extLst>
+                    <a:ext uri="{A12FA001-AC4F-418D-AE19-62706E023703}">
+                      <ahyp:hlinkClr xmlns:ahyp="http://schemas.microsoft.com/office/drawing/2018/hyperlinkcolor" val="tx"/>
+                    </a:ext>
+                  </a:extLst>
+                </a:hlinkClick>
+              </a:rPr>
+              <a:t>&gt;</a:t>
+            </a:r>
+            <a:r>
+              <a:rPr lang="en-US" sz="2400">
+                <a:cs typeface="Arial" panose="020B0604020202020204" pitchFamily="34" charset="0"/>
+              </a:rPr>
+              <a:t> element is the generic </a:t>
+            </a:r>
+            <a:r>
+              <a:rPr lang="en-US" sz="2400" b="1">
+                <a:cs typeface="Arial" panose="020B0604020202020204" pitchFamily="34" charset="0"/>
+              </a:rPr>
+              <a:t>block-level</a:t>
+            </a:r>
+            <a:r>
+              <a:rPr lang="en-US" sz="2400">
+                <a:cs typeface="Arial" panose="020B0604020202020204" pitchFamily="34" charset="0"/>
+              </a:rPr>
+              <a:t> element. </a:t>
+            </a:r>
+          </a:p>
+        </p:txBody>
+      </p:sp>
+      <p:sp>
+        <p:nvSpPr>
+          <p:cNvPr id="5" name="Slide Number Placeholder 4"/>
+          <p:cNvSpPr>
+            <a:spLocks noGrp="1"/>
+          </p:cNvSpPr>
+          <p:nvPr>
+            <p:ph type="sldNum" sz="quarter" idx="12"/>
+          </p:nvPr>
+        </p:nvSpPr>
+        <p:spPr/>
+        <p:txBody>
+          <a:bodyPr/>
+          <a:lstStyle/>
+          <a:p>
+            <a:fld id="{34B7E4EF-A1BD-40F4-AB7B-04F084DD991D}" type="slidenum">
+              <a:rPr lang="en-US" smtClean="0"/>
+              <a:t>14</a:t>
+            </a:fld>
+            <a:endParaRPr lang="en-US" dirty="0"/>
           </a:p>
         </p:txBody>
       </p:sp>
@@ -5586,8 +6738,8 @@
         </p:nvSpPr>
         <p:spPr>
           <a:xfrm>
-            <a:off x="983810" y="5420825"/>
-            <a:ext cx="7924800" cy="646331"/>
+            <a:off x="1066800" y="5754469"/>
+            <a:ext cx="10058400" cy="646331"/>
           </a:xfrm>
           <a:prstGeom prst="rect">
             <a:avLst/>
@@ -5610,10 +6762,32 @@
                 <a:solidFill>
                   <a:srgbClr val="00B0F0"/>
                 </a:solidFill>
-              </a:rPr>
-              <a:t>https://developer.mozilla.org/en-US/docs/Web/HTML/Element/span</a:t>
-            </a:r>
-            <a:endParaRPr lang="en-US" dirty="0">
+                <a:hlinkClick r:id="rId2">
+                  <a:extLst>
+                    <a:ext uri="{A12FA001-AC4F-418D-AE19-62706E023703}">
+                      <ahyp:hlinkClr xmlns:ahyp="http://schemas.microsoft.com/office/drawing/2018/hyperlinkcolor" val="tx"/>
+                    </a:ext>
+                  </a:extLst>
+                </a:hlinkClick>
+              </a:rPr>
+              <a:t>https://developer.mozilla.org/en-US/docs/Web/HTML/Element</a:t>
+            </a:r>
+            <a:r>
+              <a:rPr lang="en-US">
+                <a:solidFill>
+                  <a:srgbClr val="00B0F0"/>
+                </a:solidFill>
+                <a:hlinkClick r:id="rId2">
+                  <a:extLst>
+                    <a:ext uri="{A12FA001-AC4F-418D-AE19-62706E023703}">
+                      <ahyp:hlinkClr xmlns:ahyp="http://schemas.microsoft.com/office/drawing/2018/hyperlinkcolor" val="tx"/>
+                    </a:ext>
+                  </a:extLst>
+                </a:hlinkClick>
+              </a:rPr>
+              <a:t>/div</a:t>
+            </a:r>
+            <a:endParaRPr lang="en-US">
               <a:solidFill>
                 <a:srgbClr val="00B0F0"/>
               </a:solidFill>
@@ -5621,46 +6795,16 @@
           </a:p>
         </p:txBody>
       </p:sp>
-      <p:sp>
-        <p:nvSpPr>
-          <p:cNvPr id="5" name="Slide Number Placeholder 4"/>
-          <p:cNvSpPr>
-            <a:spLocks noGrp="1"/>
-          </p:cNvSpPr>
-          <p:nvPr>
-            <p:ph type="sldNum" sz="quarter" idx="12"/>
-          </p:nvPr>
-        </p:nvSpPr>
-        <p:spPr/>
-        <p:txBody>
-          <a:bodyPr/>
-          <a:lstStyle/>
-          <a:p>
-            <a:fld id="{34B7E4EF-A1BD-40F4-AB7B-04F084DD991D}" type="slidenum">
-              <a:rPr lang="en-US" smtClean="0"/>
-              <a:t>14</a:t>
-            </a:fld>
-            <a:endParaRPr lang="en-US" dirty="0"/>
-          </a:p>
-        </p:txBody>
-      </p:sp>
     </p:spTree>
     <p:extLst>
       <p:ext uri="{BB962C8B-B14F-4D97-AF65-F5344CB8AC3E}">
-        <p14:creationId xmlns:p14="http://schemas.microsoft.com/office/powerpoint/2010/main" val="1509883430"/>
+        <p14:creationId xmlns:p14="http://schemas.microsoft.com/office/powerpoint/2010/main" val="3588875917"/>
       </p:ext>
     </p:extLst>
   </p:cSld>
   <p:clrMapOvr>
     <a:masterClrMapping/>
   </p:clrMapOvr>
-  <p:timing>
-    <p:tnLst>
-      <p:par>
-        <p:cTn id="1" dur="indefinite" restart="never" nodeType="tmRoot"/>
-      </p:par>
-    </p:tnLst>
-  </p:timing>
 </p:sld>
 </file>
 
@@ -5686,7 +6830,7 @@
           <p:cNvPr id="2" name="Title 1">
             <a:extLst>
               <a:ext uri="{FF2B5EF4-FFF2-40B4-BE49-F238E27FC236}">
-                <a16:creationId xmlns:a16="http://schemas.microsoft.com/office/drawing/2014/main" xmlns="" id="{BDFAC13C-59B1-436E-B58F-C304E1C705CF}"/>
+                <a16:creationId xmlns:a16="http://schemas.microsoft.com/office/drawing/2014/main" id="{BDFAC13C-59B1-436E-B58F-C304E1C705CF}"/>
               </a:ext>
             </a:extLst>
           </p:cNvPr>
@@ -5697,12 +6841,7 @@
             <p:ph type="title"/>
           </p:nvPr>
         </p:nvSpPr>
-        <p:spPr>
-          <a:xfrm>
-            <a:off x="664233" y="733579"/>
-            <a:ext cx="5510229" cy="1371600"/>
-          </a:xfrm>
-        </p:spPr>
+        <p:spPr/>
         <p:txBody>
           <a:bodyPr>
             <a:normAutofit/>
@@ -5710,10 +6849,20 @@
           <a:lstStyle/>
           <a:p>
             <a:r>
-              <a:rPr lang="en-US" u="sng" dirty="0" smtClean="0"/>
-              <a:t>Block-Level Elements</a:t>
-            </a:r>
-            <a:endParaRPr lang="en-US" u="sng" dirty="0"/>
+              <a:rPr lang="en-US" u="sng" dirty="0">
+                <a:latin typeface="Consolas" panose="020B0609020204030204" pitchFamily="49" charset="0"/>
+              </a:rPr>
+              <a:t>&lt;</a:t>
+            </a:r>
+            <a:r>
+              <a:rPr lang="en-US" u="sng">
+                <a:latin typeface="Consolas" panose="020B0609020204030204" pitchFamily="49" charset="0"/>
+              </a:rPr>
+              <a:t>span&gt;...&lt;/span&gt;</a:t>
+            </a:r>
+            <a:endParaRPr lang="en-US" u="sng" dirty="0">
+              <a:latin typeface="Consolas" panose="020B0609020204030204" pitchFamily="49" charset="0"/>
+            </a:endParaRPr>
           </a:p>
         </p:txBody>
       </p:sp>
@@ -5722,7 +6871,7 @@
           <p:cNvPr id="3" name="Content Placeholder 2">
             <a:extLst>
               <a:ext uri="{FF2B5EF4-FFF2-40B4-BE49-F238E27FC236}">
-                <a16:creationId xmlns:a16="http://schemas.microsoft.com/office/drawing/2014/main" xmlns="" id="{844A3DC5-46BF-4BFF-8008-98FD467C4904}"/>
+                <a16:creationId xmlns:a16="http://schemas.microsoft.com/office/drawing/2014/main" id="{844A3DC5-46BF-4BFF-8008-98FD467C4904}"/>
               </a:ext>
             </a:extLst>
           </p:cNvPr>
@@ -5733,47 +6882,71 @@
             <p:ph idx="1"/>
           </p:nvPr>
         </p:nvSpPr>
-        <p:spPr>
-          <a:xfrm>
-            <a:off x="1066800" y="2733472"/>
-            <a:ext cx="10058400" cy="1919267"/>
-          </a:xfrm>
-        </p:spPr>
+        <p:spPr/>
         <p:txBody>
           <a:bodyPr>
             <a:normAutofit/>
           </a:bodyPr>
           <a:lstStyle/>
           <a:p>
-            <a:pPr indent="0">
+            <a:pPr marL="0" indent="0">
+              <a:lnSpc>
+                <a:spcPct val="150000"/>
+              </a:lnSpc>
+              <a:spcBef>
+                <a:spcPts val="0"/>
+              </a:spcBef>
               <a:buNone/>
             </a:pPr>
             <a:r>
-              <a:rPr lang="en-US" sz="1800" dirty="0">
-                <a:cs typeface="Arial" panose="020B0604020202020204" pitchFamily="34" charset="0"/>
-              </a:rPr>
-              <a:t>A block-level element occupies the entire space of its parent element (container), thereby creating a "block". Browsers typically display the block-level element with a newline both before and after the element</a:t>
-            </a:r>
-          </a:p>
-          <a:p>
-            <a:pPr marL="0" indent="0">
-              <a:buNone/>
-            </a:pPr>
-            <a:endParaRPr lang="en-US" sz="1800" dirty="0"/>
-          </a:p>
-          <a:p>
-            <a:pPr indent="0">
-              <a:buNone/>
-            </a:pPr>
-            <a:r>
-              <a:rPr lang="en-US" sz="1800" dirty="0">
-                <a:latin typeface="Consolas" panose="020B0609020204030204" pitchFamily="49" charset="0"/>
-                <a:cs typeface="Arial" panose="020B0604020202020204" pitchFamily="34" charset="0"/>
-              </a:rPr>
-              <a:t>e.g.: &lt;form&gt;, &lt;hr&gt;, &lt;li&gt;, &lt;ol&gt;, &lt;p&gt;, &lt;table&gt;, &lt;ul&gt;</a:t>
-            </a:r>
-            <a:endParaRPr lang="en-US" sz="1800" dirty="0">
-              <a:latin typeface="Consolas" panose="020B0609020204030204" pitchFamily="49" charset="0"/>
+              <a:rPr lang="en-US" sz="2400" dirty="0">
+                <a:cs typeface="Arial" panose="020B0604020202020204" pitchFamily="34" charset="0"/>
+              </a:rPr>
+              <a:t>The HTML </a:t>
+            </a:r>
+            <a:r>
+              <a:rPr lang="en-US" sz="2400" b="1" dirty="0">
+                <a:solidFill>
+                  <a:srgbClr val="00B0F0"/>
+                </a:solidFill>
+                <a:latin typeface="Consolas" panose="020B0609020204030204" pitchFamily="49" charset="0"/>
+                <a:cs typeface="Arial" panose="020B0604020202020204" pitchFamily="34" charset="0"/>
+                <a:hlinkClick r:id="rId2">
+                  <a:extLst>
+                    <a:ext uri="{A12FA001-AC4F-418D-AE19-62706E023703}">
+                      <ahyp:hlinkClr xmlns:ahyp="http://schemas.microsoft.com/office/drawing/2018/hyperlinkcolor" val="tx"/>
+                    </a:ext>
+                  </a:extLst>
+                </a:hlinkClick>
+              </a:rPr>
+              <a:t>&lt;span&gt;</a:t>
+            </a:r>
+            <a:r>
+              <a:rPr lang="en-US" sz="2400" dirty="0">
+                <a:cs typeface="Arial" panose="020B0604020202020204" pitchFamily="34" charset="0"/>
+              </a:rPr>
+              <a:t> element </a:t>
+            </a:r>
+            <a:r>
+              <a:rPr lang="en-US" sz="2400">
+                <a:cs typeface="Arial" panose="020B0604020202020204" pitchFamily="34" charset="0"/>
+              </a:rPr>
+              <a:t>is the generic </a:t>
+            </a:r>
+            <a:r>
+              <a:rPr lang="en-US" sz="2400" b="1">
+                <a:cs typeface="Arial" panose="020B0604020202020204" pitchFamily="34" charset="0"/>
+              </a:rPr>
+              <a:t>inline-level</a:t>
+            </a:r>
+            <a:r>
+              <a:rPr lang="en-US" sz="2400">
+                <a:cs typeface="Arial" panose="020B0604020202020204" pitchFamily="34" charset="0"/>
+              </a:rPr>
+              <a:t> element.</a:t>
+            </a:r>
+            <a:endParaRPr lang="en-US" sz="2400" dirty="0">
+              <a:cs typeface="Arial" panose="020B0604020202020204" pitchFamily="34" charset="0"/>
             </a:endParaRPr>
           </a:p>
         </p:txBody>
@@ -5801,23 +6974,81 @@
           </a:p>
         </p:txBody>
       </p:sp>
+      <p:sp>
+        <p:nvSpPr>
+          <p:cNvPr id="4" name="Rectangle 3"/>
+          <p:cNvSpPr/>
+          <p:nvPr/>
+        </p:nvSpPr>
+        <p:spPr>
+          <a:xfrm>
+            <a:off x="1066799" y="5753741"/>
+            <a:ext cx="10058399" cy="646331"/>
+          </a:xfrm>
+          <a:prstGeom prst="rect">
+            <a:avLst/>
+          </a:prstGeom>
+        </p:spPr>
+        <p:txBody>
+          <a:bodyPr wrap="square">
+            <a:spAutoFit/>
+          </a:bodyPr>
+          <a:lstStyle/>
+          <a:p>
+            <a:r>
+              <a:rPr lang="en-US" b="1" dirty="0"/>
+              <a:t>Source</a:t>
+            </a:r>
+          </a:p>
+          <a:p>
+            <a:r>
+              <a:rPr lang="en-US" dirty="0">
+                <a:solidFill>
+                  <a:srgbClr val="00B0F0"/>
+                </a:solidFill>
+                <a:hlinkClick r:id="rId2">
+                  <a:extLst>
+                    <a:ext uri="{A12FA001-AC4F-418D-AE19-62706E023703}">
+                      <ahyp:hlinkClr xmlns:ahyp="http://schemas.microsoft.com/office/drawing/2018/hyperlinkcolor" val="tx"/>
+                    </a:ext>
+                  </a:extLst>
+                </a:hlinkClick>
+              </a:rPr>
+              <a:t>https://developer.mozilla.org/en-US/docs/Web/HTML/Element</a:t>
+            </a:r>
+            <a:r>
+              <a:rPr lang="en-US">
+                <a:solidFill>
+                  <a:srgbClr val="00B0F0"/>
+                </a:solidFill>
+                <a:hlinkClick r:id="rId2">
+                  <a:extLst>
+                    <a:ext uri="{A12FA001-AC4F-418D-AE19-62706E023703}">
+                      <ahyp:hlinkClr xmlns:ahyp="http://schemas.microsoft.com/office/drawing/2018/hyperlinkcolor" val="tx"/>
+                    </a:ext>
+                  </a:extLst>
+                </a:hlinkClick>
+              </a:rPr>
+              <a:t>/span</a:t>
+            </a:r>
+            <a:endParaRPr lang="en-US">
+              <a:solidFill>
+                <a:srgbClr val="00B0F0"/>
+              </a:solidFill>
+            </a:endParaRPr>
+          </a:p>
+        </p:txBody>
+      </p:sp>
     </p:spTree>
     <p:extLst>
       <p:ext uri="{BB962C8B-B14F-4D97-AF65-F5344CB8AC3E}">
-        <p14:creationId xmlns:p14="http://schemas.microsoft.com/office/powerpoint/2010/main" val="330506870"/>
+        <p14:creationId xmlns:p14="http://schemas.microsoft.com/office/powerpoint/2010/main" val="1509883430"/>
       </p:ext>
     </p:extLst>
   </p:cSld>
   <p:clrMapOvr>
     <a:masterClrMapping/>
   </p:clrMapOvr>
-  <p:timing>
-    <p:tnLst>
-      <p:par>
-        <p:cTn id="1" dur="indefinite" restart="never" nodeType="tmRoot"/>
-      </p:par>
-    </p:tnLst>
-  </p:timing>
 </p:sld>
 </file>
 
@@ -5843,7 +7074,7 @@
           <p:cNvPr id="2" name="Title 1">
             <a:extLst>
               <a:ext uri="{FF2B5EF4-FFF2-40B4-BE49-F238E27FC236}">
-                <a16:creationId xmlns:a16="http://schemas.microsoft.com/office/drawing/2014/main" xmlns="" id="{BDFAC13C-59B1-436E-B58F-C304E1C705CF}"/>
+                <a16:creationId xmlns:a16="http://schemas.microsoft.com/office/drawing/2014/main" id="{BDFAC13C-59B1-436E-B58F-C304E1C705CF}"/>
               </a:ext>
             </a:extLst>
           </p:cNvPr>
@@ -5854,12 +7085,7 @@
             <p:ph type="title"/>
           </p:nvPr>
         </p:nvSpPr>
-        <p:spPr>
-          <a:xfrm>
-            <a:off x="664233" y="733579"/>
-            <a:ext cx="5510229" cy="1371600"/>
-          </a:xfrm>
-        </p:spPr>
+        <p:spPr/>
         <p:txBody>
           <a:bodyPr>
             <a:normAutofit/>
@@ -5867,14 +7093,9 @@
           <a:lstStyle/>
           <a:p>
             <a:r>
-              <a:rPr lang="en-US" u="sng" dirty="0" smtClean="0"/>
-              <a:t>Inline</a:t>
-            </a:r>
-            <a:r>
-              <a:rPr lang="en-US" u="sng" dirty="0" smtClean="0"/>
-              <a:t>-Level Elements</a:t>
-            </a:r>
-            <a:endParaRPr lang="en-US" u="sng" dirty="0"/>
+              <a:rPr lang="en-US" u="sng" dirty="0"/>
+              <a:t>Block-Level Elements</a:t>
+            </a:r>
           </a:p>
         </p:txBody>
       </p:sp>
@@ -5883,7 +7104,7 @@
           <p:cNvPr id="3" name="Content Placeholder 2">
             <a:extLst>
               <a:ext uri="{FF2B5EF4-FFF2-40B4-BE49-F238E27FC236}">
-                <a16:creationId xmlns:a16="http://schemas.microsoft.com/office/drawing/2014/main" xmlns="" id="{844A3DC5-46BF-4BFF-8008-98FD467C4904}"/>
+                <a16:creationId xmlns:a16="http://schemas.microsoft.com/office/drawing/2014/main" id="{844A3DC5-46BF-4BFF-8008-98FD467C4904}"/>
               </a:ext>
             </a:extLst>
           </p:cNvPr>
@@ -5894,51 +7115,108 @@
             <p:ph idx="1"/>
           </p:nvPr>
         </p:nvSpPr>
-        <p:spPr>
-          <a:xfrm>
-            <a:off x="1066800" y="2733472"/>
-            <a:ext cx="10058400" cy="1919267"/>
-          </a:xfrm>
-        </p:spPr>
+        <p:spPr/>
         <p:txBody>
           <a:bodyPr>
             <a:normAutofit/>
           </a:bodyPr>
           <a:lstStyle/>
           <a:p>
+            <a:pPr marL="468630" indent="-285750"/>
+            <a:r>
+              <a:rPr lang="en-US" sz="2400">
+                <a:cs typeface="Arial" panose="020B0604020202020204" pitchFamily="34" charset="0"/>
+              </a:rPr>
+              <a:t>By default, a </a:t>
+            </a:r>
+            <a:r>
+              <a:rPr lang="en-US" sz="2400" dirty="0">
+                <a:cs typeface="Arial" panose="020B0604020202020204" pitchFamily="34" charset="0"/>
+              </a:rPr>
+              <a:t>block-level element occupies the </a:t>
+            </a:r>
+            <a:r>
+              <a:rPr lang="en-US" sz="2400">
+                <a:cs typeface="Arial" panose="020B0604020202020204" pitchFamily="34" charset="0"/>
+              </a:rPr>
+              <a:t>entire width </a:t>
+            </a:r>
+            <a:r>
+              <a:rPr lang="en-US" sz="2400" dirty="0">
+                <a:cs typeface="Arial" panose="020B0604020202020204" pitchFamily="34" charset="0"/>
+              </a:rPr>
+              <a:t>of its parent element (container), thereby creating a "block</a:t>
+            </a:r>
+            <a:r>
+              <a:rPr lang="en-US" sz="2400">
+                <a:cs typeface="Arial" panose="020B0604020202020204" pitchFamily="34" charset="0"/>
+              </a:rPr>
+              <a:t>". </a:t>
+            </a:r>
+          </a:p>
+          <a:p>
+            <a:pPr marL="468630" indent="-285750"/>
+            <a:r>
+              <a:rPr lang="en-US" sz="2400">
+                <a:cs typeface="Arial" panose="020B0604020202020204" pitchFamily="34" charset="0"/>
+              </a:rPr>
+              <a:t>Browsers typically display the block-level element </a:t>
+            </a:r>
+            <a:r>
+              <a:rPr lang="en-US" sz="2400" dirty="0">
+                <a:cs typeface="Arial" panose="020B0604020202020204" pitchFamily="34" charset="0"/>
+              </a:rPr>
+              <a:t>with a newline both before and after </a:t>
+            </a:r>
+            <a:r>
+              <a:rPr lang="en-US" sz="2400">
+                <a:cs typeface="Arial" panose="020B0604020202020204" pitchFamily="34" charset="0"/>
+              </a:rPr>
+              <a:t>the element.</a:t>
+            </a:r>
+            <a:endParaRPr lang="en-US" sz="2400" dirty="0">
+              <a:cs typeface="Arial" panose="020B0604020202020204" pitchFamily="34" charset="0"/>
+            </a:endParaRPr>
+          </a:p>
+          <a:p>
+            <a:pPr marL="0" indent="0">
+              <a:buNone/>
+            </a:pPr>
+            <a:endParaRPr lang="en-US" sz="2400" dirty="0"/>
+          </a:p>
+          <a:p>
             <a:pPr indent="0">
               <a:buNone/>
             </a:pPr>
             <a:r>
-              <a:rPr lang="en-US" sz="1800" dirty="0">
-                <a:cs typeface="Arial" panose="020B0604020202020204" pitchFamily="34" charset="0"/>
-              </a:rPr>
-              <a:t>Inline elements are those which only occupy the space bounded by the tags defining the element, instead of breaking the flow of the content. An inline element does not start on a new line and only takes up as much width as necessary</a:t>
-            </a:r>
-          </a:p>
-          <a:p>
-            <a:pPr marL="0" indent="0">
-              <a:buNone/>
-            </a:pPr>
-            <a:endParaRPr lang="en-US" sz="1800" dirty="0"/>
-          </a:p>
-          <a:p>
-            <a:pPr indent="0">
-              <a:buNone/>
-            </a:pPr>
-            <a:r>
-              <a:rPr lang="en-US" sz="1800" dirty="0">
-                <a:latin typeface="Consolas" panose="020B0609020204030204" pitchFamily="49" charset="0"/>
-              </a:rPr>
-              <a:t>e.g.: </a:t>
-            </a:r>
-            <a:r>
-              <a:rPr lang="pt-BR" sz="1800" dirty="0">
-                <a:latin typeface="Consolas" panose="020B0609020204030204" pitchFamily="49" charset="0"/>
-              </a:rPr>
-              <a:t>&lt;a&gt;, &lt;b&gt;, &lt;br&gt;, &lt;em&gt;, &lt;i&gt;, &lt;img&gt;</a:t>
-            </a:r>
-            <a:endParaRPr lang="en-US" sz="1800" dirty="0">
+              <a:rPr lang="en-US" sz="2400" dirty="0">
+                <a:latin typeface="Consolas" panose="020B0609020204030204" pitchFamily="49" charset="0"/>
+                <a:cs typeface="Arial" panose="020B0604020202020204" pitchFamily="34" charset="0"/>
+              </a:rPr>
+              <a:t>e.g</a:t>
+            </a:r>
+            <a:r>
+              <a:rPr lang="en-US" sz="2400">
+                <a:latin typeface="Consolas" panose="020B0609020204030204" pitchFamily="49" charset="0"/>
+                <a:cs typeface="Arial" panose="020B0604020202020204" pitchFamily="34" charset="0"/>
+              </a:rPr>
+              <a:t>.: &lt;div&gt;, &lt;h1&gt;, &lt;h2&gt;, &lt;p&gt;, &lt;ol&gt;, &lt;ul&gt;, </a:t>
+            </a:r>
+            <a:r>
+              <a:rPr lang="en-US" sz="2400" dirty="0">
+                <a:latin typeface="Consolas" panose="020B0609020204030204" pitchFamily="49" charset="0"/>
+                <a:cs typeface="Arial" panose="020B0604020202020204" pitchFamily="34" charset="0"/>
+              </a:rPr>
+              <a:t>&lt;</a:t>
+            </a:r>
+            <a:r>
+              <a:rPr lang="en-US" sz="2400">
+                <a:latin typeface="Consolas" panose="020B0609020204030204" pitchFamily="49" charset="0"/>
+                <a:cs typeface="Arial" panose="020B0604020202020204" pitchFamily="34" charset="0"/>
+              </a:rPr>
+              <a:t>li&gt;</a:t>
+            </a:r>
+            <a:endParaRPr lang="en-US" sz="2400" dirty="0">
               <a:latin typeface="Consolas" panose="020B0609020204030204" pitchFamily="49" charset="0"/>
             </a:endParaRPr>
           </a:p>
@@ -5946,7 +7224,7 @@
       </p:sp>
       <p:sp>
         <p:nvSpPr>
-          <p:cNvPr id="4" name="Slide Number Placeholder 3"/>
+          <p:cNvPr id="5" name="Slide Number Placeholder 4"/>
           <p:cNvSpPr>
             <a:spLocks noGrp="1"/>
           </p:cNvSpPr>
@@ -5970,20 +7248,13 @@
     </p:spTree>
     <p:extLst>
       <p:ext uri="{BB962C8B-B14F-4D97-AF65-F5344CB8AC3E}">
-        <p14:creationId xmlns:p14="http://schemas.microsoft.com/office/powerpoint/2010/main" val="1438900156"/>
+        <p14:creationId xmlns:p14="http://schemas.microsoft.com/office/powerpoint/2010/main" val="330506870"/>
       </p:ext>
     </p:extLst>
   </p:cSld>
   <p:clrMapOvr>
     <a:masterClrMapping/>
   </p:clrMapOvr>
-  <p:timing>
-    <p:tnLst>
-      <p:par>
-        <p:cTn id="1" dur="indefinite" restart="never" nodeType="tmRoot"/>
-      </p:par>
-    </p:tnLst>
-  </p:timing>
 </p:sld>
 </file>
 
@@ -6009,7 +7280,7 @@
           <p:cNvPr id="2" name="Title 1">
             <a:extLst>
               <a:ext uri="{FF2B5EF4-FFF2-40B4-BE49-F238E27FC236}">
-                <a16:creationId xmlns:a16="http://schemas.microsoft.com/office/drawing/2014/main" xmlns="" id="{BDFAC13C-59B1-436E-B58F-C304E1C705CF}"/>
+                <a16:creationId xmlns:a16="http://schemas.microsoft.com/office/drawing/2014/main" id="{BDFAC13C-59B1-436E-B58F-C304E1C705CF}"/>
               </a:ext>
             </a:extLst>
           </p:cNvPr>
@@ -6020,12 +7291,7 @@
             <p:ph type="title"/>
           </p:nvPr>
         </p:nvSpPr>
-        <p:spPr>
-          <a:xfrm>
-            <a:off x="664233" y="733579"/>
-            <a:ext cx="5510229" cy="1371600"/>
-          </a:xfrm>
-        </p:spPr>
+        <p:spPr/>
         <p:txBody>
           <a:bodyPr>
             <a:normAutofit/>
@@ -6033,10 +7299,9 @@
           <a:lstStyle/>
           <a:p>
             <a:r>
-              <a:rPr lang="en-US" u="sng" dirty="0" smtClean="0"/>
-              <a:t>&lt;ol&gt;</a:t>
-            </a:r>
-            <a:endParaRPr lang="en-US" u="sng" dirty="0"/>
+              <a:rPr lang="en-US" u="sng" dirty="0"/>
+              <a:t>Inline-Level Elements</a:t>
+            </a:r>
           </a:p>
         </p:txBody>
       </p:sp>
@@ -6045,7 +7310,7 @@
           <p:cNvPr id="3" name="Content Placeholder 2">
             <a:extLst>
               <a:ext uri="{FF2B5EF4-FFF2-40B4-BE49-F238E27FC236}">
-                <a16:creationId xmlns:a16="http://schemas.microsoft.com/office/drawing/2014/main" xmlns="" id="{844A3DC5-46BF-4BFF-8008-98FD467C4904}"/>
+                <a16:creationId xmlns:a16="http://schemas.microsoft.com/office/drawing/2014/main" id="{844A3DC5-46BF-4BFF-8008-98FD467C4904}"/>
               </a:ext>
             </a:extLst>
           </p:cNvPr>
@@ -6056,153 +7321,106 @@
             <p:ph idx="1"/>
           </p:nvPr>
         </p:nvSpPr>
-        <p:spPr>
-          <a:xfrm>
-            <a:off x="1066800" y="2037029"/>
-            <a:ext cx="10058400" cy="3874884"/>
-          </a:xfrm>
-        </p:spPr>
+        <p:spPr/>
         <p:txBody>
           <a:bodyPr>
             <a:normAutofit/>
           </a:bodyPr>
           <a:lstStyle/>
           <a:p>
+            <a:pPr marL="468630" indent="-285750"/>
+            <a:r>
+              <a:rPr lang="en-US" sz="2400" dirty="0">
+                <a:cs typeface="Arial" panose="020B0604020202020204" pitchFamily="34" charset="0"/>
+              </a:rPr>
+              <a:t>Inline elements are those which only occupy the space bounded by the tags defining the element, instead of breaking the flow of the content</a:t>
+            </a:r>
+            <a:r>
+              <a:rPr lang="en-US" sz="2400">
+                <a:cs typeface="Arial" panose="020B0604020202020204" pitchFamily="34" charset="0"/>
+              </a:rPr>
+              <a:t>. </a:t>
+            </a:r>
+          </a:p>
+          <a:p>
+            <a:pPr marL="468630" indent="-285750"/>
+            <a:r>
+              <a:rPr lang="en-US" sz="2400">
+                <a:cs typeface="Arial" panose="020B0604020202020204" pitchFamily="34" charset="0"/>
+              </a:rPr>
+              <a:t>An </a:t>
+            </a:r>
+            <a:r>
+              <a:rPr lang="en-US" sz="2400" dirty="0">
+                <a:cs typeface="Arial" panose="020B0604020202020204" pitchFamily="34" charset="0"/>
+              </a:rPr>
+              <a:t>inline element does not start on a new line and only takes up as much width </a:t>
+            </a:r>
+            <a:r>
+              <a:rPr lang="en-US" sz="2400">
+                <a:cs typeface="Arial" panose="020B0604020202020204" pitchFamily="34" charset="0"/>
+              </a:rPr>
+              <a:t>as necessary.</a:t>
+            </a:r>
+            <a:endParaRPr lang="en-US" sz="2400" dirty="0">
+              <a:cs typeface="Arial" panose="020B0604020202020204" pitchFamily="34" charset="0"/>
+            </a:endParaRPr>
+          </a:p>
+          <a:p>
+            <a:pPr marL="0" indent="0">
+              <a:buNone/>
+            </a:pPr>
+            <a:endParaRPr lang="en-US" sz="2400" dirty="0"/>
+          </a:p>
+          <a:p>
             <a:pPr indent="0">
               <a:buNone/>
             </a:pPr>
             <a:r>
-              <a:rPr lang="en-US" sz="1800" dirty="0" smtClean="0">
-                <a:cs typeface="Arial" panose="020B0604020202020204" pitchFamily="34" charset="0"/>
-              </a:rPr>
-              <a:t>The </a:t>
-            </a:r>
-            <a:r>
-              <a:rPr lang="en-US" sz="1800" dirty="0">
-                <a:cs typeface="Arial" panose="020B0604020202020204" pitchFamily="34" charset="0"/>
-              </a:rPr>
-              <a:t>HTML &lt;ol&gt; element represents an ordered list of items – typically rendered as a numbered list</a:t>
-            </a:r>
-            <a:endParaRPr lang="en-US" sz="1800" dirty="0"/>
-          </a:p>
-          <a:p>
-            <a:pPr indent="0">
-              <a:buNone/>
-            </a:pPr>
-            <a:endParaRPr lang="en-US" sz="1800" dirty="0" smtClean="0">
+              <a:rPr lang="en-US" sz="2400" dirty="0">
+                <a:latin typeface="Consolas" panose="020B0609020204030204" pitchFamily="49" charset="0"/>
+              </a:rPr>
+              <a:t>e.g</a:t>
+            </a:r>
+            <a:r>
+              <a:rPr lang="en-US" sz="2400">
+                <a:latin typeface="Consolas" panose="020B0609020204030204" pitchFamily="49" charset="0"/>
+              </a:rPr>
+              <a:t>.: &lt;span&gt;, &lt;strong&gt;, &lt;em&gt;, </a:t>
+            </a:r>
+            <a:r>
+              <a:rPr lang="pt-BR" sz="2400">
+                <a:latin typeface="Consolas" panose="020B0609020204030204" pitchFamily="49" charset="0"/>
+              </a:rPr>
+              <a:t>&lt;</a:t>
+            </a:r>
+            <a:r>
+              <a:rPr lang="pt-BR" sz="2400" dirty="0">
+                <a:latin typeface="Consolas" panose="020B0609020204030204" pitchFamily="49" charset="0"/>
+              </a:rPr>
+              <a:t>a</a:t>
+            </a:r>
+            <a:r>
+              <a:rPr lang="pt-BR" sz="2400">
+                <a:latin typeface="Consolas" panose="020B0609020204030204" pitchFamily="49" charset="0"/>
+              </a:rPr>
+              <a:t>&gt;, &lt;</a:t>
+            </a:r>
+            <a:r>
+              <a:rPr lang="pt-BR" sz="2400" dirty="0">
+                <a:latin typeface="Consolas" panose="020B0609020204030204" pitchFamily="49" charset="0"/>
+              </a:rPr>
+              <a:t>img&gt;</a:t>
+            </a:r>
+            <a:endParaRPr lang="en-US" sz="2400" dirty="0">
               <a:latin typeface="Consolas" panose="020B0609020204030204" pitchFamily="49" charset="0"/>
             </a:endParaRPr>
           </a:p>
-          <a:p>
-            <a:pPr indent="0">
-              <a:buNone/>
-            </a:pPr>
-            <a:r>
-              <a:rPr lang="en-US" sz="1800" dirty="0" smtClean="0">
-                <a:latin typeface="Consolas" panose="020B0609020204030204" pitchFamily="49" charset="0"/>
-              </a:rPr>
-              <a:t>&lt;</a:t>
-            </a:r>
-            <a:r>
-              <a:rPr lang="en-US" sz="1800" dirty="0">
-                <a:latin typeface="Consolas" panose="020B0609020204030204" pitchFamily="49" charset="0"/>
-              </a:rPr>
-              <a:t>ol&gt;				</a:t>
-            </a:r>
-            <a:r>
-              <a:rPr lang="en-US" sz="1800" dirty="0" smtClean="0">
-                <a:latin typeface="Consolas" panose="020B0609020204030204" pitchFamily="49" charset="0"/>
-              </a:rPr>
-              <a:t>Renders </a:t>
-            </a:r>
-            <a:r>
-              <a:rPr lang="en-US" sz="1800" dirty="0">
-                <a:latin typeface="Consolas" panose="020B0609020204030204" pitchFamily="49" charset="0"/>
-              </a:rPr>
-              <a:t>as:</a:t>
-            </a:r>
-          </a:p>
-          <a:p>
-            <a:pPr indent="0">
-              <a:buNone/>
-            </a:pPr>
-            <a:r>
-              <a:rPr lang="en-US" sz="1800" dirty="0">
-                <a:latin typeface="Consolas" panose="020B0609020204030204" pitchFamily="49" charset="0"/>
-              </a:rPr>
-              <a:t>  &lt;li&gt;Element 1&lt;/li&gt;		1. Element 1</a:t>
-            </a:r>
-          </a:p>
-          <a:p>
-            <a:pPr indent="0">
-              <a:buNone/>
-            </a:pPr>
-            <a:r>
-              <a:rPr lang="en-US" sz="1800" dirty="0">
-                <a:latin typeface="Consolas" panose="020B0609020204030204" pitchFamily="49" charset="0"/>
-              </a:rPr>
-              <a:t>  &lt;li&gt;Element 2&lt;/li&gt;		2. Element 2</a:t>
-            </a:r>
-          </a:p>
-          <a:p>
-            <a:pPr indent="0">
-              <a:buNone/>
-            </a:pPr>
-            <a:r>
-              <a:rPr lang="en-US" sz="1800" dirty="0">
-                <a:latin typeface="Consolas" panose="020B0609020204030204" pitchFamily="49" charset="0"/>
-              </a:rPr>
-              <a:t>&lt;/ol&gt;</a:t>
-            </a:r>
-          </a:p>
-        </p:txBody>
-      </p:sp>
-      <p:sp>
-        <p:nvSpPr>
-          <p:cNvPr id="4" name="Rectangle 3"/>
-          <p:cNvSpPr/>
-          <p:nvPr/>
-        </p:nvSpPr>
-        <p:spPr>
-          <a:xfrm>
-            <a:off x="983810" y="5420825"/>
-            <a:ext cx="7589822" cy="646331"/>
-          </a:xfrm>
-          <a:prstGeom prst="rect">
-            <a:avLst/>
-          </a:prstGeom>
-        </p:spPr>
-        <p:txBody>
-          <a:bodyPr wrap="square">
-            <a:spAutoFit/>
-          </a:bodyPr>
-          <a:lstStyle/>
-          <a:p>
-            <a:r>
-              <a:rPr lang="en-US" b="1" dirty="0"/>
-              <a:t>Source</a:t>
-            </a:r>
-          </a:p>
-          <a:p>
-            <a:r>
-              <a:rPr lang="en-US" dirty="0">
-                <a:solidFill>
-                  <a:srgbClr val="00B0F0"/>
-                </a:solidFill>
-              </a:rPr>
-              <a:t>https://developer.mozilla.org/en-US/docs/Web/HTML/Element/ol</a:t>
-            </a:r>
-            <a:endParaRPr lang="en-US" dirty="0">
-              <a:solidFill>
-                <a:srgbClr val="00B0F0"/>
-              </a:solidFill>
-            </a:endParaRPr>
-          </a:p>
-        </p:txBody>
-      </p:sp>
-      <p:sp>
-        <p:nvSpPr>
-          <p:cNvPr id="5" name="Slide Number Placeholder 4"/>
+        </p:txBody>
+      </p:sp>
+      <p:sp>
+        <p:nvSpPr>
+          <p:cNvPr id="4" name="Slide Number Placeholder 3"/>
           <p:cNvSpPr>
             <a:spLocks noGrp="1"/>
           </p:cNvSpPr>
@@ -6226,20 +7444,13 @@
     </p:spTree>
     <p:extLst>
       <p:ext uri="{BB962C8B-B14F-4D97-AF65-F5344CB8AC3E}">
-        <p14:creationId xmlns:p14="http://schemas.microsoft.com/office/powerpoint/2010/main" val="3998776304"/>
+        <p14:creationId xmlns:p14="http://schemas.microsoft.com/office/powerpoint/2010/main" val="1438900156"/>
       </p:ext>
     </p:extLst>
   </p:cSld>
   <p:clrMapOvr>
     <a:masterClrMapping/>
   </p:clrMapOvr>
-  <p:timing>
-    <p:tnLst>
-      <p:par>
-        <p:cTn id="1" dur="indefinite" restart="never" nodeType="tmRoot"/>
-      </p:par>
-    </p:tnLst>
-  </p:timing>
 </p:sld>
 </file>
 
@@ -6265,7 +7476,7 @@
           <p:cNvPr id="2" name="Title 1">
             <a:extLst>
               <a:ext uri="{FF2B5EF4-FFF2-40B4-BE49-F238E27FC236}">
-                <a16:creationId xmlns:a16="http://schemas.microsoft.com/office/drawing/2014/main" xmlns="" id="{BDFAC13C-59B1-436E-B58F-C304E1C705CF}"/>
+                <a16:creationId xmlns:a16="http://schemas.microsoft.com/office/drawing/2014/main" id="{BDFAC13C-59B1-436E-B58F-C304E1C705CF}"/>
               </a:ext>
             </a:extLst>
           </p:cNvPr>
@@ -6276,12 +7487,7 @@
             <p:ph type="title"/>
           </p:nvPr>
         </p:nvSpPr>
-        <p:spPr>
-          <a:xfrm>
-            <a:off x="664233" y="733579"/>
-            <a:ext cx="5510229" cy="1371600"/>
-          </a:xfrm>
-        </p:spPr>
+        <p:spPr/>
         <p:txBody>
           <a:bodyPr>
             <a:normAutofit/>
@@ -6289,8 +7495,8 @@
           <a:lstStyle/>
           <a:p>
             <a:r>
-              <a:rPr lang="en-US" u="sng" dirty="0" smtClean="0"/>
-              <a:t>&lt;ul&gt;</a:t>
+              <a:rPr lang="en-US" u="sng"/>
+              <a:t>Headings &lt;h1&gt;-&lt;h6&gt;</a:t>
             </a:r>
             <a:endParaRPr lang="en-US" u="sng" dirty="0"/>
           </a:p>
@@ -6301,7 +7507,7 @@
           <p:cNvPr id="3" name="Content Placeholder 2">
             <a:extLst>
               <a:ext uri="{FF2B5EF4-FFF2-40B4-BE49-F238E27FC236}">
-                <a16:creationId xmlns:a16="http://schemas.microsoft.com/office/drawing/2014/main" xmlns="" id="{844A3DC5-46BF-4BFF-8008-98FD467C4904}"/>
+                <a16:creationId xmlns:a16="http://schemas.microsoft.com/office/drawing/2014/main" id="{844A3DC5-46BF-4BFF-8008-98FD467C4904}"/>
               </a:ext>
             </a:extLst>
           </p:cNvPr>
@@ -6314,89 +7520,161 @@
         </p:nvSpPr>
         <p:spPr>
           <a:xfrm>
-            <a:off x="1066800" y="2037030"/>
-            <a:ext cx="10058400" cy="3313568"/>
+            <a:off x="1066800" y="1674796"/>
+            <a:ext cx="10058400" cy="4079673"/>
           </a:xfrm>
         </p:spPr>
         <p:txBody>
-          <a:bodyPr>
+          <a:bodyPr anchor="t">
             <a:normAutofit/>
           </a:bodyPr>
           <a:lstStyle/>
           <a:p>
-            <a:pPr indent="0">
-              <a:buNone/>
+            <a:pPr>
+              <a:lnSpc>
+                <a:spcPct val="150000"/>
+              </a:lnSpc>
+              <a:spcBef>
+                <a:spcPts val="0"/>
+              </a:spcBef>
             </a:pPr>
             <a:r>
               <a:rPr lang="en-US" sz="1800" dirty="0">
                 <a:cs typeface="Arial" panose="020B0604020202020204" pitchFamily="34" charset="0"/>
               </a:rPr>
-              <a:t>The HTML </a:t>
-            </a:r>
-            <a:r>
-              <a:rPr lang="en-US" sz="1800" dirty="0">
-                <a:cs typeface="Arial" panose="020B0604020202020204" pitchFamily="34" charset="0"/>
-                <a:hlinkClick r:id="rId2"/>
-              </a:rPr>
-              <a:t>&lt;ul&gt;</a:t>
-            </a:r>
-            <a:r>
-              <a:rPr lang="en-US" sz="1800" dirty="0">
-                <a:cs typeface="Arial" panose="020B0604020202020204" pitchFamily="34" charset="0"/>
-              </a:rPr>
-              <a:t> element represents an unordered list of items – typically rendered as a bulleted list</a:t>
-            </a:r>
-            <a:endParaRPr lang="en-US" sz="1800" dirty="0"/>
-          </a:p>
-          <a:p>
-            <a:pPr marL="0" indent="0">
-              <a:buNone/>
+              <a:t>The </a:t>
+            </a:r>
+            <a:r>
+              <a:rPr lang="en-US" sz="1800">
+                <a:cs typeface="Arial" panose="020B0604020202020204" pitchFamily="34" charset="0"/>
+              </a:rPr>
+              <a:t>HTML </a:t>
+            </a:r>
+            <a:r>
+              <a:rPr lang="en-US" sz="1800" b="1">
+                <a:solidFill>
+                  <a:srgbClr val="00B0F0"/>
+                </a:solidFill>
+                <a:latin typeface="Consolas" panose="020B0609020204030204" pitchFamily="49" charset="0"/>
+                <a:cs typeface="Arial" panose="020B0604020202020204" pitchFamily="34" charset="0"/>
+                <a:hlinkClick r:id="rId2">
+                  <a:extLst>
+                    <a:ext uri="{A12FA001-AC4F-418D-AE19-62706E023703}">
+                      <ahyp:hlinkClr xmlns:ahyp="http://schemas.microsoft.com/office/drawing/2018/hyperlinkcolor" val="tx"/>
+                    </a:ext>
+                  </a:extLst>
+                </a:hlinkClick>
+              </a:rPr>
+              <a:t>&lt;h1&gt;-&lt;h6&gt;</a:t>
+            </a:r>
+            <a:r>
+              <a:rPr lang="en-US" sz="1800">
+                <a:cs typeface="Arial" panose="020B0604020202020204" pitchFamily="34" charset="0"/>
+              </a:rPr>
+              <a:t> elements represent six levels of section headings.</a:t>
+            </a:r>
+          </a:p>
+          <a:p>
+            <a:pPr>
+              <a:lnSpc>
+                <a:spcPct val="150000"/>
+              </a:lnSpc>
+              <a:spcBef>
+                <a:spcPts val="0"/>
+              </a:spcBef>
             </a:pPr>
-            <a:endParaRPr lang="en-US" sz="2000" dirty="0"/>
-          </a:p>
-          <a:p>
-            <a:pPr indent="0">
-              <a:buNone/>
+            <a:r>
+              <a:rPr lang="en-US" sz="1800" b="1">
+                <a:cs typeface="Arial" panose="020B0604020202020204" pitchFamily="34" charset="0"/>
+              </a:rPr>
+              <a:t>&lt;h1&gt;</a:t>
+            </a:r>
+            <a:r>
+              <a:rPr lang="en-US" sz="1800">
+                <a:cs typeface="Arial" panose="020B0604020202020204" pitchFamily="34" charset="0"/>
+              </a:rPr>
+              <a:t> is the highest section level.</a:t>
+            </a:r>
+          </a:p>
+          <a:p>
+            <a:pPr>
+              <a:lnSpc>
+                <a:spcPct val="150000"/>
+              </a:lnSpc>
+              <a:spcBef>
+                <a:spcPts val="0"/>
+              </a:spcBef>
             </a:pPr>
             <a:r>
-              <a:rPr lang="en-US" sz="2000" dirty="0">
-                <a:latin typeface="Consolas" panose="020B0609020204030204" pitchFamily="49" charset="0"/>
-              </a:rPr>
-              <a:t>&lt;ul&gt;					Renders as:</a:t>
-            </a:r>
-          </a:p>
-          <a:p>
-            <a:pPr marL="0" indent="0">
-              <a:buNone/>
+              <a:rPr lang="en-US" sz="1800" b="1">
+                <a:cs typeface="Arial" panose="020B0604020202020204" pitchFamily="34" charset="0"/>
+              </a:rPr>
+              <a:t>&lt;h6&gt;</a:t>
+            </a:r>
+            <a:r>
+              <a:rPr lang="en-US" sz="1800">
+                <a:cs typeface="Arial" panose="020B0604020202020204" pitchFamily="34" charset="0"/>
+              </a:rPr>
+              <a:t> is the lowest section level.</a:t>
+            </a:r>
+          </a:p>
+          <a:p>
+            <a:pPr>
+              <a:lnSpc>
+                <a:spcPct val="150000"/>
+              </a:lnSpc>
+              <a:spcBef>
+                <a:spcPts val="0"/>
+              </a:spcBef>
             </a:pPr>
             <a:r>
-              <a:rPr lang="en-US" sz="2000" dirty="0">
-                <a:latin typeface="Consolas" panose="020B0609020204030204" pitchFamily="49" charset="0"/>
-              </a:rPr>
-              <a:t>   &lt;li&gt;An Element &lt;/li&gt;		• An element</a:t>
-            </a:r>
-          </a:p>
-          <a:p>
-            <a:pPr marL="0" indent="0">
-              <a:buNone/>
+              <a:rPr lang="en-US" sz="1800"/>
+              <a:t>Heading information may be used by a variety of user agents, for example, to construct a table of contents for a document automatically.</a:t>
+            </a:r>
+          </a:p>
+          <a:p>
+            <a:pPr>
+              <a:lnSpc>
+                <a:spcPct val="150000"/>
+              </a:lnSpc>
+              <a:spcBef>
+                <a:spcPts val="0"/>
+              </a:spcBef>
             </a:pPr>
             <a:r>
-              <a:rPr lang="en-US" sz="2000" dirty="0">
-                <a:latin typeface="Consolas" panose="020B0609020204030204" pitchFamily="49" charset="0"/>
-              </a:rPr>
-              <a:t>   &lt;li&gt;Another Element&lt;/li&gt;	• Another element</a:t>
-            </a:r>
-          </a:p>
-          <a:p>
-            <a:pPr indent="0">
-              <a:buNone/>
-            </a:pPr>
-            <a:r>
-              <a:rPr lang="en-US" sz="2000" dirty="0">
-                <a:latin typeface="Consolas" panose="020B0609020204030204" pitchFamily="49" charset="0"/>
-              </a:rPr>
-              <a:t>&lt;/ul&gt;</a:t>
-            </a:r>
+              <a:rPr lang="en-US" sz="1800" b="1">
+                <a:solidFill>
+                  <a:schemeClr val="accent2"/>
+                </a:solidFill>
+                <a:highlight>
+                  <a:srgbClr val="FCF7F1"/>
+                </a:highlight>
+              </a:rPr>
+              <a:t>Avoid using heading tags to resize text. Instead, use the CSS font-size property. Headings use size to indicate their relative importance, but CSS is preferred for general-purpose resizing.</a:t>
+            </a:r>
+          </a:p>
+        </p:txBody>
+      </p:sp>
+      <p:sp>
+        <p:nvSpPr>
+          <p:cNvPr id="5" name="Slide Number Placeholder 4"/>
+          <p:cNvSpPr>
+            <a:spLocks noGrp="1"/>
+          </p:cNvSpPr>
+          <p:nvPr>
+            <p:ph type="sldNum" sz="quarter" idx="12"/>
+          </p:nvPr>
+        </p:nvSpPr>
+        <p:spPr/>
+        <p:txBody>
+          <a:bodyPr/>
+          <a:lstStyle/>
+          <a:p>
+            <a:fld id="{34B7E4EF-A1BD-40F4-AB7B-04F084DD991D}" type="slidenum">
+              <a:rPr lang="en-US" smtClean="0"/>
+              <a:t>18</a:t>
+            </a:fld>
+            <a:endParaRPr lang="en-US" dirty="0"/>
           </a:p>
         </p:txBody>
       </p:sp>
@@ -6408,8 +7686,8 @@
         </p:nvSpPr>
         <p:spPr>
           <a:xfrm>
-            <a:off x="983810" y="5420825"/>
-            <a:ext cx="7589822" cy="646331"/>
+            <a:off x="1066799" y="5754469"/>
+            <a:ext cx="10058400" cy="646331"/>
           </a:xfrm>
           <a:prstGeom prst="rect">
             <a:avLst/>
@@ -6422,28 +7700,27 @@
           <a:lstStyle/>
           <a:p>
             <a:r>
-              <a:rPr lang="en-US" b="1" dirty="0"/>
+              <a:rPr lang="en-US" b="1"/>
               <a:t>Source</a:t>
             </a:r>
           </a:p>
           <a:p>
             <a:r>
-              <a:rPr lang="en-US" dirty="0">
+              <a:rPr lang="en-US">
                 <a:solidFill>
                   <a:srgbClr val="00B0F0"/>
                 </a:solidFill>
-              </a:rPr>
-              <a:t>https://</a:t>
-            </a:r>
-            <a:r>
-              <a:rPr lang="en-US" dirty="0" smtClean="0">
-                <a:solidFill>
-                  <a:srgbClr val="00B0F0"/>
-                </a:solidFill>
-              </a:rPr>
-              <a:t>developer.mozilla.org/en-US/docs/Web/HTML/Element/ul</a:t>
-            </a:r>
-            <a:endParaRPr lang="en-US" dirty="0">
+                <a:hlinkClick r:id="rId2">
+                  <a:extLst>
+                    <a:ext uri="{A12FA001-AC4F-418D-AE19-62706E023703}">
+                      <ahyp:hlinkClr xmlns:ahyp="http://schemas.microsoft.com/office/drawing/2018/hyperlinkcolor" val="tx"/>
+                    </a:ext>
+                  </a:extLst>
+                </a:hlinkClick>
+              </a:rPr>
+              <a:t>https://developer.mozilla.org/en-US/docs/Web/HTML/Element/Heading_Elements</a:t>
+            </a:r>
+            <a:endParaRPr lang="en-US">
               <a:solidFill>
                 <a:srgbClr val="00B0F0"/>
               </a:solidFill>
@@ -6451,46 +7728,16 @@
           </a:p>
         </p:txBody>
       </p:sp>
-      <p:sp>
-        <p:nvSpPr>
-          <p:cNvPr id="5" name="Slide Number Placeholder 4"/>
-          <p:cNvSpPr>
-            <a:spLocks noGrp="1"/>
-          </p:cNvSpPr>
-          <p:nvPr>
-            <p:ph type="sldNum" sz="quarter" idx="12"/>
-          </p:nvPr>
-        </p:nvSpPr>
-        <p:spPr/>
-        <p:txBody>
-          <a:bodyPr/>
-          <a:lstStyle/>
-          <a:p>
-            <a:fld id="{34B7E4EF-A1BD-40F4-AB7B-04F084DD991D}" type="slidenum">
-              <a:rPr lang="en-US" smtClean="0"/>
-              <a:t>18</a:t>
-            </a:fld>
-            <a:endParaRPr lang="en-US" dirty="0"/>
-          </a:p>
-        </p:txBody>
-      </p:sp>
     </p:spTree>
     <p:extLst>
       <p:ext uri="{BB962C8B-B14F-4D97-AF65-F5344CB8AC3E}">
-        <p14:creationId xmlns:p14="http://schemas.microsoft.com/office/powerpoint/2010/main" val="1278560834"/>
+        <p14:creationId xmlns:p14="http://schemas.microsoft.com/office/powerpoint/2010/main" val="990714340"/>
       </p:ext>
     </p:extLst>
   </p:cSld>
   <p:clrMapOvr>
     <a:masterClrMapping/>
   </p:clrMapOvr>
-  <p:timing>
-    <p:tnLst>
-      <p:par>
-        <p:cTn id="1" dur="indefinite" restart="never" nodeType="tmRoot"/>
-      </p:par>
-    </p:tnLst>
-  </p:timing>
 </p:sld>
 </file>
 
@@ -6516,7 +7763,7 @@
           <p:cNvPr id="2" name="Title 1">
             <a:extLst>
               <a:ext uri="{FF2B5EF4-FFF2-40B4-BE49-F238E27FC236}">
-                <a16:creationId xmlns:a16="http://schemas.microsoft.com/office/drawing/2014/main" xmlns="" id="{BDFAC13C-59B1-436E-B58F-C304E1C705CF}"/>
+                <a16:creationId xmlns:a16="http://schemas.microsoft.com/office/drawing/2014/main" id="{BDFAC13C-59B1-436E-B58F-C304E1C705CF}"/>
               </a:ext>
             </a:extLst>
           </p:cNvPr>
@@ -6527,12 +7774,7 @@
             <p:ph type="title"/>
           </p:nvPr>
         </p:nvSpPr>
-        <p:spPr>
-          <a:xfrm>
-            <a:off x="664234" y="733579"/>
-            <a:ext cx="5077520" cy="1371600"/>
-          </a:xfrm>
-        </p:spPr>
+        <p:spPr/>
         <p:txBody>
           <a:bodyPr>
             <a:normAutofit/>
@@ -6540,8 +7782,8 @@
           <a:lstStyle/>
           <a:p>
             <a:r>
-              <a:rPr lang="en-US" u="sng" dirty="0" smtClean="0"/>
-              <a:t>&lt;form&gt;</a:t>
+              <a:rPr lang="en-US" u="sng"/>
+              <a:t>Paragraph &lt;p&gt;…&lt;/p&gt;</a:t>
             </a:r>
             <a:endParaRPr lang="en-US" u="sng" dirty="0"/>
           </a:p>
@@ -6552,7 +7794,7 @@
           <p:cNvPr id="3" name="Content Placeholder 2">
             <a:extLst>
               <a:ext uri="{FF2B5EF4-FFF2-40B4-BE49-F238E27FC236}">
-                <a16:creationId xmlns:a16="http://schemas.microsoft.com/office/drawing/2014/main" xmlns="" id="{844A3DC5-46BF-4BFF-8008-98FD467C4904}"/>
+                <a16:creationId xmlns:a16="http://schemas.microsoft.com/office/drawing/2014/main" id="{844A3DC5-46BF-4BFF-8008-98FD467C4904}"/>
               </a:ext>
             </a:extLst>
           </p:cNvPr>
@@ -6563,70 +7805,271 @@
             <p:ph idx="1"/>
           </p:nvPr>
         </p:nvSpPr>
-        <p:spPr>
-          <a:xfrm>
-            <a:off x="1066800" y="2715365"/>
-            <a:ext cx="10058400" cy="2526591"/>
-          </a:xfrm>
-        </p:spPr>
+        <p:spPr/>
         <p:txBody>
           <a:bodyPr>
             <a:normAutofit/>
           </a:bodyPr>
           <a:lstStyle/>
           <a:p>
-            <a:pPr marL="0" indent="0">
-              <a:buNone/>
+            <a:pPr>
+              <a:lnSpc>
+                <a:spcPct val="150000"/>
+              </a:lnSpc>
+              <a:spcBef>
+                <a:spcPts val="0"/>
+              </a:spcBef>
             </a:pPr>
             <a:r>
-              <a:rPr lang="en-US" sz="1800" dirty="0">
-                <a:cs typeface="Arial" panose="020B0604020202020204" pitchFamily="34" charset="0"/>
-              </a:rPr>
-              <a:t>&lt;form action=“val.js" method="POST/GET"&gt;…&lt;/form&gt;</a:t>
-            </a:r>
-          </a:p>
-          <a:p>
-            <a:pPr indent="0">
-              <a:buNone/>
+              <a:rPr lang="en-US" sz="2000" dirty="0">
+                <a:cs typeface="Arial" panose="020B0604020202020204" pitchFamily="34" charset="0"/>
+              </a:rPr>
+              <a:t>The </a:t>
+            </a:r>
+            <a:r>
+              <a:rPr lang="en-US" sz="2000">
+                <a:cs typeface="Arial" panose="020B0604020202020204" pitchFamily="34" charset="0"/>
+              </a:rPr>
+              <a:t>HTML </a:t>
+            </a:r>
+            <a:r>
+              <a:rPr lang="en-US" sz="2000" b="1">
+                <a:latin typeface="Consolas" panose="020B0609020204030204" pitchFamily="49" charset="0"/>
+                <a:cs typeface="Arial" panose="020B0604020202020204" pitchFamily="34" charset="0"/>
+                <a:hlinkClick r:id="rId2"/>
+              </a:rPr>
+              <a:t>&lt;p&gt;</a:t>
+            </a:r>
+            <a:r>
+              <a:rPr lang="en-US" sz="2000">
+                <a:cs typeface="Arial" panose="020B0604020202020204" pitchFamily="34" charset="0"/>
+              </a:rPr>
+              <a:t> </a:t>
+            </a:r>
+            <a:r>
+              <a:rPr lang="en-US" sz="2000" dirty="0">
+                <a:cs typeface="Arial" panose="020B0604020202020204" pitchFamily="34" charset="0"/>
+              </a:rPr>
+              <a:t>element </a:t>
+            </a:r>
+            <a:r>
+              <a:rPr lang="en-US" sz="2000">
+                <a:cs typeface="Arial" panose="020B0604020202020204" pitchFamily="34" charset="0"/>
+              </a:rPr>
+              <a:t>represents a </a:t>
+            </a:r>
+            <a:r>
+              <a:rPr lang="en-US" sz="2000" b="1">
+                <a:cs typeface="Arial" panose="020B0604020202020204" pitchFamily="34" charset="0"/>
+              </a:rPr>
+              <a:t>paragraph of text.</a:t>
+            </a:r>
+          </a:p>
+          <a:p>
+            <a:pPr>
+              <a:lnSpc>
+                <a:spcPct val="150000"/>
+              </a:lnSpc>
+              <a:spcBef>
+                <a:spcPts val="0"/>
+              </a:spcBef>
             </a:pPr>
             <a:r>
-              <a:rPr lang="en-US" sz="1800" dirty="0">
-                <a:cs typeface="Arial" panose="020B0604020202020204" pitchFamily="34" charset="0"/>
-              </a:rPr>
-              <a:t>The HTML &lt;form&gt; element represents a document section containing interactive controls for submitting information</a:t>
-            </a:r>
-          </a:p>
-          <a:p>
-            <a:pPr indent="0">
-              <a:buNone/>
+              <a:rPr lang="en-US" sz="2000">
+                <a:cs typeface="Arial" panose="020B0604020202020204" pitchFamily="34" charset="0"/>
+              </a:rPr>
+              <a:t>The </a:t>
+            </a:r>
+            <a:r>
+              <a:rPr lang="en-US" sz="2000" b="1">
+                <a:latin typeface="Consolas" panose="020B0609020204030204" pitchFamily="49" charset="0"/>
+                <a:cs typeface="Arial" panose="020B0604020202020204" pitchFamily="34" charset="0"/>
+              </a:rPr>
+              <a:t>&lt;p&gt;</a:t>
+            </a:r>
+            <a:r>
+              <a:rPr lang="en-US" sz="2000">
+                <a:cs typeface="Arial" panose="020B0604020202020204" pitchFamily="34" charset="0"/>
+              </a:rPr>
+              <a:t> element has </a:t>
+            </a:r>
+            <a:r>
+              <a:rPr lang="en-US" sz="2000" b="1">
+                <a:cs typeface="Arial" panose="020B0604020202020204" pitchFamily="34" charset="0"/>
+              </a:rPr>
+              <a:t>top/bottom margin</a:t>
+            </a:r>
+            <a:r>
+              <a:rPr lang="en-US" sz="2000">
+                <a:cs typeface="Arial" panose="020B0604020202020204" pitchFamily="34" charset="0"/>
+              </a:rPr>
+              <a:t> by default. (browser-dependent)</a:t>
+            </a:r>
+          </a:p>
+          <a:p>
+            <a:pPr>
+              <a:lnSpc>
+                <a:spcPct val="150000"/>
+              </a:lnSpc>
+              <a:spcBef>
+                <a:spcPts val="0"/>
+              </a:spcBef>
             </a:pPr>
-            <a:endParaRPr lang="en-US" sz="1800" dirty="0">
-              <a:cs typeface="Arial" panose="020B0604020202020204" pitchFamily="34" charset="0"/>
-            </a:endParaRPr>
-          </a:p>
-          <a:p>
-            <a:pPr indent="0">
-              <a:buNone/>
+            <a:r>
+              <a:rPr lang="en-US" sz="2000">
+                <a:cs typeface="Arial" panose="020B0604020202020204" pitchFamily="34" charset="0"/>
+              </a:rPr>
+              <a:t>The </a:t>
+            </a:r>
+            <a:r>
+              <a:rPr lang="en-US" sz="2000" b="1">
+                <a:latin typeface="Consolas" panose="020B0609020204030204" pitchFamily="49" charset="0"/>
+                <a:cs typeface="Arial" panose="020B0604020202020204" pitchFamily="34" charset="0"/>
+              </a:rPr>
+              <a:t>&lt;p&gt;</a:t>
+            </a:r>
+            <a:r>
+              <a:rPr lang="en-US" sz="2000">
+                <a:cs typeface="Arial" panose="020B0604020202020204" pitchFamily="34" charset="0"/>
+              </a:rPr>
+              <a:t> element is a </a:t>
+            </a:r>
+            <a:r>
+              <a:rPr lang="en-US" sz="2000" b="1">
+                <a:cs typeface="Arial" panose="020B0604020202020204" pitchFamily="34" charset="0"/>
+              </a:rPr>
+              <a:t>block-level</a:t>
+            </a:r>
+            <a:r>
+              <a:rPr lang="en-US" sz="2000">
+                <a:cs typeface="Arial" panose="020B0604020202020204" pitchFamily="34" charset="0"/>
+              </a:rPr>
+              <a:t> element.</a:t>
+            </a:r>
+          </a:p>
+          <a:p>
+            <a:pPr>
+              <a:lnSpc>
+                <a:spcPct val="150000"/>
+              </a:lnSpc>
+              <a:spcBef>
+                <a:spcPts val="0"/>
+              </a:spcBef>
             </a:pPr>
             <a:r>
-              <a:rPr lang="en-US" sz="1800" dirty="0">
-                <a:cs typeface="Arial" panose="020B0604020202020204" pitchFamily="34" charset="0"/>
-              </a:rPr>
-              <a:t>The action attribute is the URL that processes the form submission.  The method attribute is used to submit the form via POST (method body) or GET (query string)</a:t>
-            </a:r>
-          </a:p>
-        </p:txBody>
-      </p:sp>
-      <p:sp>
-        <p:nvSpPr>
-          <p:cNvPr id="5" name="Rectangle 4"/>
+              <a:rPr lang="en-US" sz="2000" b="1">
+                <a:solidFill>
+                  <a:schemeClr val="accent2"/>
+                </a:solidFill>
+                <a:highlight>
+                  <a:srgbClr val="FCF7F1"/>
+                </a:highlight>
+              </a:rPr>
+              <a:t>The </a:t>
+            </a:r>
+            <a:r>
+              <a:rPr lang="en-US" sz="2000" b="1">
+                <a:solidFill>
+                  <a:schemeClr val="accent2"/>
+                </a:solidFill>
+                <a:highlight>
+                  <a:srgbClr val="FCF7F1"/>
+                </a:highlight>
+                <a:latin typeface="Consolas" panose="020B0609020204030204" pitchFamily="49" charset="0"/>
+              </a:rPr>
+              <a:t>&lt;p&gt;</a:t>
+            </a:r>
+            <a:r>
+              <a:rPr lang="en-US" sz="2000" b="1">
+                <a:solidFill>
+                  <a:schemeClr val="accent2"/>
+                </a:solidFill>
+                <a:highlight>
+                  <a:srgbClr val="FCF7F1"/>
+                </a:highlight>
+              </a:rPr>
+              <a:t> element cannot contain block-level elements.</a:t>
+            </a:r>
+          </a:p>
+          <a:p>
+            <a:pPr>
+              <a:lnSpc>
+                <a:spcPct val="150000"/>
+              </a:lnSpc>
+              <a:spcBef>
+                <a:spcPts val="0"/>
+              </a:spcBef>
+            </a:pPr>
+            <a:r>
+              <a:rPr lang="en-US" sz="2000" b="1">
+                <a:solidFill>
+                  <a:schemeClr val="accent2"/>
+                </a:solidFill>
+                <a:highlight>
+                  <a:srgbClr val="FCF7F1"/>
+                </a:highlight>
+              </a:rPr>
+              <a:t>Do not use it as a generic container! Use </a:t>
+            </a:r>
+            <a:r>
+              <a:rPr lang="en-US" sz="2000" b="1">
+                <a:solidFill>
+                  <a:schemeClr val="accent2"/>
+                </a:solidFill>
+                <a:highlight>
+                  <a:srgbClr val="FCF7F1"/>
+                </a:highlight>
+                <a:latin typeface="Consolas" panose="020B0609020204030204" pitchFamily="49" charset="0"/>
+              </a:rPr>
+              <a:t>&lt;div&gt;</a:t>
+            </a:r>
+            <a:r>
+              <a:rPr lang="en-US" sz="2000" b="1">
+                <a:solidFill>
+                  <a:schemeClr val="accent2"/>
+                </a:solidFill>
+                <a:highlight>
+                  <a:srgbClr val="FCF7F1"/>
+                </a:highlight>
+              </a:rPr>
+              <a:t> instead.</a:t>
+            </a:r>
+          </a:p>
+        </p:txBody>
+      </p:sp>
+      <p:sp>
+        <p:nvSpPr>
+          <p:cNvPr id="5" name="Slide Number Placeholder 4"/>
+          <p:cNvSpPr>
+            <a:spLocks noGrp="1"/>
+          </p:cNvSpPr>
+          <p:nvPr>
+            <p:ph type="sldNum" sz="quarter" idx="12"/>
+          </p:nvPr>
+        </p:nvSpPr>
+        <p:spPr/>
+        <p:txBody>
+          <a:bodyPr/>
+          <a:lstStyle/>
+          <a:p>
+            <a:fld id="{34B7E4EF-A1BD-40F4-AB7B-04F084DD991D}" type="slidenum">
+              <a:rPr lang="en-US" smtClean="0"/>
+              <a:t>19</a:t>
+            </a:fld>
+            <a:endParaRPr lang="en-US" dirty="0"/>
+          </a:p>
+        </p:txBody>
+      </p:sp>
+      <p:sp>
+        <p:nvSpPr>
+          <p:cNvPr id="4" name="Rectangle 3"/>
           <p:cNvSpPr/>
           <p:nvPr/>
         </p:nvSpPr>
         <p:spPr>
           <a:xfrm>
-            <a:off x="983810" y="5420825"/>
-            <a:ext cx="7779944" cy="646331"/>
+            <a:off x="1066799" y="5754469"/>
+            <a:ext cx="10058400" cy="646331"/>
           </a:xfrm>
           <a:prstGeom prst="rect">
             <a:avLst/>
@@ -6639,20 +8082,27 @@
           <a:lstStyle/>
           <a:p>
             <a:r>
-              <a:rPr lang="en-US" b="1" dirty="0"/>
+              <a:rPr lang="en-US" b="1"/>
               <a:t>Source</a:t>
             </a:r>
           </a:p>
           <a:p>
             <a:r>
-              <a:rPr lang="en-US" dirty="0">
+              <a:rPr lang="en-US">
                 <a:solidFill>
                   <a:srgbClr val="00B0F0"/>
                 </a:solidFill>
-              </a:rPr>
-              <a:t>https://developer.mozilla.org/en-US/docs/Web/HTML/Element/form</a:t>
-            </a:r>
-            <a:endParaRPr lang="en-US" dirty="0">
+                <a:hlinkClick r:id="rId3">
+                  <a:extLst>
+                    <a:ext uri="{A12FA001-AC4F-418D-AE19-62706E023703}">
+                      <ahyp:hlinkClr xmlns:ahyp="http://schemas.microsoft.com/office/drawing/2018/hyperlinkcolor" val="tx"/>
+                    </a:ext>
+                  </a:extLst>
+                </a:hlinkClick>
+              </a:rPr>
+              <a:t>https://developer.mozilla.org/en-US/docs/Web/HTML/Element/p</a:t>
+            </a:r>
+            <a:endParaRPr lang="en-US" b="1" dirty="0">
               <a:solidFill>
                 <a:srgbClr val="00B0F0"/>
               </a:solidFill>
@@ -6660,46 +8110,16 @@
           </a:p>
         </p:txBody>
       </p:sp>
-      <p:sp>
-        <p:nvSpPr>
-          <p:cNvPr id="6" name="Slide Number Placeholder 5"/>
-          <p:cNvSpPr>
-            <a:spLocks noGrp="1"/>
-          </p:cNvSpPr>
-          <p:nvPr>
-            <p:ph type="sldNum" sz="quarter" idx="12"/>
-          </p:nvPr>
-        </p:nvSpPr>
-        <p:spPr/>
-        <p:txBody>
-          <a:bodyPr/>
-          <a:lstStyle/>
-          <a:p>
-            <a:fld id="{34B7E4EF-A1BD-40F4-AB7B-04F084DD991D}" type="slidenum">
-              <a:rPr lang="en-US" smtClean="0"/>
-              <a:t>19</a:t>
-            </a:fld>
-            <a:endParaRPr lang="en-US" dirty="0"/>
-          </a:p>
-        </p:txBody>
-      </p:sp>
     </p:spTree>
     <p:extLst>
       <p:ext uri="{BB962C8B-B14F-4D97-AF65-F5344CB8AC3E}">
-        <p14:creationId xmlns:p14="http://schemas.microsoft.com/office/powerpoint/2010/main" val="2034341660"/>
+        <p14:creationId xmlns:p14="http://schemas.microsoft.com/office/powerpoint/2010/main" val="3318177143"/>
       </p:ext>
     </p:extLst>
   </p:cSld>
   <p:clrMapOvr>
     <a:masterClrMapping/>
   </p:clrMapOvr>
-  <p:timing>
-    <p:tnLst>
-      <p:par>
-        <p:cTn id="1" dur="indefinite" restart="never" nodeType="tmRoot"/>
-      </p:par>
-    </p:tnLst>
-  </p:timing>
 </p:sld>
 </file>
 
@@ -6725,7 +8145,7 @@
           <p:cNvPr id="2" name="Title 1">
             <a:extLst>
               <a:ext uri="{FF2B5EF4-FFF2-40B4-BE49-F238E27FC236}">
-                <a16:creationId xmlns:a16="http://schemas.microsoft.com/office/drawing/2014/main" xmlns="" id="{BDFAC13C-59B1-436E-B58F-C304E1C705CF}"/>
+                <a16:creationId xmlns:a16="http://schemas.microsoft.com/office/drawing/2014/main" id="{BDFAC13C-59B1-436E-B58F-C304E1C705CF}"/>
               </a:ext>
             </a:extLst>
           </p:cNvPr>
@@ -6736,12 +8156,7 @@
             <p:ph type="title"/>
           </p:nvPr>
         </p:nvSpPr>
-        <p:spPr>
-          <a:xfrm>
-            <a:off x="664234" y="733579"/>
-            <a:ext cx="5077520" cy="1371600"/>
-          </a:xfrm>
-        </p:spPr>
+        <p:spPr/>
         <p:txBody>
           <a:bodyPr>
             <a:normAutofit/>
@@ -6749,10 +8164,9 @@
           <a:lstStyle/>
           <a:p>
             <a:r>
-              <a:rPr lang="en-US" u="sng" dirty="0" smtClean="0"/>
+              <a:rPr lang="en-US" u="sng" dirty="0"/>
               <a:t>Objectives</a:t>
             </a:r>
-            <a:endParaRPr lang="en-US" u="sng" dirty="0"/>
           </a:p>
         </p:txBody>
       </p:sp>
@@ -6761,7 +8175,7 @@
           <p:cNvPr id="3" name="Content Placeholder 2">
             <a:extLst>
               <a:ext uri="{FF2B5EF4-FFF2-40B4-BE49-F238E27FC236}">
-                <a16:creationId xmlns:a16="http://schemas.microsoft.com/office/drawing/2014/main" xmlns="" id="{844A3DC5-46BF-4BFF-8008-98FD467C4904}"/>
+                <a16:creationId xmlns:a16="http://schemas.microsoft.com/office/drawing/2014/main" id="{844A3DC5-46BF-4BFF-8008-98FD467C4904}"/>
               </a:ext>
             </a:extLst>
           </p:cNvPr>
@@ -6772,12 +8186,7 @@
             <p:ph idx="1"/>
           </p:nvPr>
         </p:nvSpPr>
-        <p:spPr>
-          <a:xfrm>
-            <a:off x="1066800" y="2733472"/>
-            <a:ext cx="10058400" cy="1919267"/>
-          </a:xfrm>
-        </p:spPr>
+        <p:spPr/>
         <p:txBody>
           <a:bodyPr>
             <a:noAutofit/>
@@ -6785,43 +8194,77 @@
           <a:lstStyle/>
           <a:p>
             <a:r>
-              <a:rPr lang="en-US" sz="1800" dirty="0">
-                <a:cs typeface="Arial" panose="020B0604020202020204" pitchFamily="34" charset="0"/>
-              </a:rPr>
-              <a:t>Review HTML Document Structure</a:t>
-            </a:r>
-          </a:p>
-          <a:p>
-            <a:r>
-              <a:rPr lang="en-US" sz="1800" dirty="0">
-                <a:cs typeface="Arial" panose="020B0604020202020204" pitchFamily="34" charset="0"/>
-              </a:rPr>
-              <a:t>Explain Usage Of &lt;!DOCTYPE html&gt; Tag</a:t>
-            </a:r>
-          </a:p>
-          <a:p>
-            <a:r>
-              <a:rPr lang="en-US" sz="1800" dirty="0">
-                <a:cs typeface="Arial" panose="020B0604020202020204" pitchFamily="34" charset="0"/>
-              </a:rPr>
-              <a:t>Go Over Basic &lt;head&gt; Section Tags</a:t>
-            </a:r>
-          </a:p>
-          <a:p>
-            <a:r>
-              <a:rPr lang="en-US" sz="1800" dirty="0">
-                <a:cs typeface="Arial" panose="020B0604020202020204" pitchFamily="34" charset="0"/>
-              </a:rPr>
-              <a:t>Go Over Basic &lt;body&gt; Section Tags</a:t>
-            </a:r>
-          </a:p>
-          <a:p>
-            <a:r>
-              <a:rPr lang="en-US" sz="1800" dirty="0">
-                <a:cs typeface="Arial" panose="020B0604020202020204" pitchFamily="34" charset="0"/>
-              </a:rPr>
-              <a:t>Introduction To HTML &lt;form&gt;</a:t>
-            </a:r>
+              <a:rPr lang="en-US" sz="2400" dirty="0">
+                <a:cs typeface="Arial" panose="020B0604020202020204" pitchFamily="34" charset="0"/>
+              </a:rPr>
+              <a:t>Review </a:t>
+            </a:r>
+            <a:r>
+              <a:rPr lang="en-US" sz="2400">
+                <a:cs typeface="Arial" panose="020B0604020202020204" pitchFamily="34" charset="0"/>
+              </a:rPr>
+              <a:t>HTML Document Structure</a:t>
+            </a:r>
+            <a:endParaRPr lang="en-US" sz="2400" dirty="0">
+              <a:cs typeface="Arial" panose="020B0604020202020204" pitchFamily="34" charset="0"/>
+            </a:endParaRPr>
+          </a:p>
+          <a:p>
+            <a:r>
+              <a:rPr lang="en-US" sz="2400">
+                <a:cs typeface="Arial" panose="020B0604020202020204" pitchFamily="34" charset="0"/>
+              </a:rPr>
+              <a:t>Review </a:t>
+            </a:r>
+            <a:r>
+              <a:rPr lang="en-US" sz="2400" dirty="0">
+                <a:cs typeface="Arial" panose="020B0604020202020204" pitchFamily="34" charset="0"/>
+              </a:rPr>
+              <a:t>&lt;head</a:t>
+            </a:r>
+            <a:r>
+              <a:rPr lang="en-US" sz="2400">
+                <a:cs typeface="Arial" panose="020B0604020202020204" pitchFamily="34" charset="0"/>
+              </a:rPr>
+              <a:t>&gt; section tags</a:t>
+            </a:r>
+            <a:endParaRPr lang="en-US" sz="2400" dirty="0">
+              <a:cs typeface="Arial" panose="020B0604020202020204" pitchFamily="34" charset="0"/>
+            </a:endParaRPr>
+          </a:p>
+          <a:p>
+            <a:r>
+              <a:rPr lang="en-US" sz="2400">
+                <a:cs typeface="Arial" panose="020B0604020202020204" pitchFamily="34" charset="0"/>
+              </a:rPr>
+              <a:t>Review </a:t>
+            </a:r>
+            <a:r>
+              <a:rPr lang="en-US" sz="2400" dirty="0">
+                <a:cs typeface="Arial" panose="020B0604020202020204" pitchFamily="34" charset="0"/>
+              </a:rPr>
+              <a:t>&lt;body</a:t>
+            </a:r>
+            <a:r>
+              <a:rPr lang="en-US" sz="2400">
+                <a:cs typeface="Arial" panose="020B0604020202020204" pitchFamily="34" charset="0"/>
+              </a:rPr>
+              <a:t>&gt; section tags</a:t>
+            </a:r>
+            <a:endParaRPr lang="en-US" sz="2400" dirty="0">
+              <a:cs typeface="Arial" panose="020B0604020202020204" pitchFamily="34" charset="0"/>
+            </a:endParaRPr>
+          </a:p>
+          <a:p>
+            <a:r>
+              <a:rPr lang="en-US" sz="2400">
+                <a:cs typeface="Arial" panose="020B0604020202020204" pitchFamily="34" charset="0"/>
+              </a:rPr>
+              <a:t>Introduction to HTML Forms</a:t>
+            </a:r>
+            <a:endParaRPr lang="en-US" sz="2400" dirty="0">
+              <a:cs typeface="Arial" panose="020B0604020202020204" pitchFamily="34" charset="0"/>
+            </a:endParaRPr>
           </a:p>
         </p:txBody>
       </p:sp>
@@ -6858,13 +8301,6 @@
   <p:clrMapOvr>
     <a:masterClrMapping/>
   </p:clrMapOvr>
-  <p:timing>
-    <p:tnLst>
-      <p:par>
-        <p:cTn id="1" dur="indefinite" restart="never" nodeType="tmRoot"/>
-      </p:par>
-    </p:tnLst>
-  </p:timing>
 </p:sld>
 </file>
 
@@ -6890,7 +8326,7 @@
           <p:cNvPr id="2" name="Title 1">
             <a:extLst>
               <a:ext uri="{FF2B5EF4-FFF2-40B4-BE49-F238E27FC236}">
-                <a16:creationId xmlns:a16="http://schemas.microsoft.com/office/drawing/2014/main" xmlns="" id="{BDFAC13C-59B1-436E-B58F-C304E1C705CF}"/>
+                <a16:creationId xmlns:a16="http://schemas.microsoft.com/office/drawing/2014/main" id="{BDFAC13C-59B1-436E-B58F-C304E1C705CF}"/>
               </a:ext>
             </a:extLst>
           </p:cNvPr>
@@ -6901,12 +8337,7 @@
             <p:ph type="title"/>
           </p:nvPr>
         </p:nvSpPr>
-        <p:spPr>
-          <a:xfrm>
-            <a:off x="664234" y="733579"/>
-            <a:ext cx="5077520" cy="1371600"/>
-          </a:xfrm>
-        </p:spPr>
+        <p:spPr/>
         <p:txBody>
           <a:bodyPr>
             <a:normAutofit/>
@@ -6914,8 +8345,8 @@
           <a:lstStyle/>
           <a:p>
             <a:r>
-              <a:rPr lang="en-US" u="sng" dirty="0" smtClean="0"/>
-              <a:t>&lt;form&gt;</a:t>
+              <a:rPr lang="en-US" u="sng"/>
+              <a:t>Ordered List &lt;ol&gt;…&lt;/ol&gt;</a:t>
             </a:r>
             <a:endParaRPr lang="en-US" u="sng" dirty="0"/>
           </a:p>
@@ -6926,7 +8357,7 @@
           <p:cNvPr id="3" name="Content Placeholder 2">
             <a:extLst>
               <a:ext uri="{FF2B5EF4-FFF2-40B4-BE49-F238E27FC236}">
-                <a16:creationId xmlns:a16="http://schemas.microsoft.com/office/drawing/2014/main" xmlns="" id="{844A3DC5-46BF-4BFF-8008-98FD467C4904}"/>
+                <a16:creationId xmlns:a16="http://schemas.microsoft.com/office/drawing/2014/main" id="{844A3DC5-46BF-4BFF-8008-98FD467C4904}"/>
               </a:ext>
             </a:extLst>
           </p:cNvPr>
@@ -6937,37 +8368,79 @@
             <p:ph idx="1"/>
           </p:nvPr>
         </p:nvSpPr>
-        <p:spPr>
-          <a:xfrm>
-            <a:off x="1066800" y="2733472"/>
-            <a:ext cx="10058400" cy="2526591"/>
-          </a:xfrm>
-        </p:spPr>
+        <p:spPr/>
         <p:txBody>
           <a:bodyPr>
-            <a:noAutofit/>
+            <a:normAutofit/>
           </a:bodyPr>
           <a:lstStyle/>
           <a:p>
-            <a:pPr marL="0" indent="0">
+            <a:pPr indent="0">
               <a:buNone/>
             </a:pPr>
             <a:r>
               <a:rPr lang="en-US" sz="1800" dirty="0">
                 <a:cs typeface="Arial" panose="020B0604020202020204" pitchFamily="34" charset="0"/>
               </a:rPr>
-              <a:t>Major form tags:</a:t>
-            </a:r>
+              <a:t>The HTML </a:t>
+            </a:r>
+            <a:r>
+              <a:rPr lang="en-US" sz="1800" b="1" dirty="0">
+                <a:latin typeface="Consolas" panose="020B0609020204030204" pitchFamily="49" charset="0"/>
+                <a:cs typeface="Arial" panose="020B0604020202020204" pitchFamily="34" charset="0"/>
+                <a:hlinkClick r:id="rId2"/>
+              </a:rPr>
+              <a:t>&lt;ol&gt;</a:t>
+            </a:r>
+            <a:r>
+              <a:rPr lang="en-US" sz="1800" dirty="0">
+                <a:cs typeface="Arial" panose="020B0604020202020204" pitchFamily="34" charset="0"/>
+              </a:rPr>
+              <a:t> element represents an </a:t>
+            </a:r>
+            <a:r>
+              <a:rPr lang="en-US" sz="1800" b="1" dirty="0">
+                <a:cs typeface="Arial" panose="020B0604020202020204" pitchFamily="34" charset="0"/>
+              </a:rPr>
+              <a:t>ordered list</a:t>
+            </a:r>
+            <a:r>
+              <a:rPr lang="en-US" sz="1800" dirty="0">
+                <a:cs typeface="Arial" panose="020B0604020202020204" pitchFamily="34" charset="0"/>
+              </a:rPr>
+              <a:t> of items – typically rendered as a numbered list</a:t>
+            </a:r>
+            <a:endParaRPr lang="en-US" sz="1800" dirty="0"/>
           </a:p>
           <a:p>
             <a:pPr indent="0">
               <a:buNone/>
             </a:pPr>
+            <a:endParaRPr lang="en-US" sz="1800" dirty="0">
+              <a:latin typeface="Consolas" panose="020B0609020204030204" pitchFamily="49" charset="0"/>
+            </a:endParaRPr>
+          </a:p>
+          <a:p>
+            <a:pPr indent="0">
+              <a:buNone/>
+            </a:pPr>
             <a:r>
               <a:rPr lang="en-US" sz="1800" dirty="0">
-                <a:cs typeface="Arial" panose="020B0604020202020204" pitchFamily="34" charset="0"/>
-              </a:rPr>
-              <a:t>input -  Creates interactive form controls to accept user data</a:t>
+                <a:latin typeface="Consolas" panose="020B0609020204030204" pitchFamily="49" charset="0"/>
+              </a:rPr>
+              <a:t>&lt;ol&gt;			</a:t>
+            </a:r>
+            <a:r>
+              <a:rPr lang="en-US" sz="1800">
+                <a:latin typeface="Consolas" panose="020B0609020204030204" pitchFamily="49" charset="0"/>
+              </a:rPr>
+              <a:t>		Renders </a:t>
+            </a:r>
+            <a:r>
+              <a:rPr lang="en-US" sz="1800" dirty="0">
+                <a:latin typeface="Consolas" panose="020B0609020204030204" pitchFamily="49" charset="0"/>
+              </a:rPr>
+              <a:t>as:</a:t>
             </a:r>
           </a:p>
           <a:p>
@@ -6976,10 +8449,31 @@
             </a:pPr>
             <a:r>
               <a:rPr lang="en-US" sz="1800" dirty="0">
-                <a:cs typeface="Arial" panose="020B0604020202020204" pitchFamily="34" charset="0"/>
-              </a:rPr>
-              <a:t>select -  Creates a control that provides a menu of options</a:t>
-            </a:r>
+                <a:latin typeface="Consolas" panose="020B0609020204030204" pitchFamily="49" charset="0"/>
+              </a:rPr>
+              <a:t>  &lt;</a:t>
+            </a:r>
+            <a:r>
+              <a:rPr lang="en-US" sz="1800">
+                <a:latin typeface="Consolas" panose="020B0609020204030204" pitchFamily="49" charset="0"/>
+              </a:rPr>
+              <a:t>li&gt;An Element&lt;/</a:t>
+            </a:r>
+            <a:r>
+              <a:rPr lang="en-US" sz="1800" dirty="0">
+                <a:latin typeface="Consolas" panose="020B0609020204030204" pitchFamily="49" charset="0"/>
+              </a:rPr>
+              <a:t>li&gt;		1</a:t>
+            </a:r>
+            <a:r>
+              <a:rPr lang="en-US" sz="1800">
+                <a:latin typeface="Consolas" panose="020B0609020204030204" pitchFamily="49" charset="0"/>
+              </a:rPr>
+              <a:t>. An Element</a:t>
+            </a:r>
+            <a:endParaRPr lang="en-US" sz="1800" dirty="0">
+              <a:latin typeface="Consolas" panose="020B0609020204030204" pitchFamily="49" charset="0"/>
+            </a:endParaRPr>
           </a:p>
           <a:p>
             <a:pPr indent="0">
@@ -6987,10 +8481,31 @@
             </a:pPr>
             <a:r>
               <a:rPr lang="en-US" sz="1800" dirty="0">
-                <a:cs typeface="Arial" panose="020B0604020202020204" pitchFamily="34" charset="0"/>
-              </a:rPr>
-              <a:t>textarea  -  Creates a multi-line plain-text editing control</a:t>
-            </a:r>
+                <a:latin typeface="Consolas" panose="020B0609020204030204" pitchFamily="49" charset="0"/>
+              </a:rPr>
+              <a:t>  &lt;</a:t>
+            </a:r>
+            <a:r>
+              <a:rPr lang="en-US" sz="1800">
+                <a:latin typeface="Consolas" panose="020B0609020204030204" pitchFamily="49" charset="0"/>
+              </a:rPr>
+              <a:t>li&gt;Another Element&lt;/</a:t>
+            </a:r>
+            <a:r>
+              <a:rPr lang="en-US" sz="1800" dirty="0">
+                <a:latin typeface="Consolas" panose="020B0609020204030204" pitchFamily="49" charset="0"/>
+              </a:rPr>
+              <a:t>li&gt;		2</a:t>
+            </a:r>
+            <a:r>
+              <a:rPr lang="en-US" sz="1800">
+                <a:latin typeface="Consolas" panose="020B0609020204030204" pitchFamily="49" charset="0"/>
+              </a:rPr>
+              <a:t>. Another Element</a:t>
+            </a:r>
+            <a:endParaRPr lang="en-US" sz="1800" dirty="0">
+              <a:latin typeface="Consolas" panose="020B0609020204030204" pitchFamily="49" charset="0"/>
+            </a:endParaRPr>
           </a:p>
           <a:p>
             <a:pPr indent="0">
@@ -6998,38 +8513,16 @@
             </a:pPr>
             <a:r>
               <a:rPr lang="en-US" sz="1800" dirty="0">
-                <a:cs typeface="Arial" panose="020B0604020202020204" pitchFamily="34" charset="0"/>
-              </a:rPr>
-              <a:t>button  -  Creates a clickable (programmable) button</a:t>
-            </a:r>
-          </a:p>
-          <a:p>
-            <a:pPr indent="0">
-              <a:buNone/>
-            </a:pPr>
-            <a:r>
-              <a:rPr lang="en-US" sz="1800" dirty="0">
-                <a:cs typeface="Arial" panose="020B0604020202020204" pitchFamily="34" charset="0"/>
-              </a:rPr>
-              <a:t>fieldset -  Groups controls and labels within a web form</a:t>
-            </a:r>
-          </a:p>
-          <a:p>
-            <a:pPr indent="0">
-              <a:buNone/>
-            </a:pPr>
-            <a:r>
-              <a:rPr lang="en-US" sz="1800" dirty="0">
-                <a:cs typeface="Arial" panose="020B0604020202020204" pitchFamily="34" charset="0"/>
-              </a:rPr>
-              <a:t>legend  -  Creates a caption for a corresponding fieldset</a:t>
-            </a:r>
-          </a:p>
-        </p:txBody>
-      </p:sp>
-      <p:sp>
-        <p:nvSpPr>
-          <p:cNvPr id="4" name="Slide Number Placeholder 3"/>
+                <a:latin typeface="Consolas" panose="020B0609020204030204" pitchFamily="49" charset="0"/>
+              </a:rPr>
+              <a:t>&lt;/ol&gt;</a:t>
+            </a:r>
+          </a:p>
+        </p:txBody>
+      </p:sp>
+      <p:sp>
+        <p:nvSpPr>
+          <p:cNvPr id="5" name="Slide Number Placeholder 4"/>
           <p:cNvSpPr>
             <a:spLocks noGrp="1"/>
           </p:cNvSpPr>
@@ -7050,23 +8543,81 @@
           </a:p>
         </p:txBody>
       </p:sp>
+      <p:sp>
+        <p:nvSpPr>
+          <p:cNvPr id="4" name="Rectangle 3"/>
+          <p:cNvSpPr/>
+          <p:nvPr/>
+        </p:nvSpPr>
+        <p:spPr>
+          <a:xfrm>
+            <a:off x="1066799" y="5754469"/>
+            <a:ext cx="10058400" cy="646331"/>
+          </a:xfrm>
+          <a:prstGeom prst="rect">
+            <a:avLst/>
+          </a:prstGeom>
+        </p:spPr>
+        <p:txBody>
+          <a:bodyPr wrap="square">
+            <a:spAutoFit/>
+          </a:bodyPr>
+          <a:lstStyle/>
+          <a:p>
+            <a:r>
+              <a:rPr lang="en-US" b="1" dirty="0"/>
+              <a:t>Source</a:t>
+            </a:r>
+          </a:p>
+          <a:p>
+            <a:r>
+              <a:rPr lang="en-US" dirty="0">
+                <a:solidFill>
+                  <a:srgbClr val="00B0F0"/>
+                </a:solidFill>
+                <a:hlinkClick r:id="rId2">
+                  <a:extLst>
+                    <a:ext uri="{A12FA001-AC4F-418D-AE19-62706E023703}">
+                      <ahyp:hlinkClr xmlns:ahyp="http://schemas.microsoft.com/office/drawing/2018/hyperlinkcolor" val="tx"/>
+                    </a:ext>
+                  </a:extLst>
+                </a:hlinkClick>
+              </a:rPr>
+              <a:t>https://developer.mozilla.org/en-US/docs/Web/HTML/Element</a:t>
+            </a:r>
+            <a:r>
+              <a:rPr lang="en-US">
+                <a:solidFill>
+                  <a:srgbClr val="00B0F0"/>
+                </a:solidFill>
+                <a:hlinkClick r:id="rId2">
+                  <a:extLst>
+                    <a:ext uri="{A12FA001-AC4F-418D-AE19-62706E023703}">
+                      <ahyp:hlinkClr xmlns:ahyp="http://schemas.microsoft.com/office/drawing/2018/hyperlinkcolor" val="tx"/>
+                    </a:ext>
+                  </a:extLst>
+                </a:hlinkClick>
+              </a:rPr>
+              <a:t>/ol</a:t>
+            </a:r>
+            <a:endParaRPr lang="en-US">
+              <a:solidFill>
+                <a:srgbClr val="00B0F0"/>
+              </a:solidFill>
+            </a:endParaRPr>
+          </a:p>
+        </p:txBody>
+      </p:sp>
     </p:spTree>
     <p:extLst>
       <p:ext uri="{BB962C8B-B14F-4D97-AF65-F5344CB8AC3E}">
-        <p14:creationId xmlns:p14="http://schemas.microsoft.com/office/powerpoint/2010/main" val="1542645720"/>
+        <p14:creationId xmlns:p14="http://schemas.microsoft.com/office/powerpoint/2010/main" val="3998776304"/>
       </p:ext>
     </p:extLst>
   </p:cSld>
   <p:clrMapOvr>
     <a:masterClrMapping/>
   </p:clrMapOvr>
-  <p:timing>
-    <p:tnLst>
-      <p:par>
-        <p:cTn id="1" dur="indefinite" restart="never" nodeType="tmRoot"/>
-      </p:par>
-    </p:tnLst>
-  </p:timing>
 </p:sld>
 </file>
 
@@ -7092,7 +8643,7 @@
           <p:cNvPr id="2" name="Title 1">
             <a:extLst>
               <a:ext uri="{FF2B5EF4-FFF2-40B4-BE49-F238E27FC236}">
-                <a16:creationId xmlns:a16="http://schemas.microsoft.com/office/drawing/2014/main" xmlns="" id="{BDFAC13C-59B1-436E-B58F-C304E1C705CF}"/>
+                <a16:creationId xmlns:a16="http://schemas.microsoft.com/office/drawing/2014/main" id="{BDFAC13C-59B1-436E-B58F-C304E1C705CF}"/>
               </a:ext>
             </a:extLst>
           </p:cNvPr>
@@ -7103,12 +8654,7 @@
             <p:ph type="title"/>
           </p:nvPr>
         </p:nvSpPr>
-        <p:spPr>
-          <a:xfrm>
-            <a:off x="664233" y="733579"/>
-            <a:ext cx="5546443" cy="1371600"/>
-          </a:xfrm>
-        </p:spPr>
+        <p:spPr/>
         <p:txBody>
           <a:bodyPr>
             <a:normAutofit/>
@@ -7116,8 +8662,8 @@
           <a:lstStyle/>
           <a:p>
             <a:r>
-              <a:rPr lang="en-US" u="sng" dirty="0" smtClean="0"/>
-              <a:t>HTM &lt;form&gt; example</a:t>
+              <a:rPr lang="en-US" u="sng"/>
+              <a:t>Unordered List &lt;ul&gt;…&lt;/ul&gt;</a:t>
             </a:r>
             <a:endParaRPr lang="en-US" u="sng" dirty="0"/>
           </a:p>
@@ -7128,7 +8674,7 @@
           <p:cNvPr id="3" name="Content Placeholder 2">
             <a:extLst>
               <a:ext uri="{FF2B5EF4-FFF2-40B4-BE49-F238E27FC236}">
-                <a16:creationId xmlns:a16="http://schemas.microsoft.com/office/drawing/2014/main" xmlns="" id="{844A3DC5-46BF-4BFF-8008-98FD467C4904}"/>
+                <a16:creationId xmlns:a16="http://schemas.microsoft.com/office/drawing/2014/main" id="{844A3DC5-46BF-4BFF-8008-98FD467C4904}"/>
               </a:ext>
             </a:extLst>
           </p:cNvPr>
@@ -7139,26 +8685,65 @@
             <p:ph idx="1"/>
           </p:nvPr>
         </p:nvSpPr>
-        <p:spPr>
-          <a:xfrm>
-            <a:off x="1066800" y="2105180"/>
-            <a:ext cx="10058400" cy="3951588"/>
-          </a:xfrm>
-        </p:spPr>
+        <p:spPr/>
         <p:txBody>
           <a:bodyPr>
-            <a:normAutofit fontScale="85000" lnSpcReduction="20000"/>
+            <a:normAutofit/>
           </a:bodyPr>
           <a:lstStyle/>
           <a:p>
+            <a:pPr indent="0">
+              <a:buNone/>
+            </a:pPr>
+            <a:r>
+              <a:rPr lang="en-US" sz="1800" dirty="0">
+                <a:cs typeface="Arial" panose="020B0604020202020204" pitchFamily="34" charset="0"/>
+              </a:rPr>
+              <a:t>The HTML </a:t>
+            </a:r>
+            <a:r>
+              <a:rPr lang="en-US" sz="1800" b="1" dirty="0">
+                <a:latin typeface="Consolas" panose="020B0609020204030204" pitchFamily="49" charset="0"/>
+                <a:cs typeface="Arial" panose="020B0604020202020204" pitchFamily="34" charset="0"/>
+                <a:hlinkClick r:id="rId2"/>
+              </a:rPr>
+              <a:t>&lt;ul&gt;</a:t>
+            </a:r>
+            <a:r>
+              <a:rPr lang="en-US" sz="1800" dirty="0">
+                <a:cs typeface="Arial" panose="020B0604020202020204" pitchFamily="34" charset="0"/>
+              </a:rPr>
+              <a:t> element represents an </a:t>
+            </a:r>
+            <a:r>
+              <a:rPr lang="en-US" sz="1800" b="1" dirty="0">
+                <a:cs typeface="Arial" panose="020B0604020202020204" pitchFamily="34" charset="0"/>
+              </a:rPr>
+              <a:t>unordered list</a:t>
+            </a:r>
+            <a:r>
+              <a:rPr lang="en-US" sz="1800" dirty="0">
+                <a:cs typeface="Arial" panose="020B0604020202020204" pitchFamily="34" charset="0"/>
+              </a:rPr>
+              <a:t> of items – typically rendered as a bulleted list</a:t>
+            </a:r>
+            <a:endParaRPr lang="en-US" sz="1800" dirty="0"/>
+          </a:p>
+          <a:p>
             <a:pPr marL="0" indent="0">
               <a:buNone/>
             </a:pPr>
+            <a:endParaRPr lang="en-US" sz="1800" dirty="0"/>
+          </a:p>
+          <a:p>
+            <a:pPr indent="0">
+              <a:buNone/>
+            </a:pPr>
             <a:r>
               <a:rPr lang="en-US" sz="1800" dirty="0">
                 <a:latin typeface="Consolas" panose="020B0609020204030204" pitchFamily="49" charset="0"/>
               </a:rPr>
-              <a:t>&lt;form action="validate.js" method="POST"&gt;</a:t>
+              <a:t>&lt;ul&gt;					Renders as:</a:t>
             </a:r>
           </a:p>
           <a:p>
@@ -7169,7 +8754,19 @@
               <a:rPr lang="en-US" sz="1800" dirty="0">
                 <a:latin typeface="Consolas" panose="020B0609020204030204" pitchFamily="49" charset="0"/>
               </a:rPr>
-              <a:t>  &lt;fieldset legend="Simple Form"&gt;</a:t>
+              <a:t>   &lt;li&gt;</a:t>
+            </a:r>
+            <a:r>
+              <a:rPr lang="en-US" sz="1800">
+                <a:latin typeface="Consolas" panose="020B0609020204030204" pitchFamily="49" charset="0"/>
+              </a:rPr>
+              <a:t>An Element&lt;/</a:t>
+            </a:r>
+            <a:r>
+              <a:rPr lang="en-US" sz="1800" dirty="0">
+                <a:latin typeface="Consolas" panose="020B0609020204030204" pitchFamily="49" charset="0"/>
+              </a:rPr>
+              <a:t>li&gt;		• An element</a:t>
             </a:r>
           </a:p>
           <a:p>
@@ -7180,118 +8777,30 @@
               <a:rPr lang="en-US" sz="1800" dirty="0">
                 <a:latin typeface="Consolas" panose="020B0609020204030204" pitchFamily="49" charset="0"/>
               </a:rPr>
-              <a:t>    &lt;input type="email" id="email" placeholder="Email Here"&gt;&lt;br&gt;&lt;br&gt;</a:t>
-            </a:r>
-          </a:p>
-          <a:p>
-            <a:pPr marL="0" indent="0">
+              <a:t>   &lt;li&gt;Another Element&lt;/</a:t>
+            </a:r>
+            <a:r>
+              <a:rPr lang="en-US" sz="1800">
+                <a:latin typeface="Consolas" panose="020B0609020204030204" pitchFamily="49" charset="0"/>
+              </a:rPr>
+              <a:t>li&gt;		• </a:t>
+            </a:r>
+            <a:r>
+              <a:rPr lang="en-US" sz="1800" dirty="0">
+                <a:latin typeface="Consolas" panose="020B0609020204030204" pitchFamily="49" charset="0"/>
+              </a:rPr>
+              <a:t>Another element</a:t>
+            </a:r>
+          </a:p>
+          <a:p>
+            <a:pPr indent="0">
               <a:buNone/>
             </a:pPr>
             <a:r>
               <a:rPr lang="en-US" sz="1800" dirty="0">
                 <a:latin typeface="Consolas" panose="020B0609020204030204" pitchFamily="49" charset="0"/>
               </a:rPr>
-              <a:t>      &lt;select id="</a:t>
-            </a:r>
-            <a:r>
-              <a:rPr lang="en-US" sz="1800" dirty="0" err="1">
-                <a:latin typeface="Consolas" panose="020B0609020204030204" pitchFamily="49" charset="0"/>
-              </a:rPr>
-              <a:t>favpet</a:t>
-            </a:r>
-            <a:r>
-              <a:rPr lang="en-US" sz="1800" dirty="0">
-                <a:latin typeface="Consolas" panose="020B0609020204030204" pitchFamily="49" charset="0"/>
-              </a:rPr>
-              <a:t>"&gt;</a:t>
-            </a:r>
-          </a:p>
-          <a:p>
-            <a:pPr marL="0" indent="0">
-              <a:buNone/>
-            </a:pPr>
-            <a:r>
-              <a:rPr lang="en-US" sz="1800" dirty="0">
-                <a:latin typeface="Consolas" panose="020B0609020204030204" pitchFamily="49" charset="0"/>
-              </a:rPr>
-              <a:t>        &lt;option value=""&gt;--Favorite pet--&lt;/option&gt;</a:t>
-            </a:r>
-          </a:p>
-          <a:p>
-            <a:pPr marL="0" indent="0">
-              <a:buNone/>
-            </a:pPr>
-            <a:r>
-              <a:rPr lang="en-US" sz="1800" dirty="0">
-                <a:latin typeface="Consolas" panose="020B0609020204030204" pitchFamily="49" charset="0"/>
-              </a:rPr>
-              <a:t>        &lt;option value="dog"&gt;Dog&lt;/option&gt;</a:t>
-            </a:r>
-          </a:p>
-          <a:p>
-            <a:pPr marL="0" indent="0">
-              <a:buNone/>
-            </a:pPr>
-            <a:r>
-              <a:rPr lang="en-US" sz="1800" dirty="0">
-                <a:latin typeface="Consolas" panose="020B0609020204030204" pitchFamily="49" charset="0"/>
-              </a:rPr>
-              <a:t>        &lt;option value="cat"&gt;Cat&lt;/option&gt;</a:t>
-            </a:r>
-          </a:p>
-          <a:p>
-            <a:pPr marL="0" indent="0">
-              <a:buNone/>
-            </a:pPr>
-            <a:r>
-              <a:rPr lang="en-US" sz="1800" dirty="0">
-                <a:latin typeface="Consolas" panose="020B0609020204030204" pitchFamily="49" charset="0"/>
-              </a:rPr>
-              <a:t>        &lt;option value="bird"&gt;Bird&lt;/option&gt;</a:t>
-            </a:r>
-          </a:p>
-          <a:p>
-            <a:pPr marL="0" indent="0">
-              <a:buNone/>
-            </a:pPr>
-            <a:r>
-              <a:rPr lang="en-US" sz="1800" dirty="0">
-                <a:latin typeface="Consolas" panose="020B0609020204030204" pitchFamily="49" charset="0"/>
-              </a:rPr>
-              <a:t>      &lt;/select&gt;&lt;br&gt;&lt;br&gt;</a:t>
-            </a:r>
-          </a:p>
-          <a:p>
-            <a:pPr marL="0" indent="0">
-              <a:buNone/>
-            </a:pPr>
-            <a:r>
-              <a:rPr lang="en-US" sz="1800" dirty="0">
-                <a:latin typeface="Consolas" panose="020B0609020204030204" pitchFamily="49" charset="0"/>
-              </a:rPr>
-              <a:t>      &lt;button&gt;Submit&lt;/button&gt;</a:t>
-            </a:r>
-          </a:p>
-          <a:p>
-            <a:pPr marL="0" indent="0">
-              <a:buNone/>
-            </a:pPr>
-            <a:r>
-              <a:rPr lang="en-US" sz="1800" dirty="0">
-                <a:latin typeface="Consolas" panose="020B0609020204030204" pitchFamily="49" charset="0"/>
-              </a:rPr>
-              <a:t>    &lt;/fieldset&gt;</a:t>
-            </a:r>
-          </a:p>
-          <a:p>
-            <a:pPr marL="0" indent="0">
-              <a:buNone/>
-            </a:pPr>
-            <a:r>
-              <a:rPr lang="en-US" sz="1800" dirty="0">
-                <a:latin typeface="Consolas" panose="020B0609020204030204" pitchFamily="49" charset="0"/>
-              </a:rPr>
-              <a:t>&lt;/form&gt;</a:t>
+              <a:t>&lt;/ul&gt;</a:t>
             </a:r>
           </a:p>
         </p:txBody>
@@ -7319,23 +8828,81 @@
           </a:p>
         </p:txBody>
       </p:sp>
+      <p:sp>
+        <p:nvSpPr>
+          <p:cNvPr id="4" name="Rectangle 3"/>
+          <p:cNvSpPr/>
+          <p:nvPr/>
+        </p:nvSpPr>
+        <p:spPr>
+          <a:xfrm>
+            <a:off x="1066800" y="5754469"/>
+            <a:ext cx="10058400" cy="646331"/>
+          </a:xfrm>
+          <a:prstGeom prst="rect">
+            <a:avLst/>
+          </a:prstGeom>
+        </p:spPr>
+        <p:txBody>
+          <a:bodyPr wrap="square">
+            <a:spAutoFit/>
+          </a:bodyPr>
+          <a:lstStyle/>
+          <a:p>
+            <a:r>
+              <a:rPr lang="en-US" b="1" dirty="0"/>
+              <a:t>Source</a:t>
+            </a:r>
+          </a:p>
+          <a:p>
+            <a:r>
+              <a:rPr lang="en-US" dirty="0">
+                <a:solidFill>
+                  <a:srgbClr val="00B0F0"/>
+                </a:solidFill>
+                <a:hlinkClick r:id="rId2">
+                  <a:extLst>
+                    <a:ext uri="{A12FA001-AC4F-418D-AE19-62706E023703}">
+                      <ahyp:hlinkClr xmlns:ahyp="http://schemas.microsoft.com/office/drawing/2018/hyperlinkcolor" val="tx"/>
+                    </a:ext>
+                  </a:extLst>
+                </a:hlinkClick>
+              </a:rPr>
+              <a:t>https://developer.mozilla.org/en-US/docs/Web/HTML/Element</a:t>
+            </a:r>
+            <a:r>
+              <a:rPr lang="en-US">
+                <a:solidFill>
+                  <a:srgbClr val="00B0F0"/>
+                </a:solidFill>
+                <a:hlinkClick r:id="rId2">
+                  <a:extLst>
+                    <a:ext uri="{A12FA001-AC4F-418D-AE19-62706E023703}">
+                      <ahyp:hlinkClr xmlns:ahyp="http://schemas.microsoft.com/office/drawing/2018/hyperlinkcolor" val="tx"/>
+                    </a:ext>
+                  </a:extLst>
+                </a:hlinkClick>
+              </a:rPr>
+              <a:t>/ul</a:t>
+            </a:r>
+            <a:endParaRPr lang="en-US">
+              <a:solidFill>
+                <a:srgbClr val="00B0F0"/>
+              </a:solidFill>
+            </a:endParaRPr>
+          </a:p>
+        </p:txBody>
+      </p:sp>
     </p:spTree>
     <p:extLst>
       <p:ext uri="{BB962C8B-B14F-4D97-AF65-F5344CB8AC3E}">
-        <p14:creationId xmlns:p14="http://schemas.microsoft.com/office/powerpoint/2010/main" val="3586146884"/>
+        <p14:creationId xmlns:p14="http://schemas.microsoft.com/office/powerpoint/2010/main" val="1278560834"/>
       </p:ext>
     </p:extLst>
   </p:cSld>
   <p:clrMapOvr>
     <a:masterClrMapping/>
   </p:clrMapOvr>
-  <p:timing>
-    <p:tnLst>
-      <p:par>
-        <p:cTn id="1" dur="indefinite" restart="never" nodeType="tmRoot"/>
-      </p:par>
-    </p:tnLst>
-  </p:timing>
 </p:sld>
 </file>
 
@@ -7358,10 +8925,125 @@
       </p:grpSpPr>
       <p:sp>
         <p:nvSpPr>
+          <p:cNvPr id="5" name="Title 4">
+            <a:extLst>
+              <a:ext uri="{FF2B5EF4-FFF2-40B4-BE49-F238E27FC236}">
+                <a16:creationId xmlns:a16="http://schemas.microsoft.com/office/drawing/2014/main" id="{22A32AFB-6EA2-4016-923B-C9A748E34F65}"/>
+              </a:ext>
+            </a:extLst>
+          </p:cNvPr>
+          <p:cNvSpPr>
+            <a:spLocks noGrp="1"/>
+          </p:cNvSpPr>
+          <p:nvPr>
+            <p:ph type="title"/>
+          </p:nvPr>
+        </p:nvSpPr>
+        <p:spPr/>
+        <p:txBody>
+          <a:bodyPr/>
+          <a:lstStyle/>
+          <a:p>
+            <a:r>
+              <a:rPr lang="en-US" cap="none"/>
+              <a:t>HTML Forms</a:t>
+            </a:r>
+          </a:p>
+        </p:txBody>
+      </p:sp>
+      <p:sp>
+        <p:nvSpPr>
+          <p:cNvPr id="6" name="Text Placeholder 5">
+            <a:extLst>
+              <a:ext uri="{FF2B5EF4-FFF2-40B4-BE49-F238E27FC236}">
+                <a16:creationId xmlns:a16="http://schemas.microsoft.com/office/drawing/2014/main" id="{413AE332-F072-4970-BDFC-1B4CADB28A3E}"/>
+              </a:ext>
+            </a:extLst>
+          </p:cNvPr>
+          <p:cNvSpPr>
+            <a:spLocks noGrp="1"/>
+          </p:cNvSpPr>
+          <p:nvPr>
+            <p:ph type="body" idx="1"/>
+          </p:nvPr>
+        </p:nvSpPr>
+        <p:spPr/>
+        <p:txBody>
+          <a:bodyPr/>
+          <a:lstStyle/>
+          <a:p>
+            <a:r>
+              <a:rPr lang="en-US"/>
+              <a:t>An abbreviated review of the HTML form tags.</a:t>
+            </a:r>
+          </a:p>
+        </p:txBody>
+      </p:sp>
+      <p:sp>
+        <p:nvSpPr>
+          <p:cNvPr id="4" name="Slide Number Placeholder 3">
+            <a:extLst>
+              <a:ext uri="{FF2B5EF4-FFF2-40B4-BE49-F238E27FC236}">
+                <a16:creationId xmlns:a16="http://schemas.microsoft.com/office/drawing/2014/main" id="{01B8E869-33C6-40AA-A8F3-63E9737AF413}"/>
+              </a:ext>
+            </a:extLst>
+          </p:cNvPr>
+          <p:cNvSpPr>
+            <a:spLocks noGrp="1"/>
+          </p:cNvSpPr>
+          <p:nvPr>
+            <p:ph type="sldNum" sz="quarter" idx="12"/>
+          </p:nvPr>
+        </p:nvSpPr>
+        <p:spPr/>
+        <p:txBody>
+          <a:bodyPr/>
+          <a:lstStyle/>
+          <a:p>
+            <a:fld id="{34B7E4EF-A1BD-40F4-AB7B-04F084DD991D}" type="slidenum">
+              <a:rPr lang="en-US" smtClean="0"/>
+              <a:t>22</a:t>
+            </a:fld>
+            <a:endParaRPr lang="en-US" dirty="0"/>
+          </a:p>
+        </p:txBody>
+      </p:sp>
+    </p:spTree>
+    <p:extLst>
+      <p:ext uri="{BB962C8B-B14F-4D97-AF65-F5344CB8AC3E}">
+        <p14:creationId xmlns:p14="http://schemas.microsoft.com/office/powerpoint/2010/main" val="4194200543"/>
+      </p:ext>
+    </p:extLst>
+  </p:cSld>
+  <p:clrMapOvr>
+    <a:masterClrMapping/>
+  </p:clrMapOvr>
+</p:sld>
+</file>
+
+<file path=ppt/slides/slide23.xml><?xml version="1.0" encoding="utf-8"?>
+<p:sld xmlns:a="http://schemas.openxmlformats.org/drawingml/2006/main" xmlns:r="http://schemas.openxmlformats.org/officeDocument/2006/relationships" xmlns:p="http://schemas.openxmlformats.org/presentationml/2006/main">
+  <p:cSld>
+    <p:spTree>
+      <p:nvGrpSpPr>
+        <p:cNvPr id="1" name=""/>
+        <p:cNvGrpSpPr/>
+        <p:nvPr/>
+      </p:nvGrpSpPr>
+      <p:grpSpPr>
+        <a:xfrm>
+          <a:off x="0" y="0"/>
+          <a:ext cx="0" cy="0"/>
+          <a:chOff x="0" y="0"/>
+          <a:chExt cx="0" cy="0"/>
+        </a:xfrm>
+      </p:grpSpPr>
+      <p:sp>
+        <p:nvSpPr>
           <p:cNvPr id="2" name="Title 1">
             <a:extLst>
               <a:ext uri="{FF2B5EF4-FFF2-40B4-BE49-F238E27FC236}">
-                <a16:creationId xmlns:a16="http://schemas.microsoft.com/office/drawing/2014/main" xmlns="" id="{BDFAC13C-59B1-436E-B58F-C304E1C705CF}"/>
+                <a16:creationId xmlns:a16="http://schemas.microsoft.com/office/drawing/2014/main" id="{BDFAC13C-59B1-436E-B58F-C304E1C705CF}"/>
               </a:ext>
             </a:extLst>
           </p:cNvPr>
@@ -7372,12 +9054,7 @@
             <p:ph type="title"/>
           </p:nvPr>
         </p:nvSpPr>
-        <p:spPr>
-          <a:xfrm>
-            <a:off x="664233" y="733579"/>
-            <a:ext cx="5546443" cy="1371600"/>
-          </a:xfrm>
-        </p:spPr>
+        <p:spPr/>
         <p:txBody>
           <a:bodyPr>
             <a:normAutofit/>
@@ -7385,8 +9062,8 @@
           <a:lstStyle/>
           <a:p>
             <a:r>
-              <a:rPr lang="en-US" u="sng" dirty="0" smtClean="0"/>
-              <a:t>HTM &lt;form&gt; example</a:t>
+              <a:rPr lang="en-US" u="sng"/>
+              <a:t>Forms</a:t>
             </a:r>
             <a:endParaRPr lang="en-US" u="sng" dirty="0"/>
           </a:p>
@@ -7397,7 +9074,7 @@
           <p:cNvPr id="3" name="Content Placeholder 2">
             <a:extLst>
               <a:ext uri="{FF2B5EF4-FFF2-40B4-BE49-F238E27FC236}">
-                <a16:creationId xmlns:a16="http://schemas.microsoft.com/office/drawing/2014/main" xmlns="" id="{844A3DC5-46BF-4BFF-8008-98FD467C4904}"/>
+                <a16:creationId xmlns:a16="http://schemas.microsoft.com/office/drawing/2014/main" id="{844A3DC5-46BF-4BFF-8008-98FD467C4904}"/>
               </a:ext>
             </a:extLst>
           </p:cNvPr>
@@ -7408,12 +9085,7 @@
             <p:ph idx="1"/>
           </p:nvPr>
         </p:nvSpPr>
-        <p:spPr>
-          <a:xfrm>
-            <a:off x="1066800" y="2105180"/>
-            <a:ext cx="10058400" cy="3951588"/>
-          </a:xfrm>
-        </p:spPr>
+        <p:spPr/>
         <p:txBody>
           <a:bodyPr>
             <a:normAutofit/>
@@ -7421,72 +9093,1074 @@
           <a:lstStyle/>
           <a:p>
             <a:pPr marL="0" indent="0">
+              <a:spcBef>
+                <a:spcPts val="0"/>
+              </a:spcBef>
               <a:buNone/>
             </a:pPr>
             <a:r>
-              <a:rPr lang="en-US" sz="1600" dirty="0">
-                <a:latin typeface="Consolas" panose="020B0609020204030204" pitchFamily="49" charset="0"/>
-              </a:rPr>
-              <a:t>Added CSS:</a:t>
+              <a:rPr lang="en-US" sz="1800">
+                <a:latin typeface="Consolas" panose="020B0609020204030204" pitchFamily="49" charset="0"/>
+                <a:cs typeface="Arial" panose="020B0604020202020204" pitchFamily="34" charset="0"/>
+              </a:rPr>
+              <a:t>&lt;form action="contactme.html" method="POST/GET"&gt;…&lt;/form&gt;</a:t>
             </a:r>
           </a:p>
           <a:p>
             <a:pPr marL="0" indent="0">
+              <a:spcBef>
+                <a:spcPts val="0"/>
+              </a:spcBef>
               <a:buNone/>
             </a:pPr>
-            <a:r>
-              <a:rPr lang="en-US" sz="1600" dirty="0">
-                <a:latin typeface="Consolas" panose="020B0609020204030204" pitchFamily="49" charset="0"/>
-              </a:rPr>
-              <a:t>&lt;style&gt;</a:t>
-            </a:r>
-          </a:p>
+            <a:endParaRPr lang="en-US" sz="1800" dirty="0">
+              <a:cs typeface="Arial" panose="020B0604020202020204" pitchFamily="34" charset="0"/>
+            </a:endParaRPr>
+          </a:p>
+          <a:p>
+            <a:pPr marL="468630" indent="-285750">
+              <a:spcBef>
+                <a:spcPts val="0"/>
+              </a:spcBef>
+            </a:pPr>
+            <a:r>
+              <a:rPr lang="en-US" sz="1800" dirty="0">
+                <a:cs typeface="Arial" panose="020B0604020202020204" pitchFamily="34" charset="0"/>
+              </a:rPr>
+              <a:t>The HTML </a:t>
+            </a:r>
+            <a:r>
+              <a:rPr lang="en-US" sz="1800" b="1" dirty="0">
+                <a:latin typeface="Consolas" panose="020B0609020204030204" pitchFamily="49" charset="0"/>
+                <a:cs typeface="Arial" panose="020B0604020202020204" pitchFamily="34" charset="0"/>
+                <a:hlinkClick r:id="rId2"/>
+              </a:rPr>
+              <a:t>&lt;form&gt;</a:t>
+            </a:r>
+            <a:r>
+              <a:rPr lang="en-US" sz="1800" dirty="0">
+                <a:cs typeface="Arial" panose="020B0604020202020204" pitchFamily="34" charset="0"/>
+              </a:rPr>
+              <a:t> element represents a document section containing interactive controls for </a:t>
+            </a:r>
+            <a:r>
+              <a:rPr lang="en-US" sz="1800">
+                <a:cs typeface="Arial" panose="020B0604020202020204" pitchFamily="34" charset="0"/>
+              </a:rPr>
+              <a:t>submitting information.</a:t>
+            </a:r>
+          </a:p>
+          <a:p>
+            <a:pPr indent="0">
+              <a:spcBef>
+                <a:spcPts val="0"/>
+              </a:spcBef>
+              <a:buNone/>
+            </a:pPr>
+            <a:endParaRPr lang="en-US" sz="1800" dirty="0">
+              <a:cs typeface="Arial" panose="020B0604020202020204" pitchFamily="34" charset="0"/>
+            </a:endParaRPr>
+          </a:p>
+          <a:p>
+            <a:pPr marL="468630" indent="-285750">
+              <a:spcBef>
+                <a:spcPts val="0"/>
+              </a:spcBef>
+            </a:pPr>
+            <a:r>
+              <a:rPr lang="en-US" sz="1800" dirty="0">
+                <a:cs typeface="Arial" panose="020B0604020202020204" pitchFamily="34" charset="0"/>
+              </a:rPr>
+              <a:t>The </a:t>
+            </a:r>
+            <a:r>
+              <a:rPr lang="en-US" sz="1800" b="1" dirty="0">
+                <a:latin typeface="Consolas" panose="020B0609020204030204" pitchFamily="49" charset="0"/>
+                <a:cs typeface="Arial" panose="020B0604020202020204" pitchFamily="34" charset="0"/>
+              </a:rPr>
+              <a:t>action</a:t>
+            </a:r>
+            <a:r>
+              <a:rPr lang="en-US" sz="1800" dirty="0">
+                <a:cs typeface="Arial" panose="020B0604020202020204" pitchFamily="34" charset="0"/>
+              </a:rPr>
+              <a:t> attribute is the URL that processes the form submission</a:t>
+            </a:r>
+            <a:r>
+              <a:rPr lang="en-US" sz="1800">
+                <a:cs typeface="Arial" panose="020B0604020202020204" pitchFamily="34" charset="0"/>
+              </a:rPr>
+              <a:t>.  </a:t>
+            </a:r>
+          </a:p>
+          <a:p>
+            <a:pPr indent="0">
+              <a:spcBef>
+                <a:spcPts val="0"/>
+              </a:spcBef>
+              <a:buNone/>
+            </a:pPr>
+            <a:endParaRPr lang="en-US" sz="1800">
+              <a:cs typeface="Arial" panose="020B0604020202020204" pitchFamily="34" charset="0"/>
+            </a:endParaRPr>
+          </a:p>
+          <a:p>
+            <a:pPr marL="468630" indent="-285750">
+              <a:spcBef>
+                <a:spcPts val="0"/>
+              </a:spcBef>
+            </a:pPr>
+            <a:r>
+              <a:rPr lang="en-US" sz="1800">
+                <a:cs typeface="Arial" panose="020B0604020202020204" pitchFamily="34" charset="0"/>
+              </a:rPr>
+              <a:t>The </a:t>
+            </a:r>
+            <a:r>
+              <a:rPr lang="en-US" sz="1800" b="1">
+                <a:latin typeface="Consolas" panose="020B0609020204030204" pitchFamily="49" charset="0"/>
+                <a:cs typeface="Arial" panose="020B0604020202020204" pitchFamily="34" charset="0"/>
+              </a:rPr>
+              <a:t>method</a:t>
+            </a:r>
+            <a:r>
+              <a:rPr lang="en-US" sz="1800">
+                <a:cs typeface="Arial" panose="020B0604020202020204" pitchFamily="34" charset="0"/>
+              </a:rPr>
+              <a:t> attribute specifies how the form data will be submitted.                        Usually </a:t>
+            </a:r>
+            <a:r>
+              <a:rPr lang="en-US" sz="1800" b="1">
+                <a:latin typeface="Consolas" panose="020B0609020204030204" pitchFamily="49" charset="0"/>
+                <a:cs typeface="Arial" panose="020B0604020202020204" pitchFamily="34" charset="0"/>
+              </a:rPr>
+              <a:t>GET</a:t>
+            </a:r>
+            <a:r>
+              <a:rPr lang="en-US" sz="1800">
+                <a:cs typeface="Arial" panose="020B0604020202020204" pitchFamily="34" charset="0"/>
+              </a:rPr>
+              <a:t> (via query string) or </a:t>
+            </a:r>
+            <a:r>
+              <a:rPr lang="en-US" sz="1800" b="1">
+                <a:latin typeface="Consolas" panose="020B0609020204030204" pitchFamily="49" charset="0"/>
+                <a:cs typeface="Arial" panose="020B0604020202020204" pitchFamily="34" charset="0"/>
+              </a:rPr>
+              <a:t>POST</a:t>
+            </a:r>
+            <a:r>
+              <a:rPr lang="en-US" sz="1800">
+                <a:cs typeface="Arial" panose="020B0604020202020204" pitchFamily="34" charset="0"/>
+              </a:rPr>
+              <a:t> (via request body).</a:t>
+            </a:r>
+            <a:endParaRPr lang="en-US" sz="1800" dirty="0">
+              <a:cs typeface="Arial" panose="020B0604020202020204" pitchFamily="34" charset="0"/>
+            </a:endParaRPr>
+          </a:p>
+        </p:txBody>
+      </p:sp>
+      <p:sp>
+        <p:nvSpPr>
+          <p:cNvPr id="6" name="Slide Number Placeholder 5"/>
+          <p:cNvSpPr>
+            <a:spLocks noGrp="1"/>
+          </p:cNvSpPr>
+          <p:nvPr>
+            <p:ph type="sldNum" sz="quarter" idx="12"/>
+          </p:nvPr>
+        </p:nvSpPr>
+        <p:spPr/>
+        <p:txBody>
+          <a:bodyPr/>
+          <a:lstStyle/>
+          <a:p>
+            <a:fld id="{34B7E4EF-A1BD-40F4-AB7B-04F084DD991D}" type="slidenum">
+              <a:rPr lang="en-US" smtClean="0"/>
+              <a:t>23</a:t>
+            </a:fld>
+            <a:endParaRPr lang="en-US" dirty="0"/>
+          </a:p>
+        </p:txBody>
+      </p:sp>
+      <p:sp>
+        <p:nvSpPr>
+          <p:cNvPr id="5" name="Rectangle 4"/>
+          <p:cNvSpPr/>
+          <p:nvPr/>
+        </p:nvSpPr>
+        <p:spPr>
+          <a:xfrm>
+            <a:off x="1066800" y="5754469"/>
+            <a:ext cx="10058400" cy="646331"/>
+          </a:xfrm>
+          <a:prstGeom prst="rect">
+            <a:avLst/>
+          </a:prstGeom>
+        </p:spPr>
+        <p:txBody>
+          <a:bodyPr wrap="square">
+            <a:spAutoFit/>
+          </a:bodyPr>
+          <a:lstStyle/>
+          <a:p>
+            <a:r>
+              <a:rPr lang="en-US" b="1" dirty="0"/>
+              <a:t>Source</a:t>
+            </a:r>
+          </a:p>
+          <a:p>
+            <a:r>
+              <a:rPr lang="en-US" dirty="0">
+                <a:solidFill>
+                  <a:srgbClr val="00B0F0"/>
+                </a:solidFill>
+                <a:hlinkClick r:id="rId2">
+                  <a:extLst>
+                    <a:ext uri="{A12FA001-AC4F-418D-AE19-62706E023703}">
+                      <ahyp:hlinkClr xmlns:ahyp="http://schemas.microsoft.com/office/drawing/2018/hyperlinkcolor" val="tx"/>
+                    </a:ext>
+                  </a:extLst>
+                </a:hlinkClick>
+              </a:rPr>
+              <a:t>https://developer.mozilla.org/en-US/docs/Web/HTML/Element</a:t>
+            </a:r>
+            <a:r>
+              <a:rPr lang="en-US">
+                <a:solidFill>
+                  <a:srgbClr val="00B0F0"/>
+                </a:solidFill>
+                <a:hlinkClick r:id="rId2">
+                  <a:extLst>
+                    <a:ext uri="{A12FA001-AC4F-418D-AE19-62706E023703}">
+                      <ahyp:hlinkClr xmlns:ahyp="http://schemas.microsoft.com/office/drawing/2018/hyperlinkcolor" val="tx"/>
+                    </a:ext>
+                  </a:extLst>
+                </a:hlinkClick>
+              </a:rPr>
+              <a:t>/form</a:t>
+            </a:r>
+            <a:endParaRPr lang="en-US">
+              <a:solidFill>
+                <a:srgbClr val="00B0F0"/>
+              </a:solidFill>
+            </a:endParaRPr>
+          </a:p>
+        </p:txBody>
+      </p:sp>
+    </p:spTree>
+    <p:extLst>
+      <p:ext uri="{BB962C8B-B14F-4D97-AF65-F5344CB8AC3E}">
+        <p14:creationId xmlns:p14="http://schemas.microsoft.com/office/powerpoint/2010/main" val="2034341660"/>
+      </p:ext>
+    </p:extLst>
+  </p:cSld>
+  <p:clrMapOvr>
+    <a:masterClrMapping/>
+  </p:clrMapOvr>
+</p:sld>
+</file>
+
+<file path=ppt/slides/slide24.xml><?xml version="1.0" encoding="utf-8"?>
+<p:sld xmlns:a="http://schemas.openxmlformats.org/drawingml/2006/main" xmlns:r="http://schemas.openxmlformats.org/officeDocument/2006/relationships" xmlns:p="http://schemas.openxmlformats.org/presentationml/2006/main">
+  <p:cSld>
+    <p:spTree>
+      <p:nvGrpSpPr>
+        <p:cNvPr id="1" name=""/>
+        <p:cNvGrpSpPr/>
+        <p:nvPr/>
+      </p:nvGrpSpPr>
+      <p:grpSpPr>
+        <a:xfrm>
+          <a:off x="0" y="0"/>
+          <a:ext cx="0" cy="0"/>
+          <a:chOff x="0" y="0"/>
+          <a:chExt cx="0" cy="0"/>
+        </a:xfrm>
+      </p:grpSpPr>
+      <p:sp>
+        <p:nvSpPr>
+          <p:cNvPr id="2" name="Title 1">
+            <a:extLst>
+              <a:ext uri="{FF2B5EF4-FFF2-40B4-BE49-F238E27FC236}">
+                <a16:creationId xmlns:a16="http://schemas.microsoft.com/office/drawing/2014/main" id="{BDFAC13C-59B1-436E-B58F-C304E1C705CF}"/>
+              </a:ext>
+            </a:extLst>
+          </p:cNvPr>
+          <p:cNvSpPr>
+            <a:spLocks noGrp="1"/>
+          </p:cNvSpPr>
+          <p:nvPr>
+            <p:ph type="title"/>
+          </p:nvPr>
+        </p:nvSpPr>
+        <p:spPr/>
+        <p:txBody>
+          <a:bodyPr>
+            <a:normAutofit/>
+          </a:bodyPr>
+          <a:lstStyle/>
+          <a:p>
+            <a:r>
+              <a:rPr lang="en-US" u="sng"/>
+              <a:t>Common Form Tags</a:t>
+            </a:r>
+            <a:endParaRPr lang="en-US" u="sng" dirty="0"/>
+          </a:p>
+        </p:txBody>
+      </p:sp>
+      <p:sp>
+        <p:nvSpPr>
+          <p:cNvPr id="3" name="Content Placeholder 2">
+            <a:extLst>
+              <a:ext uri="{FF2B5EF4-FFF2-40B4-BE49-F238E27FC236}">
+                <a16:creationId xmlns:a16="http://schemas.microsoft.com/office/drawing/2014/main" id="{844A3DC5-46BF-4BFF-8008-98FD467C4904}"/>
+              </a:ext>
+            </a:extLst>
+          </p:cNvPr>
+          <p:cNvSpPr>
+            <a:spLocks noGrp="1"/>
+          </p:cNvSpPr>
+          <p:nvPr>
+            <p:ph idx="1"/>
+          </p:nvPr>
+        </p:nvSpPr>
+        <p:spPr/>
+        <p:txBody>
+          <a:bodyPr anchor="ctr">
+            <a:noAutofit/>
+          </a:bodyPr>
+          <a:lstStyle/>
+          <a:p>
+            <a:pPr indent="0">
+              <a:buNone/>
+            </a:pPr>
+            <a:r>
+              <a:rPr lang="en-US" sz="1800" b="1">
+                <a:latin typeface="Consolas" panose="020B0609020204030204" pitchFamily="49" charset="0"/>
+                <a:cs typeface="Arial" panose="020B0604020202020204" pitchFamily="34" charset="0"/>
+              </a:rPr>
+              <a:t>&lt;input&gt;     </a:t>
+            </a:r>
+            <a:r>
+              <a:rPr lang="en-US" sz="1800">
+                <a:cs typeface="Arial" panose="020B0604020202020204" pitchFamily="34" charset="0"/>
+              </a:rPr>
+              <a:t>Interactive form controls to accept a single piece of user data.</a:t>
+            </a:r>
+            <a:endParaRPr lang="en-US" sz="1800" dirty="0">
+              <a:cs typeface="Arial" panose="020B0604020202020204" pitchFamily="34" charset="0"/>
+            </a:endParaRPr>
+          </a:p>
+          <a:p>
+            <a:pPr indent="0">
+              <a:buNone/>
+            </a:pPr>
+            <a:r>
+              <a:rPr lang="en-US" sz="1800" b="1">
+                <a:latin typeface="Consolas" panose="020B0609020204030204" pitchFamily="49" charset="0"/>
+                <a:cs typeface="Arial" panose="020B0604020202020204" pitchFamily="34" charset="0"/>
+              </a:rPr>
+              <a:t>&lt;select&gt;    </a:t>
+            </a:r>
+            <a:r>
+              <a:rPr lang="en-US" sz="1800">
+                <a:cs typeface="Arial" panose="020B0604020202020204" pitchFamily="34" charset="0"/>
+              </a:rPr>
+              <a:t>Form </a:t>
+            </a:r>
+            <a:r>
+              <a:rPr lang="en-US" sz="1800" dirty="0">
+                <a:cs typeface="Arial" panose="020B0604020202020204" pitchFamily="34" charset="0"/>
+              </a:rPr>
+              <a:t>control that provides a menu </a:t>
+            </a:r>
+            <a:r>
+              <a:rPr lang="en-US" sz="1800">
+                <a:cs typeface="Arial" panose="020B0604020202020204" pitchFamily="34" charset="0"/>
+              </a:rPr>
+              <a:t>of options.</a:t>
+            </a:r>
+            <a:endParaRPr lang="en-US" sz="1800" dirty="0">
+              <a:cs typeface="Arial" panose="020B0604020202020204" pitchFamily="34" charset="0"/>
+            </a:endParaRPr>
+          </a:p>
+          <a:p>
+            <a:pPr indent="0">
+              <a:buNone/>
+            </a:pPr>
+            <a:r>
+              <a:rPr lang="en-US" sz="1800" b="1">
+                <a:latin typeface="Consolas" panose="020B0609020204030204" pitchFamily="49" charset="0"/>
+                <a:cs typeface="Arial" panose="020B0604020202020204" pitchFamily="34" charset="0"/>
+              </a:rPr>
+              <a:t>&lt;textarea&gt;  </a:t>
+            </a:r>
+            <a:r>
+              <a:rPr lang="en-US" sz="1800">
+                <a:cs typeface="Arial" panose="020B0604020202020204" pitchFamily="34" charset="0"/>
+              </a:rPr>
+              <a:t>Multi-line </a:t>
+            </a:r>
+            <a:r>
+              <a:rPr lang="en-US" sz="1800" dirty="0">
+                <a:cs typeface="Arial" panose="020B0604020202020204" pitchFamily="34" charset="0"/>
+              </a:rPr>
+              <a:t>plain-text </a:t>
+            </a:r>
+            <a:r>
+              <a:rPr lang="en-US" sz="1800">
+                <a:cs typeface="Arial" panose="020B0604020202020204" pitchFamily="34" charset="0"/>
+              </a:rPr>
+              <a:t>editing control.</a:t>
+            </a:r>
+            <a:endParaRPr lang="en-US" sz="1800" dirty="0">
+              <a:cs typeface="Arial" panose="020B0604020202020204" pitchFamily="34" charset="0"/>
+            </a:endParaRPr>
+          </a:p>
+          <a:p>
+            <a:pPr indent="0">
+              <a:buNone/>
+            </a:pPr>
+            <a:r>
+              <a:rPr lang="en-US" sz="1800" b="1">
+                <a:latin typeface="Consolas" panose="020B0609020204030204" pitchFamily="49" charset="0"/>
+                <a:cs typeface="Arial" panose="020B0604020202020204" pitchFamily="34" charset="0"/>
+              </a:rPr>
+              <a:t>&lt;button&gt;    </a:t>
+            </a:r>
+            <a:r>
+              <a:rPr lang="en-US" sz="1800">
+                <a:cs typeface="Arial" panose="020B0604020202020204" pitchFamily="34" charset="0"/>
+              </a:rPr>
+              <a:t>Clickable </a:t>
+            </a:r>
+            <a:r>
+              <a:rPr lang="en-US" sz="1800" dirty="0">
+                <a:cs typeface="Arial" panose="020B0604020202020204" pitchFamily="34" charset="0"/>
+              </a:rPr>
+              <a:t>(programmable) button</a:t>
+            </a:r>
+          </a:p>
+          <a:p>
+            <a:pPr indent="0">
+              <a:buNone/>
+            </a:pPr>
+            <a:r>
+              <a:rPr lang="en-US" sz="1800" b="1">
+                <a:latin typeface="Consolas" panose="020B0609020204030204" pitchFamily="49" charset="0"/>
+                <a:cs typeface="Arial" panose="020B0604020202020204" pitchFamily="34" charset="0"/>
+              </a:rPr>
+              <a:t>&lt;fieldset&gt;  </a:t>
+            </a:r>
+            <a:r>
+              <a:rPr lang="en-US" sz="1800">
+                <a:cs typeface="Arial" panose="020B0604020202020204" pitchFamily="34" charset="0"/>
+              </a:rPr>
+              <a:t>Groups </a:t>
+            </a:r>
+            <a:r>
+              <a:rPr lang="en-US" sz="1800" dirty="0">
+                <a:cs typeface="Arial" panose="020B0604020202020204" pitchFamily="34" charset="0"/>
+              </a:rPr>
+              <a:t>controls and labels within </a:t>
+            </a:r>
+            <a:r>
+              <a:rPr lang="en-US" sz="1800">
+                <a:cs typeface="Arial" panose="020B0604020202020204" pitchFamily="34" charset="0"/>
+              </a:rPr>
+              <a:t>a form.</a:t>
+            </a:r>
+            <a:endParaRPr lang="en-US" sz="1800" dirty="0">
+              <a:cs typeface="Arial" panose="020B0604020202020204" pitchFamily="34" charset="0"/>
+            </a:endParaRPr>
+          </a:p>
+          <a:p>
+            <a:pPr indent="0">
+              <a:buNone/>
+            </a:pPr>
+            <a:r>
+              <a:rPr lang="en-US" sz="1800" b="1">
+                <a:latin typeface="Consolas" panose="020B0609020204030204" pitchFamily="49" charset="0"/>
+                <a:cs typeface="Arial" panose="020B0604020202020204" pitchFamily="34" charset="0"/>
+              </a:rPr>
+              <a:t>&lt;legend&gt;    </a:t>
+            </a:r>
+            <a:r>
+              <a:rPr lang="en-US" sz="1800">
+                <a:cs typeface="Arial" panose="020B0604020202020204" pitchFamily="34" charset="0"/>
+              </a:rPr>
+              <a:t>Caption </a:t>
+            </a:r>
+            <a:r>
+              <a:rPr lang="en-US" sz="1800" dirty="0">
+                <a:cs typeface="Arial" panose="020B0604020202020204" pitchFamily="34" charset="0"/>
+              </a:rPr>
+              <a:t>for a </a:t>
+            </a:r>
+            <a:r>
+              <a:rPr lang="en-US" sz="1800">
+                <a:cs typeface="Arial" panose="020B0604020202020204" pitchFamily="34" charset="0"/>
+              </a:rPr>
+              <a:t>corresponding fieldset.</a:t>
+            </a:r>
+            <a:endParaRPr lang="en-US" sz="1800" dirty="0">
+              <a:cs typeface="Arial" panose="020B0604020202020204" pitchFamily="34" charset="0"/>
+            </a:endParaRPr>
+          </a:p>
+        </p:txBody>
+      </p:sp>
+      <p:sp>
+        <p:nvSpPr>
+          <p:cNvPr id="4" name="Slide Number Placeholder 3"/>
+          <p:cNvSpPr>
+            <a:spLocks noGrp="1"/>
+          </p:cNvSpPr>
+          <p:nvPr>
+            <p:ph type="sldNum" sz="quarter" idx="12"/>
+          </p:nvPr>
+        </p:nvSpPr>
+        <p:spPr/>
+        <p:txBody>
+          <a:bodyPr/>
+          <a:lstStyle/>
+          <a:p>
+            <a:fld id="{34B7E4EF-A1BD-40F4-AB7B-04F084DD991D}" type="slidenum">
+              <a:rPr lang="en-US" smtClean="0"/>
+              <a:t>24</a:t>
+            </a:fld>
+            <a:endParaRPr lang="en-US" dirty="0"/>
+          </a:p>
+        </p:txBody>
+      </p:sp>
+    </p:spTree>
+    <p:extLst>
+      <p:ext uri="{BB962C8B-B14F-4D97-AF65-F5344CB8AC3E}">
+        <p14:creationId xmlns:p14="http://schemas.microsoft.com/office/powerpoint/2010/main" val="1542645720"/>
+      </p:ext>
+    </p:extLst>
+  </p:cSld>
+  <p:clrMapOvr>
+    <a:masterClrMapping/>
+  </p:clrMapOvr>
+</p:sld>
+</file>
+
+<file path=ppt/slides/slide25.xml><?xml version="1.0" encoding="utf-8"?>
+<p:sld xmlns:a="http://schemas.openxmlformats.org/drawingml/2006/main" xmlns:r="http://schemas.openxmlformats.org/officeDocument/2006/relationships" xmlns:p="http://schemas.openxmlformats.org/presentationml/2006/main">
+  <p:cSld>
+    <p:spTree>
+      <p:nvGrpSpPr>
+        <p:cNvPr id="1" name=""/>
+        <p:cNvGrpSpPr/>
+        <p:nvPr/>
+      </p:nvGrpSpPr>
+      <p:grpSpPr>
+        <a:xfrm>
+          <a:off x="0" y="0"/>
+          <a:ext cx="0" cy="0"/>
+          <a:chOff x="0" y="0"/>
+          <a:chExt cx="0" cy="0"/>
+        </a:xfrm>
+      </p:grpSpPr>
+      <p:sp>
+        <p:nvSpPr>
+          <p:cNvPr id="2" name="Title 1">
+            <a:extLst>
+              <a:ext uri="{FF2B5EF4-FFF2-40B4-BE49-F238E27FC236}">
+                <a16:creationId xmlns:a16="http://schemas.microsoft.com/office/drawing/2014/main" id="{BDFAC13C-59B1-436E-B58F-C304E1C705CF}"/>
+              </a:ext>
+            </a:extLst>
+          </p:cNvPr>
+          <p:cNvSpPr>
+            <a:spLocks noGrp="1"/>
+          </p:cNvSpPr>
+          <p:nvPr>
+            <p:ph type="title"/>
+          </p:nvPr>
+        </p:nvSpPr>
+        <p:spPr/>
+        <p:txBody>
+          <a:bodyPr>
+            <a:normAutofit/>
+          </a:bodyPr>
+          <a:lstStyle/>
+          <a:p>
+            <a:r>
+              <a:rPr lang="en-US" u="sng"/>
+              <a:t>Example Form</a:t>
+            </a:r>
+            <a:endParaRPr lang="en-US" u="sng" dirty="0"/>
+          </a:p>
+        </p:txBody>
+      </p:sp>
+      <p:sp>
+        <p:nvSpPr>
+          <p:cNvPr id="3" name="Content Placeholder 2">
+            <a:extLst>
+              <a:ext uri="{FF2B5EF4-FFF2-40B4-BE49-F238E27FC236}">
+                <a16:creationId xmlns:a16="http://schemas.microsoft.com/office/drawing/2014/main" id="{844A3DC5-46BF-4BFF-8008-98FD467C4904}"/>
+              </a:ext>
+            </a:extLst>
+          </p:cNvPr>
+          <p:cNvSpPr>
+            <a:spLocks noGrp="1"/>
+          </p:cNvSpPr>
+          <p:nvPr>
+            <p:ph idx="1"/>
+          </p:nvPr>
+        </p:nvSpPr>
+        <p:spPr/>
+        <p:txBody>
+          <a:bodyPr anchor="ctr">
+            <a:noAutofit/>
+          </a:bodyPr>
+          <a:lstStyle/>
           <a:p>
             <a:pPr marL="0" indent="0">
+              <a:lnSpc>
+                <a:spcPct val="100000"/>
+              </a:lnSpc>
+              <a:spcBef>
+                <a:spcPts val="0"/>
+              </a:spcBef>
               <a:buNone/>
             </a:pPr>
             <a:r>
-              <a:rPr lang="en-US" sz="1600" dirty="0">
-                <a:latin typeface="Consolas" panose="020B0609020204030204" pitchFamily="49" charset="0"/>
-              </a:rPr>
-              <a:t>  fieldset {</a:t>
+              <a:rPr lang="en-US" sz="1800" dirty="0">
+                <a:latin typeface="Consolas" panose="020B0609020204030204" pitchFamily="49" charset="0"/>
+              </a:rPr>
+              <a:t>&lt;form </a:t>
+            </a:r>
+            <a:r>
+              <a:rPr lang="en-US" sz="1800">
+                <a:latin typeface="Consolas" panose="020B0609020204030204" pitchFamily="49" charset="0"/>
+              </a:rPr>
+              <a:t>action="simple_form.html" </a:t>
+            </a:r>
+            <a:r>
+              <a:rPr lang="en-US" sz="1800" dirty="0">
+                <a:latin typeface="Consolas" panose="020B0609020204030204" pitchFamily="49" charset="0"/>
+              </a:rPr>
+              <a:t>method="POST"&gt;</a:t>
             </a:r>
           </a:p>
           <a:p>
             <a:pPr marL="0" indent="0">
+              <a:lnSpc>
+                <a:spcPct val="100000"/>
+              </a:lnSpc>
+              <a:spcBef>
+                <a:spcPts val="0"/>
+              </a:spcBef>
               <a:buNone/>
             </a:pPr>
             <a:r>
-              <a:rPr lang="en-US" sz="1600" dirty="0">
-                <a:latin typeface="Consolas" panose="020B0609020204030204" pitchFamily="49" charset="0"/>
-              </a:rPr>
-              <a:t>    display: inline-block;</a:t>
+              <a:rPr lang="en-US" sz="1800" dirty="0">
+                <a:latin typeface="Consolas" panose="020B0609020204030204" pitchFamily="49" charset="0"/>
+              </a:rPr>
+              <a:t>  </a:t>
+            </a:r>
+            <a:r>
+              <a:rPr lang="en-US" sz="1800">
+                <a:latin typeface="Consolas" panose="020B0609020204030204" pitchFamily="49" charset="0"/>
+              </a:rPr>
+              <a:t>&lt;fieldset&gt;</a:t>
             </a:r>
           </a:p>
           <a:p>
             <a:pPr marL="0" indent="0">
+              <a:lnSpc>
+                <a:spcPct val="100000"/>
+              </a:lnSpc>
+              <a:spcBef>
+                <a:spcPts val="0"/>
+              </a:spcBef>
               <a:buNone/>
             </a:pPr>
             <a:r>
-              <a:rPr lang="en-US" sz="1600" dirty="0">
-                <a:latin typeface="Consolas" panose="020B0609020204030204" pitchFamily="49" charset="0"/>
-              </a:rPr>
-              <a:t>  }</a:t>
-            </a:r>
-          </a:p>
-          <a:p>
-            <a:pPr marL="0" indent="0">
-              <a:buNone/>
-            </a:pPr>
-            <a:r>
-              <a:rPr lang="en-US" sz="1600" dirty="0">
-                <a:latin typeface="Consolas" panose="020B0609020204030204" pitchFamily="49" charset="0"/>
-              </a:rPr>
-              <a:t>&lt;/style&gt;</a:t>
-            </a:r>
-            <a:endParaRPr lang="en-US" sz="1600" dirty="0">
+              <a:rPr lang="en-US" sz="1800">
+                <a:latin typeface="Consolas" panose="020B0609020204030204" pitchFamily="49" charset="0"/>
+              </a:rPr>
+              <a:t>    &lt;legend&gt;Simple Form&lt;/legend&gt;</a:t>
+            </a:r>
+            <a:endParaRPr lang="en-US" sz="1800" dirty="0">
               <a:latin typeface="Consolas" panose="020B0609020204030204" pitchFamily="49" charset="0"/>
             </a:endParaRPr>
+          </a:p>
+          <a:p>
+            <a:pPr marL="0" indent="0">
+              <a:lnSpc>
+                <a:spcPct val="100000"/>
+              </a:lnSpc>
+              <a:spcBef>
+                <a:spcPts val="0"/>
+              </a:spcBef>
+              <a:buNone/>
+            </a:pPr>
+            <a:r>
+              <a:rPr lang="en-US" sz="1800" dirty="0">
+                <a:latin typeface="Consolas" panose="020B0609020204030204" pitchFamily="49" charset="0"/>
+              </a:rPr>
+              <a:t>    </a:t>
+            </a:r>
+            <a:r>
+              <a:rPr lang="en-US" sz="1800">
+                <a:latin typeface="Consolas" panose="020B0609020204030204" pitchFamily="49" charset="0"/>
+              </a:rPr>
+              <a:t>&lt;input name="email" </a:t>
+            </a:r>
+            <a:r>
+              <a:rPr lang="en-US" sz="1800" dirty="0">
+                <a:latin typeface="Consolas" panose="020B0609020204030204" pitchFamily="49" charset="0"/>
+              </a:rPr>
+              <a:t>type="</a:t>
+            </a:r>
+            <a:r>
+              <a:rPr lang="en-US" sz="1800">
+                <a:latin typeface="Consolas" panose="020B0609020204030204" pitchFamily="49" charset="0"/>
+              </a:rPr>
+              <a:t>email" placeholder</a:t>
+            </a:r>
+            <a:r>
+              <a:rPr lang="en-US" sz="1800" dirty="0">
+                <a:latin typeface="Consolas" panose="020B0609020204030204" pitchFamily="49" charset="0"/>
+              </a:rPr>
+              <a:t>="Email </a:t>
+            </a:r>
+            <a:r>
+              <a:rPr lang="en-US" sz="1800">
+                <a:latin typeface="Consolas" panose="020B0609020204030204" pitchFamily="49" charset="0"/>
+              </a:rPr>
+              <a:t>Here"&gt;</a:t>
+            </a:r>
+            <a:endParaRPr lang="en-US" sz="1800" dirty="0">
+              <a:latin typeface="Consolas" panose="020B0609020204030204" pitchFamily="49" charset="0"/>
+            </a:endParaRPr>
+          </a:p>
+          <a:p>
+            <a:pPr marL="0" indent="0">
+              <a:lnSpc>
+                <a:spcPct val="100000"/>
+              </a:lnSpc>
+              <a:spcBef>
+                <a:spcPts val="0"/>
+              </a:spcBef>
+              <a:buNone/>
+            </a:pPr>
+            <a:r>
+              <a:rPr lang="en-US" sz="1800">
+                <a:latin typeface="Consolas" panose="020B0609020204030204" pitchFamily="49" charset="0"/>
+              </a:rPr>
+              <a:t>    &lt;select name="</a:t>
+            </a:r>
+            <a:r>
+              <a:rPr lang="en-US" sz="1800" dirty="0" err="1">
+                <a:latin typeface="Consolas" panose="020B0609020204030204" pitchFamily="49" charset="0"/>
+              </a:rPr>
+              <a:t>favpet</a:t>
+            </a:r>
+            <a:r>
+              <a:rPr lang="en-US" sz="1800" dirty="0">
+                <a:latin typeface="Consolas" panose="020B0609020204030204" pitchFamily="49" charset="0"/>
+              </a:rPr>
+              <a:t>"&gt;</a:t>
+            </a:r>
+          </a:p>
+          <a:p>
+            <a:pPr marL="0" indent="0">
+              <a:lnSpc>
+                <a:spcPct val="100000"/>
+              </a:lnSpc>
+              <a:spcBef>
+                <a:spcPts val="0"/>
+              </a:spcBef>
+              <a:buNone/>
+            </a:pPr>
+            <a:r>
+              <a:rPr lang="en-US" sz="1800">
+                <a:latin typeface="Consolas" panose="020B0609020204030204" pitchFamily="49" charset="0"/>
+              </a:rPr>
+              <a:t>      &lt;</a:t>
+            </a:r>
+            <a:r>
+              <a:rPr lang="en-US" sz="1800" dirty="0">
+                <a:latin typeface="Consolas" panose="020B0609020204030204" pitchFamily="49" charset="0"/>
+              </a:rPr>
+              <a:t>option value=""&gt;--</a:t>
+            </a:r>
+            <a:r>
+              <a:rPr lang="en-US" sz="1800">
+                <a:latin typeface="Consolas" panose="020B0609020204030204" pitchFamily="49" charset="0"/>
+              </a:rPr>
+              <a:t>Favorite Pet-</a:t>
+            </a:r>
+            <a:r>
+              <a:rPr lang="en-US" sz="1800" dirty="0">
+                <a:latin typeface="Consolas" panose="020B0609020204030204" pitchFamily="49" charset="0"/>
+              </a:rPr>
+              <a:t>-&lt;/option&gt;</a:t>
+            </a:r>
+          </a:p>
+          <a:p>
+            <a:pPr marL="0" indent="0">
+              <a:lnSpc>
+                <a:spcPct val="100000"/>
+              </a:lnSpc>
+              <a:spcBef>
+                <a:spcPts val="0"/>
+              </a:spcBef>
+              <a:buNone/>
+            </a:pPr>
+            <a:r>
+              <a:rPr lang="en-US" sz="1800">
+                <a:latin typeface="Consolas" panose="020B0609020204030204" pitchFamily="49" charset="0"/>
+              </a:rPr>
+              <a:t>      &lt;</a:t>
+            </a:r>
+            <a:r>
+              <a:rPr lang="en-US" sz="1800" dirty="0">
+                <a:latin typeface="Consolas" panose="020B0609020204030204" pitchFamily="49" charset="0"/>
+              </a:rPr>
+              <a:t>option value="dog"&gt;Dog&lt;/option&gt;</a:t>
+            </a:r>
+          </a:p>
+          <a:p>
+            <a:pPr marL="0" indent="0">
+              <a:lnSpc>
+                <a:spcPct val="100000"/>
+              </a:lnSpc>
+              <a:spcBef>
+                <a:spcPts val="0"/>
+              </a:spcBef>
+              <a:buNone/>
+            </a:pPr>
+            <a:r>
+              <a:rPr lang="en-US" sz="1800">
+                <a:latin typeface="Consolas" panose="020B0609020204030204" pitchFamily="49" charset="0"/>
+              </a:rPr>
+              <a:t>      &lt;</a:t>
+            </a:r>
+            <a:r>
+              <a:rPr lang="en-US" sz="1800" dirty="0">
+                <a:latin typeface="Consolas" panose="020B0609020204030204" pitchFamily="49" charset="0"/>
+              </a:rPr>
+              <a:t>option value="cat"&gt;Cat&lt;/option&gt;</a:t>
+            </a:r>
+          </a:p>
+          <a:p>
+            <a:pPr marL="0" indent="0">
+              <a:lnSpc>
+                <a:spcPct val="100000"/>
+              </a:lnSpc>
+              <a:spcBef>
+                <a:spcPts val="0"/>
+              </a:spcBef>
+              <a:buNone/>
+            </a:pPr>
+            <a:r>
+              <a:rPr lang="en-US" sz="1800">
+                <a:latin typeface="Consolas" panose="020B0609020204030204" pitchFamily="49" charset="0"/>
+              </a:rPr>
+              <a:t>      &lt;</a:t>
+            </a:r>
+            <a:r>
+              <a:rPr lang="en-US" sz="1800" dirty="0">
+                <a:latin typeface="Consolas" panose="020B0609020204030204" pitchFamily="49" charset="0"/>
+              </a:rPr>
+              <a:t>option value="bird"&gt;Bird&lt;/option&gt;</a:t>
+            </a:r>
+          </a:p>
+          <a:p>
+            <a:pPr marL="0" indent="0">
+              <a:lnSpc>
+                <a:spcPct val="100000"/>
+              </a:lnSpc>
+              <a:spcBef>
+                <a:spcPts val="0"/>
+              </a:spcBef>
+              <a:buNone/>
+            </a:pPr>
+            <a:r>
+              <a:rPr lang="en-US" sz="1800">
+                <a:latin typeface="Consolas" panose="020B0609020204030204" pitchFamily="49" charset="0"/>
+              </a:rPr>
+              <a:t>    &lt;/select&gt;</a:t>
+            </a:r>
+            <a:endParaRPr lang="en-US" sz="1800" dirty="0">
+              <a:latin typeface="Consolas" panose="020B0609020204030204" pitchFamily="49" charset="0"/>
+            </a:endParaRPr>
+          </a:p>
+          <a:p>
+            <a:pPr marL="0" indent="0">
+              <a:lnSpc>
+                <a:spcPct val="100000"/>
+              </a:lnSpc>
+              <a:spcBef>
+                <a:spcPts val="0"/>
+              </a:spcBef>
+              <a:buNone/>
+            </a:pPr>
+            <a:r>
+              <a:rPr lang="en-US" sz="1800">
+                <a:latin typeface="Consolas" panose="020B0609020204030204" pitchFamily="49" charset="0"/>
+              </a:rPr>
+              <a:t>    &lt;button type="submit"&gt;</a:t>
+            </a:r>
+            <a:r>
+              <a:rPr lang="en-US" sz="1800" dirty="0">
+                <a:latin typeface="Consolas" panose="020B0609020204030204" pitchFamily="49" charset="0"/>
+              </a:rPr>
+              <a:t>Submit&lt;/button&gt;</a:t>
+            </a:r>
+          </a:p>
+          <a:p>
+            <a:pPr marL="0" indent="0">
+              <a:lnSpc>
+                <a:spcPct val="100000"/>
+              </a:lnSpc>
+              <a:spcBef>
+                <a:spcPts val="0"/>
+              </a:spcBef>
+              <a:buNone/>
+            </a:pPr>
+            <a:r>
+              <a:rPr lang="en-US" sz="1800">
+                <a:latin typeface="Consolas" panose="020B0609020204030204" pitchFamily="49" charset="0"/>
+              </a:rPr>
+              <a:t>  &lt;/</a:t>
+            </a:r>
+            <a:r>
+              <a:rPr lang="en-US" sz="1800" dirty="0">
+                <a:latin typeface="Consolas" panose="020B0609020204030204" pitchFamily="49" charset="0"/>
+              </a:rPr>
+              <a:t>fieldset&gt;</a:t>
+            </a:r>
+          </a:p>
+          <a:p>
+            <a:pPr marL="0" indent="0">
+              <a:lnSpc>
+                <a:spcPct val="100000"/>
+              </a:lnSpc>
+              <a:spcBef>
+                <a:spcPts val="0"/>
+              </a:spcBef>
+              <a:buNone/>
+            </a:pPr>
+            <a:r>
+              <a:rPr lang="en-US" sz="1800" dirty="0">
+                <a:latin typeface="Consolas" panose="020B0609020204030204" pitchFamily="49" charset="0"/>
+              </a:rPr>
+              <a:t>&lt;/form&gt;</a:t>
+            </a:r>
+          </a:p>
+        </p:txBody>
+      </p:sp>
+      <p:sp>
+        <p:nvSpPr>
+          <p:cNvPr id="5" name="Slide Number Placeholder 4"/>
+          <p:cNvSpPr>
+            <a:spLocks noGrp="1"/>
+          </p:cNvSpPr>
+          <p:nvPr>
+            <p:ph type="sldNum" sz="quarter" idx="12"/>
+          </p:nvPr>
+        </p:nvSpPr>
+        <p:spPr/>
+        <p:txBody>
+          <a:bodyPr/>
+          <a:lstStyle/>
+          <a:p>
+            <a:fld id="{34B7E4EF-A1BD-40F4-AB7B-04F084DD991D}" type="slidenum">
+              <a:rPr lang="en-US" smtClean="0"/>
+              <a:t>25</a:t>
+            </a:fld>
+            <a:endParaRPr lang="en-US" dirty="0"/>
+          </a:p>
+        </p:txBody>
+      </p:sp>
+    </p:spTree>
+    <p:extLst>
+      <p:ext uri="{BB962C8B-B14F-4D97-AF65-F5344CB8AC3E}">
+        <p14:creationId xmlns:p14="http://schemas.microsoft.com/office/powerpoint/2010/main" val="3586146884"/>
+      </p:ext>
+    </p:extLst>
+  </p:cSld>
+  <p:clrMapOvr>
+    <a:masterClrMapping/>
+  </p:clrMapOvr>
+</p:sld>
+</file>
+
+<file path=ppt/slides/slide26.xml><?xml version="1.0" encoding="utf-8"?>
+<p:sld xmlns:a="http://schemas.openxmlformats.org/drawingml/2006/main" xmlns:r="http://schemas.openxmlformats.org/officeDocument/2006/relationships" xmlns:p="http://schemas.openxmlformats.org/presentationml/2006/main">
+  <p:cSld>
+    <p:spTree>
+      <p:nvGrpSpPr>
+        <p:cNvPr id="1" name=""/>
+        <p:cNvGrpSpPr/>
+        <p:nvPr/>
+      </p:nvGrpSpPr>
+      <p:grpSpPr>
+        <a:xfrm>
+          <a:off x="0" y="0"/>
+          <a:ext cx="0" cy="0"/>
+          <a:chOff x="0" y="0"/>
+          <a:chExt cx="0" cy="0"/>
+        </a:xfrm>
+      </p:grpSpPr>
+      <p:sp>
+        <p:nvSpPr>
+          <p:cNvPr id="2" name="Title 1">
+            <a:extLst>
+              <a:ext uri="{FF2B5EF4-FFF2-40B4-BE49-F238E27FC236}">
+                <a16:creationId xmlns:a16="http://schemas.microsoft.com/office/drawing/2014/main" id="{BDFAC13C-59B1-436E-B58F-C304E1C705CF}"/>
+              </a:ext>
+            </a:extLst>
+          </p:cNvPr>
+          <p:cNvSpPr>
+            <a:spLocks noGrp="1"/>
+          </p:cNvSpPr>
+          <p:nvPr>
+            <p:ph type="title"/>
+          </p:nvPr>
+        </p:nvSpPr>
+        <p:spPr/>
+        <p:txBody>
+          <a:bodyPr>
+            <a:normAutofit/>
+          </a:bodyPr>
+          <a:lstStyle/>
+          <a:p>
+            <a:r>
+              <a:rPr lang="en-US" u="sng"/>
+              <a:t>Example Form</a:t>
+            </a:r>
+            <a:endParaRPr lang="en-US" u="sng" dirty="0"/>
+          </a:p>
+        </p:txBody>
+      </p:sp>
+      <p:sp>
+        <p:nvSpPr>
+          <p:cNvPr id="6" name="Slide Number Placeholder 5"/>
+          <p:cNvSpPr>
+            <a:spLocks noGrp="1"/>
+          </p:cNvSpPr>
+          <p:nvPr>
+            <p:ph type="sldNum" sz="quarter" idx="12"/>
+          </p:nvPr>
+        </p:nvSpPr>
+        <p:spPr/>
+        <p:txBody>
+          <a:bodyPr/>
+          <a:lstStyle/>
+          <a:p>
+            <a:fld id="{34B7E4EF-A1BD-40F4-AB7B-04F084DD991D}" type="slidenum">
+              <a:rPr lang="en-US" smtClean="0"/>
+              <a:t>26</a:t>
+            </a:fld>
+            <a:endParaRPr lang="en-US" dirty="0"/>
           </a:p>
         </p:txBody>
       </p:sp>
@@ -7506,8 +10180,8 @@
         </p:blipFill>
         <p:spPr>
           <a:xfrm>
-            <a:off x="4310768" y="1753857"/>
-            <a:ext cx="3203608" cy="2914650"/>
+            <a:off x="1066800" y="2258682"/>
+            <a:ext cx="4914900" cy="2914650"/>
           </a:xfrm>
           <a:prstGeom prst="rect">
             <a:avLst/>
@@ -7530,37 +10204,14 @@
         </p:blipFill>
         <p:spPr>
           <a:xfrm>
-            <a:off x="7875237" y="1753857"/>
-            <a:ext cx="3285674" cy="3419475"/>
+            <a:off x="6315944" y="2258682"/>
+            <a:ext cx="4914900" cy="3419475"/>
           </a:xfrm>
           <a:prstGeom prst="rect">
             <a:avLst/>
           </a:prstGeom>
         </p:spPr>
       </p:pic>
-      <p:sp>
-        <p:nvSpPr>
-          <p:cNvPr id="6" name="Slide Number Placeholder 5"/>
-          <p:cNvSpPr>
-            <a:spLocks noGrp="1"/>
-          </p:cNvSpPr>
-          <p:nvPr>
-            <p:ph type="sldNum" sz="quarter" idx="12"/>
-          </p:nvPr>
-        </p:nvSpPr>
-        <p:spPr/>
-        <p:txBody>
-          <a:bodyPr/>
-          <a:lstStyle/>
-          <a:p>
-            <a:fld id="{34B7E4EF-A1BD-40F4-AB7B-04F084DD991D}" type="slidenum">
-              <a:rPr lang="en-US" smtClean="0"/>
-              <a:t>22</a:t>
-            </a:fld>
-            <a:endParaRPr lang="en-US" dirty="0"/>
-          </a:p>
-        </p:txBody>
-      </p:sp>
     </p:spTree>
     <p:extLst>
       <p:ext uri="{BB962C8B-B14F-4D97-AF65-F5344CB8AC3E}">
@@ -7571,17 +10222,10 @@
   <p:clrMapOvr>
     <a:masterClrMapping/>
   </p:clrMapOvr>
-  <p:timing>
-    <p:tnLst>
-      <p:par>
-        <p:cTn id="1" dur="indefinite" restart="never" nodeType="tmRoot"/>
-      </p:par>
-    </p:tnLst>
-  </p:timing>
 </p:sld>
 </file>
 
-<file path=ppt/slides/slide23.xml><?xml version="1.0" encoding="utf-8"?>
+<file path=ppt/slides/slide27.xml><?xml version="1.0" encoding="utf-8"?>
 <p:sld xmlns:a="http://schemas.openxmlformats.org/drawingml/2006/main" xmlns:r="http://schemas.openxmlformats.org/officeDocument/2006/relationships" xmlns:p="http://schemas.openxmlformats.org/presentationml/2006/main">
   <p:cSld>
     <p:spTree>
@@ -7603,7 +10247,7 @@
           <p:cNvPr id="2" name="Title 1">
             <a:extLst>
               <a:ext uri="{FF2B5EF4-FFF2-40B4-BE49-F238E27FC236}">
-                <a16:creationId xmlns:a16="http://schemas.microsoft.com/office/drawing/2014/main" xmlns="" id="{BDFAC13C-59B1-436E-B58F-C304E1C705CF}"/>
+                <a16:creationId xmlns:a16="http://schemas.microsoft.com/office/drawing/2014/main" id="{BDFAC13C-59B1-436E-B58F-C304E1C705CF}"/>
               </a:ext>
             </a:extLst>
           </p:cNvPr>
@@ -7614,12 +10258,7 @@
             <p:ph type="title"/>
           </p:nvPr>
         </p:nvSpPr>
-        <p:spPr>
-          <a:xfrm>
-            <a:off x="664234" y="733579"/>
-            <a:ext cx="5077520" cy="1371600"/>
-          </a:xfrm>
-        </p:spPr>
+        <p:spPr/>
         <p:txBody>
           <a:bodyPr>
             <a:normAutofit/>
@@ -7627,10 +10266,9 @@
           <a:lstStyle/>
           <a:p>
             <a:r>
-              <a:rPr lang="en-US" u="sng" dirty="0" smtClean="0"/>
+              <a:rPr lang="en-US" u="sng" dirty="0"/>
               <a:t>What We Covered</a:t>
             </a:r>
-            <a:endParaRPr lang="en-US" u="sng" dirty="0"/>
           </a:p>
         </p:txBody>
       </p:sp>
@@ -7639,7 +10277,7 @@
           <p:cNvPr id="3" name="Content Placeholder 2">
             <a:extLst>
               <a:ext uri="{FF2B5EF4-FFF2-40B4-BE49-F238E27FC236}">
-                <a16:creationId xmlns:a16="http://schemas.microsoft.com/office/drawing/2014/main" xmlns="" id="{844A3DC5-46BF-4BFF-8008-98FD467C4904}"/>
+                <a16:creationId xmlns:a16="http://schemas.microsoft.com/office/drawing/2014/main" id="{844A3DC5-46BF-4BFF-8008-98FD467C4904}"/>
               </a:ext>
             </a:extLst>
           </p:cNvPr>
@@ -7650,12 +10288,7 @@
             <p:ph idx="1"/>
           </p:nvPr>
         </p:nvSpPr>
-        <p:spPr>
-          <a:xfrm>
-            <a:off x="1066800" y="2733472"/>
-            <a:ext cx="10058400" cy="2943051"/>
-          </a:xfrm>
-        </p:spPr>
+        <p:spPr/>
         <p:txBody>
           <a:bodyPr>
             <a:normAutofit/>
@@ -7663,43 +10296,38 @@
           <a:lstStyle/>
           <a:p>
             <a:r>
-              <a:rPr lang="en-US" sz="1800" dirty="0">
-                <a:cs typeface="Arial" panose="020B0604020202020204" pitchFamily="34" charset="0"/>
-              </a:rPr>
-              <a:t>HTML Document Structure</a:t>
-            </a:r>
-          </a:p>
-          <a:p>
-            <a:r>
-              <a:rPr lang="en-US" sz="1800" dirty="0">
-                <a:cs typeface="Arial" panose="020B0604020202020204" pitchFamily="34" charset="0"/>
-              </a:rPr>
-              <a:t>&lt;!DOCTYPE html&gt; Tag</a:t>
-            </a:r>
-          </a:p>
-          <a:p>
-            <a:r>
-              <a:rPr lang="en-US" sz="1800" dirty="0">
-                <a:cs typeface="Arial" panose="020B0604020202020204" pitchFamily="34" charset="0"/>
-              </a:rPr>
-              <a:t>&lt;head&gt; Section Tags</a:t>
-            </a:r>
-          </a:p>
-          <a:p>
-            <a:r>
-              <a:rPr lang="en-US" sz="1800" dirty="0">
-                <a:cs typeface="Arial" panose="020B0604020202020204" pitchFamily="34" charset="0"/>
-              </a:rPr>
-              <a:t>&lt;body&gt; Section Tags</a:t>
-            </a:r>
-          </a:p>
-          <a:p>
-            <a:r>
-              <a:rPr lang="en-US" sz="1800" dirty="0">
-                <a:cs typeface="Arial" panose="020B0604020202020204" pitchFamily="34" charset="0"/>
-              </a:rPr>
-              <a:t>HTML &lt;form&gt; Tag</a:t>
-            </a:r>
+              <a:rPr lang="en-US" sz="1800">
+                <a:cs typeface="Arial" panose="020B0604020202020204" pitchFamily="34" charset="0"/>
+              </a:rPr>
+              <a:t>Review HTML Document Structure</a:t>
+            </a:r>
+          </a:p>
+          <a:p>
+            <a:r>
+              <a:rPr lang="en-US" sz="1800">
+                <a:cs typeface="Arial" panose="020B0604020202020204" pitchFamily="34" charset="0"/>
+              </a:rPr>
+              <a:t>Review &lt;head&gt; section tags</a:t>
+            </a:r>
+          </a:p>
+          <a:p>
+            <a:r>
+              <a:rPr lang="en-US" sz="1800">
+                <a:cs typeface="Arial" panose="020B0604020202020204" pitchFamily="34" charset="0"/>
+              </a:rPr>
+              <a:t>Review &lt;body&gt; section tags</a:t>
+            </a:r>
+          </a:p>
+          <a:p>
+            <a:r>
+              <a:rPr lang="en-US" sz="1800">
+                <a:cs typeface="Arial" panose="020B0604020202020204" pitchFamily="34" charset="0"/>
+              </a:rPr>
+              <a:t>Introduction to HTML Forms</a:t>
+            </a:r>
+            <a:endParaRPr lang="en-US" sz="1800" dirty="0">
+              <a:cs typeface="Arial" panose="020B0604020202020204" pitchFamily="34" charset="0"/>
+            </a:endParaRPr>
           </a:p>
         </p:txBody>
       </p:sp>
@@ -7720,7 +10348,7 @@
           <a:p>
             <a:fld id="{34B7E4EF-A1BD-40F4-AB7B-04F084DD991D}" type="slidenum">
               <a:rPr lang="en-US" smtClean="0"/>
-              <a:t>23</a:t>
+              <a:t>27</a:t>
             </a:fld>
             <a:endParaRPr lang="en-US" dirty="0"/>
           </a:p>
@@ -7736,17 +10364,10 @@
   <p:clrMapOvr>
     <a:masterClrMapping/>
   </p:clrMapOvr>
-  <p:timing>
-    <p:tnLst>
-      <p:par>
-        <p:cTn id="1" dur="indefinite" restart="never" nodeType="tmRoot"/>
-      </p:par>
-    </p:tnLst>
-  </p:timing>
 </p:sld>
 </file>
 
-<file path=ppt/slides/slide24.xml><?xml version="1.0" encoding="utf-8"?>
+<file path=ppt/slides/slide28.xml><?xml version="1.0" encoding="utf-8"?>
 <p:sld xmlns:a="http://schemas.openxmlformats.org/drawingml/2006/main" xmlns:r="http://schemas.openxmlformats.org/officeDocument/2006/relationships" xmlns:p="http://schemas.openxmlformats.org/presentationml/2006/main">
   <p:cSld>
     <p:spTree>
@@ -7768,7 +10389,7 @@
           <p:cNvPr id="2" name="Title 1">
             <a:extLst>
               <a:ext uri="{FF2B5EF4-FFF2-40B4-BE49-F238E27FC236}">
-                <a16:creationId xmlns:a16="http://schemas.microsoft.com/office/drawing/2014/main" xmlns="" id="{BDFAC13C-59B1-436E-B58F-C304E1C705CF}"/>
+                <a16:creationId xmlns:a16="http://schemas.microsoft.com/office/drawing/2014/main" id="{BDFAC13C-59B1-436E-B58F-C304E1C705CF}"/>
               </a:ext>
             </a:extLst>
           </p:cNvPr>
@@ -7792,10 +10413,9 @@
           <a:lstStyle/>
           <a:p>
             <a:r>
-              <a:rPr lang="en-US" u="sng" dirty="0" smtClean="0"/>
+              <a:rPr lang="en-US" u="sng" dirty="0"/>
               <a:t>Some Useful URLs</a:t>
             </a:r>
-            <a:endParaRPr lang="en-US" u="sng" dirty="0"/>
           </a:p>
         </p:txBody>
       </p:sp>
@@ -7804,7 +10424,7 @@
           <p:cNvPr id="3" name="Content Placeholder 2">
             <a:extLst>
               <a:ext uri="{FF2B5EF4-FFF2-40B4-BE49-F238E27FC236}">
-                <a16:creationId xmlns:a16="http://schemas.microsoft.com/office/drawing/2014/main" xmlns="" id="{844A3DC5-46BF-4BFF-8008-98FD467C4904}"/>
+                <a16:creationId xmlns:a16="http://schemas.microsoft.com/office/drawing/2014/main" id="{844A3DC5-46BF-4BFF-8008-98FD467C4904}"/>
               </a:ext>
             </a:extLst>
           </p:cNvPr>
@@ -7828,53 +10448,62 @@
           <a:lstStyle/>
           <a:p>
             <a:r>
-              <a:rPr lang="en-US" sz="1800" dirty="0">
-                <a:latin typeface="Arial" panose="020B0604020202020204" pitchFamily="34" charset="0"/>
-                <a:cs typeface="Arial" panose="020B0604020202020204" pitchFamily="34" charset="0"/>
+              <a:rPr lang="en-US" sz="1800">
                 <a:hlinkClick r:id="rId3"/>
               </a:rPr>
-              <a:t>https://developer.mozilla.org/en-US/docs/Web/JavaScript</a:t>
-            </a:r>
-            <a:endParaRPr lang="en-US" sz="1800" dirty="0">
-              <a:latin typeface="Arial" panose="020B0604020202020204" pitchFamily="34" charset="0"/>
+              <a:t>https://developer.mozilla.org/en-US/docs/Glossary/HTML</a:t>
+            </a:r>
+            <a:endParaRPr lang="en-US" sz="1800">
+              <a:solidFill>
+                <a:srgbClr val="00B0F0"/>
+              </a:solidFill>
+              <a:cs typeface="Arial" panose="020B0604020202020204" pitchFamily="34" charset="0"/>
+              <a:hlinkClick r:id="rId4">
+                <a:extLst>
+                  <a:ext uri="{A12FA001-AC4F-418D-AE19-62706E023703}">
+                    <ahyp:hlinkClr xmlns:ahyp="http://schemas.microsoft.com/office/drawing/2018/hyperlinkcolor" val="tx"/>
+                  </a:ext>
+                </a:extLst>
+              </a:hlinkClick>
+            </a:endParaRPr>
+          </a:p>
+          <a:p>
+            <a:r>
+              <a:rPr lang="en-US" sz="1800">
+                <a:hlinkClick r:id="rId5"/>
+              </a:rPr>
+              <a:t>https://developer.mozilla.org/en-US/docs/Learn/HTML</a:t>
+            </a:r>
+            <a:endParaRPr lang="en-US" sz="1800">
+              <a:solidFill>
+                <a:srgbClr val="00B0F0"/>
+              </a:solidFill>
               <a:cs typeface="Arial" panose="020B0604020202020204" pitchFamily="34" charset="0"/>
             </a:endParaRPr>
           </a:p>
           <a:p>
             <a:r>
-              <a:rPr lang="en-US" sz="1800" dirty="0">
-                <a:latin typeface="Arial" panose="020B0604020202020204" pitchFamily="34" charset="0"/>
-                <a:cs typeface="Arial" panose="020B0604020202020204" pitchFamily="34" charset="0"/>
+              <a:rPr lang="en-US" sz="1800">
+                <a:hlinkClick r:id="rId6"/>
+              </a:rPr>
+              <a:t>https://developer.mozilla.org/en-US/docs/Learn/HTML/Howto</a:t>
+            </a:r>
+            <a:endParaRPr lang="en-US" sz="1800"/>
+          </a:p>
+          <a:p>
+            <a:r>
+              <a:rPr lang="en-US" sz="1800">
                 <a:hlinkClick r:id="rId4"/>
               </a:rPr>
               <a:t>https://developer.mozilla.org/en-US/docs/Learn/Getting_started_with_the_web</a:t>
             </a:r>
             <a:endParaRPr lang="en-US" sz="1800" dirty="0">
-              <a:latin typeface="Arial" panose="020B0604020202020204" pitchFamily="34" charset="0"/>
+              <a:solidFill>
+                <a:srgbClr val="00B0F0"/>
+              </a:solidFill>
               <a:cs typeface="Arial" panose="020B0604020202020204" pitchFamily="34" charset="0"/>
             </a:endParaRPr>
           </a:p>
-          <a:p>
-            <a:r>
-              <a:rPr lang="en-US" sz="1800" dirty="0">
-                <a:latin typeface="Arial" panose="020B0604020202020204" pitchFamily="34" charset="0"/>
-                <a:cs typeface="Arial" panose="020B0604020202020204" pitchFamily="34" charset="0"/>
-                <a:hlinkClick r:id="rId5"/>
-              </a:rPr>
-              <a:t>https://www.w3schools.com/Html/</a:t>
-            </a:r>
-            <a:r>
-              <a:rPr lang="en-US" sz="1800" dirty="0">
-                <a:latin typeface="Arial" panose="020B0604020202020204" pitchFamily="34" charset="0"/>
-                <a:cs typeface="Arial" panose="020B0604020202020204" pitchFamily="34" charset="0"/>
-              </a:rPr>
-              <a:t> </a:t>
-            </a:r>
-            <a:endParaRPr lang="en-US" sz="1800" dirty="0">
-              <a:latin typeface="Arial" panose="020B0604020202020204" pitchFamily="34" charset="0"/>
-              <a:cs typeface="Arial" panose="020B0604020202020204" pitchFamily="34" charset="0"/>
-            </a:endParaRPr>
-          </a:p>
         </p:txBody>
       </p:sp>
       <p:sp>
@@ -7894,7 +10523,7 @@
           <a:p>
             <a:fld id="{34B7E4EF-A1BD-40F4-AB7B-04F084DD991D}" type="slidenum">
               <a:rPr lang="en-US" smtClean="0"/>
-              <a:t>24</a:t>
+              <a:t>28</a:t>
             </a:fld>
             <a:endParaRPr lang="en-US" dirty="0"/>
           </a:p>
@@ -7910,13 +10539,6 @@
   <p:clrMapOvr>
     <a:masterClrMapping/>
   </p:clrMapOvr>
-  <p:timing>
-    <p:tnLst>
-      <p:par>
-        <p:cTn id="1" dur="indefinite" restart="never" nodeType="tmRoot"/>
-      </p:par>
-    </p:tnLst>
-  </p:timing>
 </p:sld>
 </file>
 
@@ -7942,7 +10564,7 @@
           <p:cNvPr id="2" name="Title 1">
             <a:extLst>
               <a:ext uri="{FF2B5EF4-FFF2-40B4-BE49-F238E27FC236}">
-                <a16:creationId xmlns:a16="http://schemas.microsoft.com/office/drawing/2014/main" xmlns="" id="{BDFAC13C-59B1-436E-B58F-C304E1C705CF}"/>
+                <a16:creationId xmlns:a16="http://schemas.microsoft.com/office/drawing/2014/main" id="{FE1FE47E-8BCE-496D-A05C-5E9DEE18CB3C}"/>
               </a:ext>
             </a:extLst>
           </p:cNvPr>
@@ -7953,196 +10575,81 @@
             <p:ph type="title"/>
           </p:nvPr>
         </p:nvSpPr>
-        <p:spPr>
-          <a:xfrm>
-            <a:off x="664234" y="733579"/>
-            <a:ext cx="6587592" cy="1371600"/>
-          </a:xfrm>
-        </p:spPr>
-        <p:txBody>
-          <a:bodyPr>
+        <p:spPr/>
+        <p:txBody>
+          <a:bodyPr/>
+          <a:lstStyle/>
+          <a:p>
+            <a:r>
+              <a:rPr lang="en-US" u="sng"/>
+              <a:t>Hypertext Markup Language (HTML)</a:t>
+            </a:r>
+          </a:p>
+        </p:txBody>
+      </p:sp>
+      <p:sp>
+        <p:nvSpPr>
+          <p:cNvPr id="3" name="Content Placeholder 2">
+            <a:extLst>
+              <a:ext uri="{FF2B5EF4-FFF2-40B4-BE49-F238E27FC236}">
+                <a16:creationId xmlns:a16="http://schemas.microsoft.com/office/drawing/2014/main" id="{07200E40-7929-4C92-B796-551FB14FD265}"/>
+              </a:ext>
+            </a:extLst>
+          </p:cNvPr>
+          <p:cNvSpPr>
+            <a:spLocks noGrp="1"/>
+          </p:cNvSpPr>
+          <p:nvPr>
+            <p:ph idx="1"/>
+          </p:nvPr>
+        </p:nvSpPr>
+        <p:spPr/>
+        <p:txBody>
+          <a:bodyPr anchor="ctr">
             <a:normAutofit/>
           </a:bodyPr>
           <a:lstStyle/>
           <a:p>
-            <a:r>
-              <a:rPr lang="en-US" u="sng" dirty="0" smtClean="0"/>
-              <a:t>HTML Document Structure</a:t>
-            </a:r>
-            <a:endParaRPr lang="en-US" u="sng" dirty="0"/>
-          </a:p>
-        </p:txBody>
-      </p:sp>
-      <p:sp>
-        <p:nvSpPr>
-          <p:cNvPr id="3" name="Content Placeholder 2">
+            <a:pPr marL="0" indent="0" algn="ctr">
+              <a:buNone/>
+            </a:pPr>
+            <a:r>
+              <a:rPr lang="en-US" sz="4000" b="1"/>
+              <a:t>HTML</a:t>
+            </a:r>
+            <a:r>
+              <a:rPr lang="en-US" sz="4000"/>
+              <a:t> is used to define </a:t>
+            </a:r>
+          </a:p>
+          <a:p>
+            <a:pPr marL="0" indent="0" algn="ctr">
+              <a:buNone/>
+            </a:pPr>
+            <a:r>
+              <a:rPr lang="en-US" sz="4000"/>
+              <a:t>the </a:t>
+            </a:r>
+            <a:r>
+              <a:rPr lang="en-US" sz="4000" b="1"/>
+              <a:t>structure</a:t>
+            </a:r>
+            <a:r>
+              <a:rPr lang="en-US" sz="4000"/>
+              <a:t> of web pages.</a:t>
+            </a:r>
+          </a:p>
+        </p:txBody>
+      </p:sp>
+      <p:sp>
+        <p:nvSpPr>
+          <p:cNvPr id="4" name="Slide Number Placeholder 3">
             <a:extLst>
               <a:ext uri="{FF2B5EF4-FFF2-40B4-BE49-F238E27FC236}">
-                <a16:creationId xmlns:a16="http://schemas.microsoft.com/office/drawing/2014/main" xmlns="" id="{844A3DC5-46BF-4BFF-8008-98FD467C4904}"/>
+                <a16:creationId xmlns:a16="http://schemas.microsoft.com/office/drawing/2014/main" id="{062F9FE1-52B0-4F40-8043-50ADC7C2228B}"/>
               </a:ext>
             </a:extLst>
           </p:cNvPr>
-          <p:cNvSpPr>
-            <a:spLocks noGrp="1"/>
-          </p:cNvSpPr>
-          <p:nvPr>
-            <p:ph idx="1"/>
-          </p:nvPr>
-        </p:nvSpPr>
-        <p:spPr>
-          <a:xfrm>
-            <a:off x="1066800" y="2105180"/>
-            <a:ext cx="10058400" cy="3951588"/>
-          </a:xfrm>
-        </p:spPr>
-        <p:txBody>
-          <a:bodyPr>
-            <a:normAutofit fontScale="85000" lnSpcReduction="20000"/>
-          </a:bodyPr>
-          <a:lstStyle/>
-          <a:p>
-            <a:pPr marL="0" indent="0">
-              <a:buNone/>
-            </a:pPr>
-            <a:r>
-              <a:rPr lang="en-US" sz="1800" dirty="0">
-                <a:latin typeface="Consolas" panose="020B0609020204030204" pitchFamily="49" charset="0"/>
-              </a:rPr>
-              <a:t>&lt;!doctype html&gt;</a:t>
-            </a:r>
-          </a:p>
-          <a:p>
-            <a:pPr marL="0" indent="0">
-              <a:buNone/>
-            </a:pPr>
-            <a:r>
-              <a:rPr lang="en-US" sz="1800" dirty="0">
-                <a:latin typeface="Consolas" panose="020B0609020204030204" pitchFamily="49" charset="0"/>
-              </a:rPr>
-              <a:t>&lt;html&gt;</a:t>
-            </a:r>
-          </a:p>
-          <a:p>
-            <a:pPr marL="0" indent="0">
-              <a:buNone/>
-            </a:pPr>
-            <a:r>
-              <a:rPr lang="en-US" sz="1800" dirty="0">
-                <a:latin typeface="Consolas" panose="020B0609020204030204" pitchFamily="49" charset="0"/>
-              </a:rPr>
-              <a:t>&lt;head&gt;</a:t>
-            </a:r>
-          </a:p>
-          <a:p>
-            <a:pPr marL="0" indent="0">
-              <a:buNone/>
-            </a:pPr>
-            <a:r>
-              <a:rPr lang="en-US" sz="1800" dirty="0">
-                <a:latin typeface="Consolas" panose="020B0609020204030204" pitchFamily="49" charset="0"/>
-              </a:rPr>
-              <a:t>  &lt;meta&gt;</a:t>
-            </a:r>
-          </a:p>
-          <a:p>
-            <a:pPr marL="0" indent="0">
-              <a:buNone/>
-            </a:pPr>
-            <a:r>
-              <a:rPr lang="en-US" sz="1800" dirty="0">
-                <a:latin typeface="Consolas" panose="020B0609020204030204" pitchFamily="49" charset="0"/>
-              </a:rPr>
-              <a:t>  &lt;title&gt;</a:t>
-            </a:r>
-          </a:p>
-          <a:p>
-            <a:pPr marL="0" indent="0">
-              <a:buNone/>
-            </a:pPr>
-            <a:r>
-              <a:rPr lang="en-US" sz="1800" dirty="0">
-                <a:latin typeface="Consolas" panose="020B0609020204030204" pitchFamily="49" charset="0"/>
-              </a:rPr>
-              <a:t>  &lt;link&gt;</a:t>
-            </a:r>
-          </a:p>
-          <a:p>
-            <a:pPr marL="0" indent="0">
-              <a:buNone/>
-            </a:pPr>
-            <a:r>
-              <a:rPr lang="en-US" sz="1800" dirty="0">
-                <a:latin typeface="Consolas" panose="020B0609020204030204" pitchFamily="49" charset="0"/>
-              </a:rPr>
-              <a:t>&lt;/head&gt;</a:t>
-            </a:r>
-          </a:p>
-          <a:p>
-            <a:pPr marL="0" indent="0">
-              <a:buNone/>
-            </a:pPr>
-            <a:r>
-              <a:rPr lang="en-US" sz="1800" dirty="0">
-                <a:latin typeface="Consolas" panose="020B0609020204030204" pitchFamily="49" charset="0"/>
-              </a:rPr>
-              <a:t>&lt;body&gt;</a:t>
-            </a:r>
-          </a:p>
-          <a:p>
-            <a:pPr marL="0" indent="0">
-              <a:buNone/>
-            </a:pPr>
-            <a:r>
-              <a:rPr lang="en-US" sz="1800" dirty="0">
-                <a:latin typeface="Consolas" panose="020B0609020204030204" pitchFamily="49" charset="0"/>
-              </a:rPr>
-              <a:t>&lt;!--	Content		--&gt;	</a:t>
-            </a:r>
-          </a:p>
-          <a:p>
-            <a:pPr marL="0" indent="0">
-              <a:buNone/>
-            </a:pPr>
-            <a:r>
-              <a:rPr lang="en-US" sz="1800" dirty="0">
-                <a:latin typeface="Consolas" panose="020B0609020204030204" pitchFamily="49" charset="0"/>
-              </a:rPr>
-              <a:t>  &lt;src&gt;</a:t>
-            </a:r>
-          </a:p>
-          <a:p>
-            <a:pPr marL="0" indent="0">
-              <a:buNone/>
-            </a:pPr>
-            <a:r>
-              <a:rPr lang="en-US" sz="1800" dirty="0">
-                <a:latin typeface="Consolas" panose="020B0609020204030204" pitchFamily="49" charset="0"/>
-              </a:rPr>
-              <a:t>&lt;/body&gt;</a:t>
-            </a:r>
-          </a:p>
-          <a:p>
-            <a:pPr marL="0" indent="0">
-              <a:buNone/>
-            </a:pPr>
-            <a:r>
-              <a:rPr lang="en-US" sz="1800" dirty="0">
-                <a:latin typeface="Consolas" panose="020B0609020204030204" pitchFamily="49" charset="0"/>
-              </a:rPr>
-              <a:t>&lt;/html&gt;</a:t>
-            </a:r>
-          </a:p>
-          <a:p>
-            <a:endParaRPr lang="en-US" sz="1800" dirty="0">
-              <a:latin typeface="Arial" panose="020B0604020202020204" pitchFamily="34" charset="0"/>
-              <a:cs typeface="Arial" panose="020B0604020202020204" pitchFamily="34" charset="0"/>
-            </a:endParaRPr>
-          </a:p>
-        </p:txBody>
-      </p:sp>
-      <p:sp>
-        <p:nvSpPr>
-          <p:cNvPr id="5" name="Slide Number Placeholder 4"/>
           <p:cNvSpPr>
             <a:spLocks noGrp="1"/>
           </p:cNvSpPr>
@@ -8163,23 +10670,72 @@
           </a:p>
         </p:txBody>
       </p:sp>
+      <p:sp>
+        <p:nvSpPr>
+          <p:cNvPr id="5" name="Rectangle 4">
+            <a:extLst>
+              <a:ext uri="{FF2B5EF4-FFF2-40B4-BE49-F238E27FC236}">
+                <a16:creationId xmlns:a16="http://schemas.microsoft.com/office/drawing/2014/main" id="{D0DD1CCB-9461-4D06-BBC7-AD4BBA386D8A}"/>
+              </a:ext>
+            </a:extLst>
+          </p:cNvPr>
+          <p:cNvSpPr/>
+          <p:nvPr/>
+        </p:nvSpPr>
+        <p:spPr>
+          <a:xfrm>
+            <a:off x="1066800" y="5754469"/>
+            <a:ext cx="10058400" cy="646331"/>
+          </a:xfrm>
+          <a:prstGeom prst="rect">
+            <a:avLst/>
+          </a:prstGeom>
+        </p:spPr>
+        <p:txBody>
+          <a:bodyPr wrap="square">
+            <a:spAutoFit/>
+          </a:bodyPr>
+          <a:lstStyle/>
+          <a:p>
+            <a:r>
+              <a:rPr lang="en-US" b="1"/>
+              <a:t>Source</a:t>
+            </a:r>
+          </a:p>
+          <a:p>
+            <a:r>
+              <a:rPr lang="en-US">
+                <a:solidFill>
+                  <a:srgbClr val="00B0F0"/>
+                </a:solidFill>
+                <a:hlinkClick r:id="rId2">
+                  <a:extLst>
+                    <a:ext uri="{A12FA001-AC4F-418D-AE19-62706E023703}">
+                      <ahyp:hlinkClr xmlns:ahyp="http://schemas.microsoft.com/office/drawing/2018/hyperlinkcolor" val="tx"/>
+                    </a:ext>
+                  </a:extLst>
+                </a:hlinkClick>
+              </a:rPr>
+              <a:t>https://developer.mozilla.org/en-US/docs/Glossary/HTML</a:t>
+            </a:r>
+            <a:endParaRPr lang="en-US">
+              <a:solidFill>
+                <a:srgbClr val="00B0F0"/>
+              </a:solidFill>
+            </a:endParaRPr>
+          </a:p>
+        </p:txBody>
+      </p:sp>
     </p:spTree>
     <p:extLst>
       <p:ext uri="{BB962C8B-B14F-4D97-AF65-F5344CB8AC3E}">
-        <p14:creationId xmlns:p14="http://schemas.microsoft.com/office/powerpoint/2010/main" val="2358315604"/>
+        <p14:creationId xmlns:p14="http://schemas.microsoft.com/office/powerpoint/2010/main" val="2931432652"/>
       </p:ext>
     </p:extLst>
   </p:cSld>
   <p:clrMapOvr>
     <a:masterClrMapping/>
   </p:clrMapOvr>
-  <p:timing>
-    <p:tnLst>
-      <p:par>
-        <p:cTn id="1" dur="indefinite" restart="never" nodeType="tmRoot"/>
-      </p:par>
-    </p:tnLst>
-  </p:timing>
 </p:sld>
 </file>
 
@@ -8202,10 +10758,10 @@
       </p:grpSpPr>
       <p:sp>
         <p:nvSpPr>
-          <p:cNvPr id="2" name="Title 1">
+          <p:cNvPr id="5" name="Title 4">
             <a:extLst>
               <a:ext uri="{FF2B5EF4-FFF2-40B4-BE49-F238E27FC236}">
-                <a16:creationId xmlns:a16="http://schemas.microsoft.com/office/drawing/2014/main" xmlns="" id="{BDFAC13C-59B1-436E-B58F-C304E1C705CF}"/>
+                <a16:creationId xmlns:a16="http://schemas.microsoft.com/office/drawing/2014/main" id="{4BC86C27-A8EE-4A19-82EC-6807351AC82D}"/>
               </a:ext>
             </a:extLst>
           </p:cNvPr>
@@ -8216,12 +10772,7 @@
             <p:ph type="title"/>
           </p:nvPr>
         </p:nvSpPr>
-        <p:spPr>
-          <a:xfrm>
-            <a:off x="664234" y="733579"/>
-            <a:ext cx="5077520" cy="1371600"/>
-          </a:xfrm>
-        </p:spPr>
+        <p:spPr/>
         <p:txBody>
           <a:bodyPr>
             <a:normAutofit/>
@@ -8229,19 +10780,18 @@
           <a:lstStyle/>
           <a:p>
             <a:r>
-              <a:rPr lang="en-US" u="sng" dirty="0" smtClean="0"/>
-              <a:t>&lt;!DOCTYPE html&gt;</a:t>
-            </a:r>
-            <a:endParaRPr lang="en-US" u="sng" dirty="0"/>
-          </a:p>
-        </p:txBody>
-      </p:sp>
-      <p:sp>
-        <p:nvSpPr>
-          <p:cNvPr id="3" name="Content Placeholder 2">
+              <a:rPr lang="en-US" cap="none"/>
+              <a:t>HTML Documents</a:t>
+            </a:r>
+          </a:p>
+        </p:txBody>
+      </p:sp>
+      <p:sp>
+        <p:nvSpPr>
+          <p:cNvPr id="6" name="Text Placeholder 5">
             <a:extLst>
               <a:ext uri="{FF2B5EF4-FFF2-40B4-BE49-F238E27FC236}">
-                <a16:creationId xmlns:a16="http://schemas.microsoft.com/office/drawing/2014/main" xmlns="" id="{844A3DC5-46BF-4BFF-8008-98FD467C4904}"/>
+                <a16:creationId xmlns:a16="http://schemas.microsoft.com/office/drawing/2014/main" id="{EB436638-A665-4EEC-9BA1-094B7F7F17FF}"/>
               </a:ext>
             </a:extLst>
           </p:cNvPr>
@@ -8249,91 +10799,30 @@
             <a:spLocks noGrp="1"/>
           </p:cNvSpPr>
           <p:nvPr>
-            <p:ph idx="1"/>
-          </p:nvPr>
-        </p:nvSpPr>
-        <p:spPr>
-          <a:xfrm>
-            <a:off x="1066800" y="2733472"/>
-            <a:ext cx="10058400" cy="1919267"/>
-          </a:xfrm>
-        </p:spPr>
-        <p:txBody>
-          <a:bodyPr>
-            <a:normAutofit/>
-          </a:bodyPr>
+            <p:ph type="body" idx="1"/>
+          </p:nvPr>
+        </p:nvSpPr>
+        <p:spPr/>
+        <p:txBody>
+          <a:bodyPr/>
           <a:lstStyle/>
           <a:p>
-            <a:pPr indent="0">
-              <a:buNone/>
-            </a:pPr>
-            <a:r>
-              <a:rPr lang="en-US" sz="1800" dirty="0">
-                <a:cs typeface="Arial" panose="020B0604020202020204" pitchFamily="34" charset="0"/>
-              </a:rPr>
-              <a:t>The required &lt;!DOCTYPE html&gt; preamble is found at the top of HTML documents. Its sole purpose is to prevent a browser from </a:t>
-            </a:r>
-            <a:r>
-              <a:rPr lang="en-US" sz="1800" dirty="0" smtClean="0">
-                <a:cs typeface="Arial" panose="020B0604020202020204" pitchFamily="34" charset="0"/>
-              </a:rPr>
-              <a:t>switching </a:t>
-            </a:r>
-            <a:r>
-              <a:rPr lang="en-US" sz="1800" dirty="0">
-                <a:cs typeface="Arial" panose="020B0604020202020204" pitchFamily="34" charset="0"/>
-              </a:rPr>
-              <a:t>into so-called "quirks mode" when rendering a document</a:t>
-            </a:r>
-          </a:p>
-        </p:txBody>
-      </p:sp>
-      <p:sp>
-        <p:nvSpPr>
-          <p:cNvPr id="5" name="Rectangle 4"/>
-          <p:cNvSpPr/>
-          <p:nvPr/>
-        </p:nvSpPr>
-        <p:spPr>
-          <a:xfrm>
-            <a:off x="983810" y="5420825"/>
-            <a:ext cx="6874598" cy="646331"/>
-          </a:xfrm>
-          <a:prstGeom prst="rect">
-            <a:avLst/>
-          </a:prstGeom>
-        </p:spPr>
-        <p:txBody>
-          <a:bodyPr wrap="square">
-            <a:spAutoFit/>
-          </a:bodyPr>
-          <a:lstStyle/>
-          <a:p>
-            <a:r>
-              <a:rPr lang="en-US" b="1" dirty="0"/>
-              <a:t>Source</a:t>
-            </a:r>
-          </a:p>
-          <a:p>
-            <a:r>
-              <a:rPr lang="en-US" dirty="0">
-                <a:solidFill>
-                  <a:srgbClr val="00B0F0"/>
-                </a:solidFill>
-              </a:rPr>
-              <a:t>https://developer.mozilla.org/en-US/docs/Glossary/Doctype</a:t>
-            </a:r>
-            <a:endParaRPr lang="en-US" dirty="0">
-              <a:solidFill>
-                <a:srgbClr val="00B0F0"/>
-              </a:solidFill>
-            </a:endParaRPr>
-          </a:p>
-        </p:txBody>
-      </p:sp>
-      <p:sp>
-        <p:nvSpPr>
-          <p:cNvPr id="6" name="Slide Number Placeholder 5"/>
+            <a:r>
+              <a:rPr lang="en-US"/>
+              <a:t>Anotomy of an HTML Document</a:t>
+            </a:r>
+          </a:p>
+        </p:txBody>
+      </p:sp>
+      <p:sp>
+        <p:nvSpPr>
+          <p:cNvPr id="4" name="Slide Number Placeholder 3">
+            <a:extLst>
+              <a:ext uri="{FF2B5EF4-FFF2-40B4-BE49-F238E27FC236}">
+                <a16:creationId xmlns:a16="http://schemas.microsoft.com/office/drawing/2014/main" id="{425CADB3-A4FC-4C2A-AE3C-33045AF6D9D7}"/>
+              </a:ext>
+            </a:extLst>
+          </p:cNvPr>
           <p:cNvSpPr>
             <a:spLocks noGrp="1"/>
           </p:cNvSpPr>
@@ -8357,20 +10846,13 @@
     </p:spTree>
     <p:extLst>
       <p:ext uri="{BB962C8B-B14F-4D97-AF65-F5344CB8AC3E}">
-        <p14:creationId xmlns:p14="http://schemas.microsoft.com/office/powerpoint/2010/main" val="3432849504"/>
+        <p14:creationId xmlns:p14="http://schemas.microsoft.com/office/powerpoint/2010/main" val="3786272933"/>
       </p:ext>
     </p:extLst>
   </p:cSld>
   <p:clrMapOvr>
     <a:masterClrMapping/>
   </p:clrMapOvr>
-  <p:timing>
-    <p:tnLst>
-      <p:par>
-        <p:cTn id="1" dur="indefinite" restart="never" nodeType="tmRoot"/>
-      </p:par>
-    </p:tnLst>
-  </p:timing>
 </p:sld>
 </file>
 
@@ -8396,7 +10878,7 @@
           <p:cNvPr id="2" name="Title 1">
             <a:extLst>
               <a:ext uri="{FF2B5EF4-FFF2-40B4-BE49-F238E27FC236}">
-                <a16:creationId xmlns:a16="http://schemas.microsoft.com/office/drawing/2014/main" xmlns="" id="{BDFAC13C-59B1-436E-B58F-C304E1C705CF}"/>
+                <a16:creationId xmlns:a16="http://schemas.microsoft.com/office/drawing/2014/main" id="{BDFAC13C-59B1-436E-B58F-C304E1C705CF}"/>
               </a:ext>
             </a:extLst>
           </p:cNvPr>
@@ -8407,12 +10889,7 @@
             <p:ph type="title"/>
           </p:nvPr>
         </p:nvSpPr>
-        <p:spPr>
-          <a:xfrm>
-            <a:off x="664234" y="733579"/>
-            <a:ext cx="5077520" cy="1371600"/>
-          </a:xfrm>
-        </p:spPr>
+        <p:spPr/>
         <p:txBody>
           <a:bodyPr>
             <a:normAutofit/>
@@ -8420,30 +10897,9 @@
           <a:lstStyle/>
           <a:p>
             <a:r>
-              <a:rPr lang="en-US" u="sng" dirty="0" smtClean="0"/>
-              <a:t>&lt;html lang=</a:t>
-            </a:r>
-            <a:r>
-              <a:rPr lang="en-US" u="sng" dirty="0">
-                <a:latin typeface="Consolas" panose="020B0609020204030204" pitchFamily="49" charset="0"/>
-              </a:rPr>
-              <a:t>"</a:t>
-            </a:r>
-            <a:r>
-              <a:rPr lang="en-US" u="sng" dirty="0" smtClean="0"/>
-              <a:t>en</a:t>
-            </a:r>
-            <a:r>
-              <a:rPr lang="en-US" u="sng" dirty="0">
-                <a:latin typeface="Consolas" panose="020B0609020204030204" pitchFamily="49" charset="0"/>
-              </a:rPr>
-              <a:t>"</a:t>
-            </a:r>
-            <a:r>
-              <a:rPr lang="en-US" u="sng" dirty="0" smtClean="0"/>
-              <a:t>&gt;</a:t>
-            </a:r>
-            <a:endParaRPr lang="en-US" u="sng" dirty="0"/>
+              <a:rPr lang="en-US" u="sng" dirty="0"/>
+              <a:t>HTML Document Structure</a:t>
+            </a:r>
           </a:p>
         </p:txBody>
       </p:sp>
@@ -8452,7 +10908,7 @@
           <p:cNvPr id="3" name="Content Placeholder 2">
             <a:extLst>
               <a:ext uri="{FF2B5EF4-FFF2-40B4-BE49-F238E27FC236}">
-                <a16:creationId xmlns:a16="http://schemas.microsoft.com/office/drawing/2014/main" xmlns="" id="{844A3DC5-46BF-4BFF-8008-98FD467C4904}"/>
+                <a16:creationId xmlns:a16="http://schemas.microsoft.com/office/drawing/2014/main" id="{844A3DC5-46BF-4BFF-8008-98FD467C4904}"/>
               </a:ext>
             </a:extLst>
           </p:cNvPr>
@@ -8463,79 +10919,218 @@
             <p:ph idx="1"/>
           </p:nvPr>
         </p:nvSpPr>
-        <p:spPr>
-          <a:xfrm>
-            <a:off x="1066800" y="2733472"/>
-            <a:ext cx="10058400" cy="1919267"/>
-          </a:xfrm>
-        </p:spPr>
-        <p:txBody>
-          <a:bodyPr>
-            <a:normAutofit/>
+        <p:spPr/>
+        <p:txBody>
+          <a:bodyPr anchor="ctr">
+            <a:noAutofit/>
           </a:bodyPr>
           <a:lstStyle/>
           <a:p>
-            <a:pPr indent="0">
+            <a:pPr marL="0" indent="0">
+              <a:lnSpc>
+                <a:spcPct val="120000"/>
+              </a:lnSpc>
+              <a:spcBef>
+                <a:spcPts val="0"/>
+              </a:spcBef>
               <a:buNone/>
             </a:pPr>
             <a:r>
-              <a:rPr lang="en-US" sz="1800" dirty="0"/>
-              <a:t>The &lt;html&gt; tag is the container for all other HTML elements (except for the &lt;!DOCTYPE&gt; tag).  You should always include the lang attribute inside the &lt;html&gt; tag, to declare the language of the Web page. This is meant to assist search engines and browsers.  The lang attribute is recommended for validation</a:t>
+              <a:rPr lang="en-US" sz="1800">
+                <a:latin typeface="Consolas" panose="020B0609020204030204" pitchFamily="49" charset="0"/>
+              </a:rPr>
+              <a:t>&lt;!DOCTYPE </a:t>
+            </a:r>
+            <a:r>
+              <a:rPr lang="en-US" sz="1800" dirty="0">
+                <a:latin typeface="Consolas" panose="020B0609020204030204" pitchFamily="49" charset="0"/>
+              </a:rPr>
+              <a:t>html&gt;</a:t>
+            </a:r>
+          </a:p>
+          <a:p>
+            <a:pPr marL="0" indent="0">
+              <a:lnSpc>
+                <a:spcPct val="120000"/>
+              </a:lnSpc>
+              <a:spcBef>
+                <a:spcPts val="0"/>
+              </a:spcBef>
+              <a:buNone/>
+            </a:pPr>
+            <a:r>
+              <a:rPr lang="en-US" sz="1800">
+                <a:latin typeface="Consolas" panose="020B0609020204030204" pitchFamily="49" charset="0"/>
+              </a:rPr>
+              <a:t>&lt;html lang="en"&gt;</a:t>
             </a:r>
             <a:endParaRPr lang="en-US" sz="1800" dirty="0">
-              <a:latin typeface="Arial" panose="020B0604020202020204" pitchFamily="34" charset="0"/>
-              <a:cs typeface="Arial" panose="020B0604020202020204" pitchFamily="34" charset="0"/>
+              <a:latin typeface="Consolas" panose="020B0609020204030204" pitchFamily="49" charset="0"/>
             </a:endParaRPr>
           </a:p>
-        </p:txBody>
-      </p:sp>
-      <p:sp>
-        <p:nvSpPr>
-          <p:cNvPr id="4" name="Rectangle 3"/>
-          <p:cNvSpPr/>
-          <p:nvPr/>
-        </p:nvSpPr>
-        <p:spPr>
-          <a:xfrm>
-            <a:off x="983810" y="5420825"/>
-            <a:ext cx="6096000" cy="646331"/>
-          </a:xfrm>
-          <a:prstGeom prst="rect">
-            <a:avLst/>
-          </a:prstGeom>
-        </p:spPr>
-        <p:txBody>
-          <a:bodyPr>
-            <a:spAutoFit/>
-          </a:bodyPr>
-          <a:lstStyle/>
-          <a:p>
-            <a:r>
-              <a:rPr lang="en-US" b="1" dirty="0"/>
-              <a:t>Source</a:t>
-            </a:r>
-          </a:p>
-          <a:p>
-            <a:r>
-              <a:rPr lang="en-US" dirty="0">
-                <a:solidFill>
-                  <a:srgbClr val="00B0F0"/>
-                </a:solidFill>
-              </a:rPr>
-              <a:t>https://</a:t>
-            </a:r>
-            <a:r>
-              <a:rPr lang="en-US" dirty="0" smtClean="0">
-                <a:solidFill>
-                  <a:srgbClr val="00B0F0"/>
-                </a:solidFill>
-              </a:rPr>
-              <a:t>www.w3schools.com/Tags/tag_html.asp</a:t>
-            </a:r>
-            <a:endParaRPr lang="en-US" dirty="0">
-              <a:solidFill>
-                <a:srgbClr val="00B0F0"/>
-              </a:solidFill>
+          <a:p>
+            <a:pPr marL="0" indent="0">
+              <a:lnSpc>
+                <a:spcPct val="120000"/>
+              </a:lnSpc>
+              <a:spcBef>
+                <a:spcPts val="0"/>
+              </a:spcBef>
+              <a:buNone/>
+            </a:pPr>
+            <a:r>
+              <a:rPr lang="en-US" sz="1800" dirty="0">
+                <a:latin typeface="Consolas" panose="020B0609020204030204" pitchFamily="49" charset="0"/>
+              </a:rPr>
+              <a:t>&lt;head&gt;</a:t>
+            </a:r>
+          </a:p>
+          <a:p>
+            <a:pPr marL="0" indent="0">
+              <a:lnSpc>
+                <a:spcPct val="120000"/>
+              </a:lnSpc>
+              <a:spcBef>
+                <a:spcPts val="0"/>
+              </a:spcBef>
+              <a:buNone/>
+            </a:pPr>
+            <a:r>
+              <a:rPr lang="en-US" sz="1800" dirty="0">
+                <a:latin typeface="Consolas" panose="020B0609020204030204" pitchFamily="49" charset="0"/>
+              </a:rPr>
+              <a:t>  &lt;meta&gt;</a:t>
+            </a:r>
+          </a:p>
+          <a:p>
+            <a:pPr marL="0" indent="0">
+              <a:lnSpc>
+                <a:spcPct val="120000"/>
+              </a:lnSpc>
+              <a:spcBef>
+                <a:spcPts val="0"/>
+              </a:spcBef>
+              <a:buNone/>
+            </a:pPr>
+            <a:r>
+              <a:rPr lang="en-US" sz="1800" dirty="0">
+                <a:latin typeface="Consolas" panose="020B0609020204030204" pitchFamily="49" charset="0"/>
+              </a:rPr>
+              <a:t>  &lt;title&gt;</a:t>
+            </a:r>
+          </a:p>
+          <a:p>
+            <a:pPr marL="0" indent="0">
+              <a:lnSpc>
+                <a:spcPct val="120000"/>
+              </a:lnSpc>
+              <a:spcBef>
+                <a:spcPts val="0"/>
+              </a:spcBef>
+              <a:buNone/>
+            </a:pPr>
+            <a:r>
+              <a:rPr lang="en-US" sz="1800" dirty="0">
+                <a:latin typeface="Consolas" panose="020B0609020204030204" pitchFamily="49" charset="0"/>
+              </a:rPr>
+              <a:t>  &lt;link&gt;</a:t>
+            </a:r>
+          </a:p>
+          <a:p>
+            <a:pPr marL="0" indent="0">
+              <a:lnSpc>
+                <a:spcPct val="120000"/>
+              </a:lnSpc>
+              <a:spcBef>
+                <a:spcPts val="0"/>
+              </a:spcBef>
+              <a:buNone/>
+            </a:pPr>
+            <a:r>
+              <a:rPr lang="en-US" sz="1800" dirty="0">
+                <a:latin typeface="Consolas" panose="020B0609020204030204" pitchFamily="49" charset="0"/>
+              </a:rPr>
+              <a:t>&lt;/head&gt;</a:t>
+            </a:r>
+          </a:p>
+          <a:p>
+            <a:pPr marL="0" indent="0">
+              <a:lnSpc>
+                <a:spcPct val="120000"/>
+              </a:lnSpc>
+              <a:spcBef>
+                <a:spcPts val="0"/>
+              </a:spcBef>
+              <a:buNone/>
+            </a:pPr>
+            <a:r>
+              <a:rPr lang="en-US" sz="1800" dirty="0">
+                <a:latin typeface="Consolas" panose="020B0609020204030204" pitchFamily="49" charset="0"/>
+              </a:rPr>
+              <a:t>&lt;body&gt;</a:t>
+            </a:r>
+          </a:p>
+          <a:p>
+            <a:pPr marL="0" indent="0">
+              <a:lnSpc>
+                <a:spcPct val="120000"/>
+              </a:lnSpc>
+              <a:spcBef>
+                <a:spcPts val="0"/>
+              </a:spcBef>
+              <a:buNone/>
+            </a:pPr>
+            <a:r>
+              <a:rPr lang="en-US" sz="1800">
+                <a:latin typeface="Consolas" panose="020B0609020204030204" pitchFamily="49" charset="0"/>
+              </a:rPr>
+              <a:t>  &lt;!--  Content  --&gt;</a:t>
+            </a:r>
+            <a:endParaRPr lang="en-US" sz="1800" dirty="0">
+              <a:latin typeface="Consolas" panose="020B0609020204030204" pitchFamily="49" charset="0"/>
+            </a:endParaRPr>
+          </a:p>
+          <a:p>
+            <a:pPr marL="0" indent="0">
+              <a:lnSpc>
+                <a:spcPct val="120000"/>
+              </a:lnSpc>
+              <a:spcBef>
+                <a:spcPts val="0"/>
+              </a:spcBef>
+              <a:buNone/>
+            </a:pPr>
+            <a:r>
+              <a:rPr lang="en-US" sz="1800" dirty="0">
+                <a:latin typeface="Consolas" panose="020B0609020204030204" pitchFamily="49" charset="0"/>
+              </a:rPr>
+              <a:t>&lt;/body&gt;</a:t>
+            </a:r>
+          </a:p>
+          <a:p>
+            <a:pPr marL="0" indent="0">
+              <a:lnSpc>
+                <a:spcPct val="120000"/>
+              </a:lnSpc>
+              <a:spcBef>
+                <a:spcPts val="0"/>
+              </a:spcBef>
+              <a:buNone/>
+            </a:pPr>
+            <a:r>
+              <a:rPr lang="en-US" sz="1800" dirty="0">
+                <a:latin typeface="Consolas" panose="020B0609020204030204" pitchFamily="49" charset="0"/>
+              </a:rPr>
+              <a:t>&lt;/</a:t>
+            </a:r>
+            <a:r>
+              <a:rPr lang="en-US" sz="1800">
+                <a:latin typeface="Consolas" panose="020B0609020204030204" pitchFamily="49" charset="0"/>
+              </a:rPr>
+              <a:t>html&gt;</a:t>
+            </a:r>
+            <a:endParaRPr lang="en-US" sz="1800" dirty="0">
+              <a:latin typeface="Consolas" panose="020B0609020204030204" pitchFamily="49" charset="0"/>
             </a:endParaRPr>
           </a:p>
         </p:txBody>
@@ -8566,20 +11161,13 @@
     </p:spTree>
     <p:extLst>
       <p:ext uri="{BB962C8B-B14F-4D97-AF65-F5344CB8AC3E}">
-        <p14:creationId xmlns:p14="http://schemas.microsoft.com/office/powerpoint/2010/main" val="3217085756"/>
+        <p14:creationId xmlns:p14="http://schemas.microsoft.com/office/powerpoint/2010/main" val="2358315604"/>
       </p:ext>
     </p:extLst>
   </p:cSld>
   <p:clrMapOvr>
     <a:masterClrMapping/>
   </p:clrMapOvr>
-  <p:timing>
-    <p:tnLst>
-      <p:par>
-        <p:cTn id="1" dur="indefinite" restart="never" nodeType="tmRoot"/>
-      </p:par>
-    </p:tnLst>
-  </p:timing>
 </p:sld>
 </file>
 
@@ -8605,7 +11193,7 @@
           <p:cNvPr id="2" name="Title 1">
             <a:extLst>
               <a:ext uri="{FF2B5EF4-FFF2-40B4-BE49-F238E27FC236}">
-                <a16:creationId xmlns:a16="http://schemas.microsoft.com/office/drawing/2014/main" xmlns="" id="{BDFAC13C-59B1-436E-B58F-C304E1C705CF}"/>
+                <a16:creationId xmlns:a16="http://schemas.microsoft.com/office/drawing/2014/main" id="{BDFAC13C-59B1-436E-B58F-C304E1C705CF}"/>
               </a:ext>
             </a:extLst>
           </p:cNvPr>
@@ -8616,12 +11204,7 @@
             <p:ph type="title"/>
           </p:nvPr>
         </p:nvSpPr>
-        <p:spPr>
-          <a:xfrm>
-            <a:off x="664234" y="733579"/>
-            <a:ext cx="5077520" cy="1371600"/>
-          </a:xfrm>
-        </p:spPr>
+        <p:spPr/>
         <p:txBody>
           <a:bodyPr>
             <a:normAutofit/>
@@ -8629,10 +11212,11 @@
           <a:lstStyle/>
           <a:p>
             <a:r>
-              <a:rPr lang="en-US" u="sng" dirty="0" smtClean="0"/>
-              <a:t>&lt;head&gt;</a:t>
-            </a:r>
-            <a:endParaRPr lang="en-US" u="sng" dirty="0"/>
+              <a:rPr lang="en-US" u="sng" dirty="0">
+                <a:latin typeface="Consolas" panose="020B0609020204030204" pitchFamily="49" charset="0"/>
+              </a:rPr>
+              <a:t>&lt;!DOCTYPE html&gt;</a:t>
+            </a:r>
           </a:p>
         </p:txBody>
       </p:sp>
@@ -8641,7 +11225,7 @@
           <p:cNvPr id="3" name="Content Placeholder 2">
             <a:extLst>
               <a:ext uri="{FF2B5EF4-FFF2-40B4-BE49-F238E27FC236}">
-                <a16:creationId xmlns:a16="http://schemas.microsoft.com/office/drawing/2014/main" xmlns="" id="{844A3DC5-46BF-4BFF-8008-98FD467C4904}"/>
+                <a16:creationId xmlns:a16="http://schemas.microsoft.com/office/drawing/2014/main" id="{844A3DC5-46BF-4BFF-8008-98FD467C4904}"/>
               </a:ext>
             </a:extLst>
           </p:cNvPr>
@@ -8654,48 +11238,145 @@
         </p:nvSpPr>
         <p:spPr>
           <a:xfrm>
-            <a:off x="1066800" y="2733472"/>
-            <a:ext cx="10058400" cy="1919267"/>
+            <a:off x="1066800" y="2103120"/>
+            <a:ext cx="10058400" cy="3317705"/>
           </a:xfrm>
         </p:spPr>
         <p:txBody>
-          <a:bodyPr>
+          <a:bodyPr anchor="ctr">
             <a:normAutofit/>
           </a:bodyPr>
           <a:lstStyle/>
           <a:p>
-            <a:pPr indent="0">
+            <a:pPr marL="0" indent="0">
+              <a:spcBef>
+                <a:spcPts val="0"/>
+              </a:spcBef>
               <a:buNone/>
             </a:pPr>
             <a:r>
-              <a:rPr lang="en-US" sz="1800" dirty="0"/>
-              <a:t>The </a:t>
-            </a:r>
-            <a:r>
-              <a:rPr lang="en-US" sz="1800" dirty="0" smtClean="0"/>
-              <a:t>&lt;head&gt; </a:t>
-            </a:r>
-            <a:r>
-              <a:rPr lang="en-US" sz="1800" dirty="0"/>
-              <a:t>tag is the container for all other HTML elements (except for the &lt;!DOCTYPE&gt; tag).  You should always include the lang attribute inside the &lt;html&gt; tag, to declare the language of the Web page. This is meant to assist search engines and browsers.  The lang attribute is recommended for validation</a:t>
-            </a:r>
-            <a:endParaRPr lang="en-US" sz="1800" dirty="0">
-              <a:latin typeface="Arial" panose="020B0604020202020204" pitchFamily="34" charset="0"/>
+              <a:rPr lang="en-US" sz="2400" dirty="0">
+                <a:cs typeface="Arial" panose="020B0604020202020204" pitchFamily="34" charset="0"/>
+              </a:rPr>
+              <a:t>The required </a:t>
+            </a:r>
+            <a:r>
+              <a:rPr lang="en-US" sz="2400" b="1" dirty="0">
+                <a:solidFill>
+                  <a:srgbClr val="00B0F0"/>
+                </a:solidFill>
+                <a:latin typeface="Consolas" panose="020B0609020204030204" pitchFamily="49" charset="0"/>
+                <a:cs typeface="Arial" panose="020B0604020202020204" pitchFamily="34" charset="0"/>
+                <a:hlinkClick r:id="rId2">
+                  <a:extLst>
+                    <a:ext uri="{A12FA001-AC4F-418D-AE19-62706E023703}">
+                      <ahyp:hlinkClr xmlns:ahyp="http://schemas.microsoft.com/office/drawing/2018/hyperlinkcolor" val="tx"/>
+                    </a:ext>
+                  </a:extLst>
+                </a:hlinkClick>
+              </a:rPr>
+              <a:t>&lt;!DOCTYPE html&gt;</a:t>
+            </a:r>
+            <a:r>
+              <a:rPr lang="en-US" sz="2400" dirty="0">
+                <a:cs typeface="Arial" panose="020B0604020202020204" pitchFamily="34" charset="0"/>
+              </a:rPr>
+              <a:t> preamble is found at the top of HTML documents</a:t>
+            </a:r>
+            <a:r>
+              <a:rPr lang="en-US" sz="2400">
+                <a:cs typeface="Arial" panose="020B0604020202020204" pitchFamily="34" charset="0"/>
+              </a:rPr>
+              <a:t>. </a:t>
+            </a:r>
+          </a:p>
+          <a:p>
+            <a:pPr marL="0" indent="0">
+              <a:spcBef>
+                <a:spcPts val="0"/>
+              </a:spcBef>
+              <a:buNone/>
+            </a:pPr>
+            <a:endParaRPr lang="en-US" sz="2400">
               <a:cs typeface="Arial" panose="020B0604020202020204" pitchFamily="34" charset="0"/>
             </a:endParaRPr>
           </a:p>
-        </p:txBody>
-      </p:sp>
-      <p:sp>
-        <p:nvSpPr>
-          <p:cNvPr id="4" name="Rectangle 3"/>
+          <a:p>
+            <a:pPr marL="0" indent="0">
+              <a:spcBef>
+                <a:spcPts val="0"/>
+              </a:spcBef>
+              <a:buNone/>
+            </a:pPr>
+            <a:r>
+              <a:rPr lang="en-US" sz="2400">
+                <a:cs typeface="Arial" panose="020B0604020202020204" pitchFamily="34" charset="0"/>
+              </a:rPr>
+              <a:t>Its </a:t>
+            </a:r>
+            <a:r>
+              <a:rPr lang="en-US" sz="2400" dirty="0">
+                <a:cs typeface="Arial" panose="020B0604020202020204" pitchFamily="34" charset="0"/>
+              </a:rPr>
+              <a:t>sole purpose is to </a:t>
+            </a:r>
+            <a:r>
+              <a:rPr lang="en-US" sz="2400">
+                <a:cs typeface="Arial" panose="020B0604020202020204" pitchFamily="34" charset="0"/>
+              </a:rPr>
+              <a:t>prevent the </a:t>
+            </a:r>
+            <a:r>
+              <a:rPr lang="en-US" sz="2400" dirty="0">
+                <a:cs typeface="Arial" panose="020B0604020202020204" pitchFamily="34" charset="0"/>
+              </a:rPr>
+              <a:t>browser from switching into so-called "quirks mode" when rendering </a:t>
+            </a:r>
+            <a:r>
+              <a:rPr lang="en-US" sz="2400">
+                <a:cs typeface="Arial" panose="020B0604020202020204" pitchFamily="34" charset="0"/>
+              </a:rPr>
+              <a:t>a document.</a:t>
+            </a:r>
+            <a:endParaRPr lang="en-US" sz="2400" dirty="0">
+              <a:cs typeface="Arial" panose="020B0604020202020204" pitchFamily="34" charset="0"/>
+            </a:endParaRPr>
+          </a:p>
+        </p:txBody>
+      </p:sp>
+      <p:sp>
+        <p:nvSpPr>
+          <p:cNvPr id="6" name="Slide Number Placeholder 5"/>
+          <p:cNvSpPr>
+            <a:spLocks noGrp="1"/>
+          </p:cNvSpPr>
+          <p:nvPr>
+            <p:ph type="sldNum" sz="quarter" idx="12"/>
+          </p:nvPr>
+        </p:nvSpPr>
+        <p:spPr/>
+        <p:txBody>
+          <a:bodyPr/>
+          <a:lstStyle/>
+          <a:p>
+            <a:fld id="{34B7E4EF-A1BD-40F4-AB7B-04F084DD991D}" type="slidenum">
+              <a:rPr lang="en-US" smtClean="0"/>
+              <a:t>6</a:t>
+            </a:fld>
+            <a:endParaRPr lang="en-US" dirty="0"/>
+          </a:p>
+        </p:txBody>
+      </p:sp>
+      <p:sp>
+        <p:nvSpPr>
+          <p:cNvPr id="5" name="Rectangle 4"/>
           <p:cNvSpPr/>
           <p:nvPr/>
         </p:nvSpPr>
         <p:spPr>
           <a:xfrm>
-            <a:off x="983810" y="5420825"/>
-            <a:ext cx="7761838" cy="646331"/>
+            <a:off x="983810" y="5754469"/>
+            <a:ext cx="10141390" cy="646331"/>
           </a:xfrm>
           <a:prstGeom prst="rect">
             <a:avLst/>
@@ -8708,9 +11389,10 @@
           <a:lstStyle/>
           <a:p>
             <a:r>
-              <a:rPr lang="en-US" b="1" dirty="0"/>
+              <a:rPr lang="en-US" b="1"/>
               <a:t>Source</a:t>
             </a:r>
+            <a:endParaRPr lang="en-US" b="1" dirty="0"/>
           </a:p>
           <a:p>
             <a:r>
@@ -8718,10 +11400,32 @@
                 <a:solidFill>
                   <a:srgbClr val="00B0F0"/>
                 </a:solidFill>
-              </a:rPr>
-              <a:t>https://developer.mozilla.org/en-US/docs/Web/HTML/Element/head</a:t>
-            </a:r>
-            <a:endParaRPr lang="en-US" dirty="0">
+                <a:hlinkClick r:id="rId2">
+                  <a:extLst>
+                    <a:ext uri="{A12FA001-AC4F-418D-AE19-62706E023703}">
+                      <ahyp:hlinkClr xmlns:ahyp="http://schemas.microsoft.com/office/drawing/2018/hyperlinkcolor" val="tx"/>
+                    </a:ext>
+                  </a:extLst>
+                </a:hlinkClick>
+              </a:rPr>
+              <a:t>https://developer.mozilla.org/en-US/docs/Glossary</a:t>
+            </a:r>
+            <a:r>
+              <a:rPr lang="en-US">
+                <a:solidFill>
+                  <a:srgbClr val="00B0F0"/>
+                </a:solidFill>
+                <a:hlinkClick r:id="rId2">
+                  <a:extLst>
+                    <a:ext uri="{A12FA001-AC4F-418D-AE19-62706E023703}">
+                      <ahyp:hlinkClr xmlns:ahyp="http://schemas.microsoft.com/office/drawing/2018/hyperlinkcolor" val="tx"/>
+                    </a:ext>
+                  </a:extLst>
+                </a:hlinkClick>
+              </a:rPr>
+              <a:t>/Doctype</a:t>
+            </a:r>
+            <a:endParaRPr lang="en-US">
               <a:solidFill>
                 <a:srgbClr val="00B0F0"/>
               </a:solidFill>
@@ -8729,46 +11433,16 @@
           </a:p>
         </p:txBody>
       </p:sp>
-      <p:sp>
-        <p:nvSpPr>
-          <p:cNvPr id="5" name="Slide Number Placeholder 4"/>
-          <p:cNvSpPr>
-            <a:spLocks noGrp="1"/>
-          </p:cNvSpPr>
-          <p:nvPr>
-            <p:ph type="sldNum" sz="quarter" idx="12"/>
-          </p:nvPr>
-        </p:nvSpPr>
-        <p:spPr/>
-        <p:txBody>
-          <a:bodyPr/>
-          <a:lstStyle/>
-          <a:p>
-            <a:fld id="{34B7E4EF-A1BD-40F4-AB7B-04F084DD991D}" type="slidenum">
-              <a:rPr lang="en-US" smtClean="0"/>
-              <a:t>6</a:t>
-            </a:fld>
-            <a:endParaRPr lang="en-US" dirty="0"/>
-          </a:p>
-        </p:txBody>
-      </p:sp>
     </p:spTree>
     <p:extLst>
       <p:ext uri="{BB962C8B-B14F-4D97-AF65-F5344CB8AC3E}">
-        <p14:creationId xmlns:p14="http://schemas.microsoft.com/office/powerpoint/2010/main" val="3021436047"/>
+        <p14:creationId xmlns:p14="http://schemas.microsoft.com/office/powerpoint/2010/main" val="3432849504"/>
       </p:ext>
     </p:extLst>
   </p:cSld>
   <p:clrMapOvr>
     <a:masterClrMapping/>
   </p:clrMapOvr>
-  <p:timing>
-    <p:tnLst>
-      <p:par>
-        <p:cTn id="1" dur="indefinite" restart="never" nodeType="tmRoot"/>
-      </p:par>
-    </p:tnLst>
-  </p:timing>
 </p:sld>
 </file>
 
@@ -8794,7 +11468,7 @@
           <p:cNvPr id="2" name="Title 1">
             <a:extLst>
               <a:ext uri="{FF2B5EF4-FFF2-40B4-BE49-F238E27FC236}">
-                <a16:creationId xmlns:a16="http://schemas.microsoft.com/office/drawing/2014/main" xmlns="" id="{BDFAC13C-59B1-436E-B58F-C304E1C705CF}"/>
+                <a16:creationId xmlns:a16="http://schemas.microsoft.com/office/drawing/2014/main" id="{BDFAC13C-59B1-436E-B58F-C304E1C705CF}"/>
               </a:ext>
             </a:extLst>
           </p:cNvPr>
@@ -8805,12 +11479,7 @@
             <p:ph type="title"/>
           </p:nvPr>
         </p:nvSpPr>
-        <p:spPr>
-          <a:xfrm>
-            <a:off x="664234" y="733579"/>
-            <a:ext cx="5077520" cy="1371600"/>
-          </a:xfrm>
-        </p:spPr>
+        <p:spPr/>
         <p:txBody>
           <a:bodyPr>
             <a:normAutofit/>
@@ -8818,10 +11487,20 @@
           <a:lstStyle/>
           <a:p>
             <a:r>
-              <a:rPr lang="en-US" u="sng" dirty="0" smtClean="0"/>
-              <a:t>&lt;meta&gt;</a:t>
-            </a:r>
-            <a:endParaRPr lang="en-US" u="sng" dirty="0"/>
+              <a:rPr lang="en-US" u="sng" dirty="0">
+                <a:latin typeface="Consolas" panose="020B0609020204030204" pitchFamily="49" charset="0"/>
+              </a:rPr>
+              <a:t>&lt;html lang="</a:t>
+            </a:r>
+            <a:r>
+              <a:rPr lang="en-US" u="sng">
+                <a:latin typeface="Consolas" panose="020B0609020204030204" pitchFamily="49" charset="0"/>
+              </a:rPr>
+              <a:t>en"&gt;...&lt;/html&gt;</a:t>
+            </a:r>
+            <a:endParaRPr lang="en-US" u="sng" dirty="0">
+              <a:latin typeface="Consolas" panose="020B0609020204030204" pitchFamily="49" charset="0"/>
+            </a:endParaRPr>
           </a:p>
         </p:txBody>
       </p:sp>
@@ -8830,7 +11509,7 @@
           <p:cNvPr id="3" name="Content Placeholder 2">
             <a:extLst>
               <a:ext uri="{FF2B5EF4-FFF2-40B4-BE49-F238E27FC236}">
-                <a16:creationId xmlns:a16="http://schemas.microsoft.com/office/drawing/2014/main" xmlns="" id="{844A3DC5-46BF-4BFF-8008-98FD467C4904}"/>
+                <a16:creationId xmlns:a16="http://schemas.microsoft.com/office/drawing/2014/main" id="{844A3DC5-46BF-4BFF-8008-98FD467C4904}"/>
               </a:ext>
             </a:extLst>
           </p:cNvPr>
@@ -8843,46 +11522,112 @@
         </p:nvSpPr>
         <p:spPr>
           <a:xfrm>
-            <a:off x="1066800" y="2733472"/>
-            <a:ext cx="10058400" cy="1919267"/>
+            <a:off x="1066800" y="1551964"/>
+            <a:ext cx="10058400" cy="3952752"/>
           </a:xfrm>
         </p:spPr>
         <p:txBody>
-          <a:bodyPr>
-            <a:normAutofit fontScale="92500" lnSpcReduction="20000"/>
+          <a:bodyPr anchor="ctr">
+            <a:normAutofit/>
           </a:bodyPr>
           <a:lstStyle/>
           <a:p>
-            <a:pPr indent="0">
+            <a:pPr marL="0" indent="0">
+              <a:spcBef>
+                <a:spcPts val="0"/>
+              </a:spcBef>
               <a:buNone/>
             </a:pPr>
             <a:r>
-              <a:rPr lang="en-US" sz="1900" dirty="0">
-                <a:cs typeface="Arial" panose="020B0604020202020204" pitchFamily="34" charset="0"/>
-              </a:rPr>
-              <a:t>The HTML &lt;meta&gt; tag defines metadata (data about data). &lt;meta&gt; tags are typically used to specify character set, page description, keywords, document author and viewport settings. Metadata is used by browsers (to display content or reload page), search engines (keywords), and other web services</a:t>
+              <a:rPr lang="en-US" sz="2400"/>
+              <a:t>The </a:t>
+            </a:r>
+            <a:r>
+              <a:rPr lang="en-US" sz="2400" b="1">
+                <a:solidFill>
+                  <a:srgbClr val="00B0F0"/>
+                </a:solidFill>
+                <a:latin typeface="Consolas" panose="020B0609020204030204" pitchFamily="49" charset="0"/>
+                <a:hlinkClick r:id="rId2">
+                  <a:extLst>
+                    <a:ext uri="{A12FA001-AC4F-418D-AE19-62706E023703}">
+                      <ahyp:hlinkClr xmlns:ahyp="http://schemas.microsoft.com/office/drawing/2018/hyperlinkcolor" val="tx"/>
+                    </a:ext>
+                  </a:extLst>
+                </a:hlinkClick>
+              </a:rPr>
+              <a:t>&lt;html&gt;</a:t>
+            </a:r>
+            <a:r>
+              <a:rPr lang="en-US" sz="2400">
+                <a:solidFill>
+                  <a:srgbClr val="00B0F0"/>
+                </a:solidFill>
+              </a:rPr>
+              <a:t> </a:t>
+            </a:r>
+            <a:r>
+              <a:rPr lang="en-US" sz="2400"/>
+              <a:t>tag represents the root of an HTML document.</a:t>
             </a:r>
           </a:p>
           <a:p>
             <a:pPr marL="0" indent="0">
+              <a:spcBef>
+                <a:spcPts val="0"/>
+              </a:spcBef>
               <a:buNone/>
             </a:pPr>
-            <a:endParaRPr lang="en-US" sz="1900" dirty="0"/>
-          </a:p>
-          <a:p>
-            <a:pPr indent="0">
+            <a:endParaRPr lang="en-US" sz="2400"/>
+          </a:p>
+          <a:p>
+            <a:pPr marL="0" indent="0">
+              <a:spcBef>
+                <a:spcPts val="0"/>
+              </a:spcBef>
               <a:buNone/>
             </a:pPr>
             <a:r>
-              <a:rPr lang="en-US" sz="1800" dirty="0">
-                <a:latin typeface="Consolas" panose="020B0609020204030204" pitchFamily="49" charset="0"/>
-              </a:rPr>
-              <a:t>e.g.: &lt;meta charset="UTF-8"&gt;</a:t>
-            </a:r>
-            <a:endParaRPr lang="en-US" sz="1800" dirty="0">
-              <a:latin typeface="Arial" panose="020B0604020202020204" pitchFamily="34" charset="0"/>
-              <a:cs typeface="Arial" panose="020B0604020202020204" pitchFamily="34" charset="0"/>
-            </a:endParaRPr>
+              <a:rPr lang="en-US" sz="2400" b="1"/>
+              <a:t>Note:</a:t>
+            </a:r>
+            <a:r>
+              <a:rPr lang="en-US" sz="2400"/>
+              <a:t> You should always include the lang attribute inside the </a:t>
+            </a:r>
+            <a:r>
+              <a:rPr lang="en-US" sz="2400" b="1">
+                <a:latin typeface="Consolas" panose="020B0609020204030204" pitchFamily="49" charset="0"/>
+              </a:rPr>
+              <a:t>&lt;html&gt;</a:t>
+            </a:r>
+            <a:r>
+              <a:rPr lang="en-US" sz="2400"/>
+              <a:t> tag, to declare the language of the Web page. This is meant to assist search engines and browsers. </a:t>
+            </a:r>
+          </a:p>
+        </p:txBody>
+      </p:sp>
+      <p:sp>
+        <p:nvSpPr>
+          <p:cNvPr id="5" name="Slide Number Placeholder 4"/>
+          <p:cNvSpPr>
+            <a:spLocks noGrp="1"/>
+          </p:cNvSpPr>
+          <p:nvPr>
+            <p:ph type="sldNum" sz="quarter" idx="12"/>
+          </p:nvPr>
+        </p:nvSpPr>
+        <p:spPr/>
+        <p:txBody>
+          <a:bodyPr/>
+          <a:lstStyle/>
+          <a:p>
+            <a:fld id="{34B7E4EF-A1BD-40F4-AB7B-04F084DD991D}" type="slidenum">
+              <a:rPr lang="en-US" smtClean="0"/>
+              <a:t>7</a:t>
+            </a:fld>
+            <a:endParaRPr lang="en-US" dirty="0"/>
           </a:p>
         </p:txBody>
       </p:sp>
@@ -8894,8 +11639,8 @@
         </p:nvSpPr>
         <p:spPr>
           <a:xfrm>
-            <a:off x="983810" y="5420825"/>
-            <a:ext cx="6068840" cy="646331"/>
+            <a:off x="1066800" y="5504715"/>
+            <a:ext cx="10058399" cy="923330"/>
           </a:xfrm>
           <a:prstGeom prst="rect">
             <a:avLst/>
@@ -8908,9 +11653,31 @@
           <a:lstStyle/>
           <a:p>
             <a:r>
-              <a:rPr lang="en-US" b="1" dirty="0"/>
+              <a:rPr lang="en-US" b="1"/>
               <a:t>Source</a:t>
             </a:r>
+          </a:p>
+          <a:p>
+            <a:r>
+              <a:rPr lang="en-US">
+                <a:solidFill>
+                  <a:srgbClr val="00B0F0"/>
+                </a:solidFill>
+                <a:hlinkClick r:id="rId2">
+                  <a:extLst>
+                    <a:ext uri="{A12FA001-AC4F-418D-AE19-62706E023703}">
+                      <ahyp:hlinkClr xmlns:ahyp="http://schemas.microsoft.com/office/drawing/2018/hyperlinkcolor" val="tx"/>
+                    </a:ext>
+                  </a:extLst>
+                </a:hlinkClick>
+              </a:rPr>
+              <a:t>https://developer.mozilla.org/en-US/docs/Web/HTML/Element/html</a:t>
+            </a:r>
+            <a:endParaRPr lang="en-US" b="1" dirty="0">
+              <a:solidFill>
+                <a:srgbClr val="00B0F0"/>
+              </a:solidFill>
+            </a:endParaRPr>
           </a:p>
           <a:p>
             <a:r>
@@ -8918,18 +11685,32 @@
                 <a:solidFill>
                   <a:srgbClr val="00B0F0"/>
                 </a:solidFill>
-              </a:rPr>
-              <a:t>https://</a:t>
-            </a:r>
-            <a:r>
-              <a:rPr lang="en-US" dirty="0" smtClean="0">
+                <a:hlinkClick r:id="rId3">
+                  <a:extLst>
+                    <a:ext uri="{A12FA001-AC4F-418D-AE19-62706E023703}">
+                      <ahyp:hlinkClr xmlns:ahyp="http://schemas.microsoft.com/office/drawing/2018/hyperlinkcolor" val="tx"/>
+                    </a:ext>
+                  </a:extLst>
+                </a:hlinkClick>
+              </a:rPr>
+              <a:t>https://www.w3schools.com/Tags/tag_html</a:t>
+            </a:r>
+            <a:r>
+              <a:rPr lang="en-US">
                 <a:solidFill>
                   <a:srgbClr val="00B0F0"/>
                 </a:solidFill>
-              </a:rPr>
-              <a:t>www.w3schools.com/Tags/tag_meta.asp</a:t>
-            </a:r>
-            <a:endParaRPr lang="en-US" dirty="0">
+                <a:hlinkClick r:id="rId3">
+                  <a:extLst>
+                    <a:ext uri="{A12FA001-AC4F-418D-AE19-62706E023703}">
+                      <ahyp:hlinkClr xmlns:ahyp="http://schemas.microsoft.com/office/drawing/2018/hyperlinkcolor" val="tx"/>
+                    </a:ext>
+                  </a:extLst>
+                </a:hlinkClick>
+              </a:rPr>
+              <a:t>.asp</a:t>
+            </a:r>
+            <a:endParaRPr lang="en-US">
               <a:solidFill>
                 <a:srgbClr val="00B0F0"/>
               </a:solidFill>
@@ -8937,46 +11718,16 @@
           </a:p>
         </p:txBody>
       </p:sp>
-      <p:sp>
-        <p:nvSpPr>
-          <p:cNvPr id="5" name="Slide Number Placeholder 4"/>
-          <p:cNvSpPr>
-            <a:spLocks noGrp="1"/>
-          </p:cNvSpPr>
-          <p:nvPr>
-            <p:ph type="sldNum" sz="quarter" idx="12"/>
-          </p:nvPr>
-        </p:nvSpPr>
-        <p:spPr/>
-        <p:txBody>
-          <a:bodyPr/>
-          <a:lstStyle/>
-          <a:p>
-            <a:fld id="{34B7E4EF-A1BD-40F4-AB7B-04F084DD991D}" type="slidenum">
-              <a:rPr lang="en-US" smtClean="0"/>
-              <a:t>7</a:t>
-            </a:fld>
-            <a:endParaRPr lang="en-US" dirty="0"/>
-          </a:p>
-        </p:txBody>
-      </p:sp>
     </p:spTree>
     <p:extLst>
       <p:ext uri="{BB962C8B-B14F-4D97-AF65-F5344CB8AC3E}">
-        <p14:creationId xmlns:p14="http://schemas.microsoft.com/office/powerpoint/2010/main" val="2820387909"/>
+        <p14:creationId xmlns:p14="http://schemas.microsoft.com/office/powerpoint/2010/main" val="3217085756"/>
       </p:ext>
     </p:extLst>
   </p:cSld>
   <p:clrMapOvr>
     <a:masterClrMapping/>
   </p:clrMapOvr>
-  <p:timing>
-    <p:tnLst>
-      <p:par>
-        <p:cTn id="1" dur="indefinite" restart="never" nodeType="tmRoot"/>
-      </p:par>
-    </p:tnLst>
-  </p:timing>
 </p:sld>
 </file>
 
@@ -9002,7 +11753,7 @@
           <p:cNvPr id="2" name="Title 1">
             <a:extLst>
               <a:ext uri="{FF2B5EF4-FFF2-40B4-BE49-F238E27FC236}">
-                <a16:creationId xmlns:a16="http://schemas.microsoft.com/office/drawing/2014/main" xmlns="" id="{BDFAC13C-59B1-436E-B58F-C304E1C705CF}"/>
+                <a16:creationId xmlns:a16="http://schemas.microsoft.com/office/drawing/2014/main" id="{BDFAC13C-59B1-436E-B58F-C304E1C705CF}"/>
               </a:ext>
             </a:extLst>
           </p:cNvPr>
@@ -9013,12 +11764,7 @@
             <p:ph type="title"/>
           </p:nvPr>
         </p:nvSpPr>
-        <p:spPr>
-          <a:xfrm>
-            <a:off x="664234" y="733579"/>
-            <a:ext cx="5077520" cy="1371600"/>
-          </a:xfrm>
-        </p:spPr>
+        <p:spPr/>
         <p:txBody>
           <a:bodyPr>
             <a:normAutofit/>
@@ -9026,10 +11772,20 @@
           <a:lstStyle/>
           <a:p>
             <a:r>
-              <a:rPr lang="en-US" u="sng" dirty="0" smtClean="0"/>
-              <a:t>&lt;title&gt;</a:t>
-            </a:r>
-            <a:endParaRPr lang="en-US" u="sng" dirty="0"/>
+              <a:rPr lang="en-US" u="sng" dirty="0">
+                <a:latin typeface="Consolas" panose="020B0609020204030204" pitchFamily="49" charset="0"/>
+              </a:rPr>
+              <a:t>&lt;</a:t>
+            </a:r>
+            <a:r>
+              <a:rPr lang="en-US" u="sng">
+                <a:latin typeface="Consolas" panose="020B0609020204030204" pitchFamily="49" charset="0"/>
+              </a:rPr>
+              <a:t>head&gt;...&lt;/head&gt;</a:t>
+            </a:r>
+            <a:endParaRPr lang="en-US" u="sng" dirty="0">
+              <a:latin typeface="Consolas" panose="020B0609020204030204" pitchFamily="49" charset="0"/>
+            </a:endParaRPr>
           </a:p>
         </p:txBody>
       </p:sp>
@@ -9038,7 +11794,7 @@
           <p:cNvPr id="3" name="Content Placeholder 2">
             <a:extLst>
               <a:ext uri="{FF2B5EF4-FFF2-40B4-BE49-F238E27FC236}">
-                <a16:creationId xmlns:a16="http://schemas.microsoft.com/office/drawing/2014/main" xmlns="" id="{844A3DC5-46BF-4BFF-8008-98FD467C4904}"/>
+                <a16:creationId xmlns:a16="http://schemas.microsoft.com/office/drawing/2014/main" id="{844A3DC5-46BF-4BFF-8008-98FD467C4904}"/>
               </a:ext>
             </a:extLst>
           </p:cNvPr>
@@ -9051,12 +11807,12 @@
         </p:nvSpPr>
         <p:spPr>
           <a:xfrm>
-            <a:off x="1066800" y="2733472"/>
-            <a:ext cx="10058400" cy="1919267"/>
+            <a:off x="1066800" y="1577130"/>
+            <a:ext cx="10058400" cy="3843695"/>
           </a:xfrm>
         </p:spPr>
         <p:txBody>
-          <a:bodyPr>
+          <a:bodyPr anchor="ctr">
             <a:normAutofit/>
           </a:bodyPr>
           <a:lstStyle/>
@@ -9065,32 +11821,52 @@
               <a:buNone/>
             </a:pPr>
             <a:r>
-              <a:rPr lang="en-US" sz="1800" dirty="0">
-                <a:cs typeface="Arial" panose="020B0604020202020204" pitchFamily="34" charset="0"/>
-              </a:rPr>
-              <a:t>The HTML &lt;title&gt; element defines the document's title that is shown in a browser's title bar or a page's tab. It only contains text.  Tags within the element are ignored</a:t>
-            </a:r>
-          </a:p>
-          <a:p>
-            <a:pPr marL="0" indent="0">
-              <a:buNone/>
-            </a:pPr>
-            <a:endParaRPr lang="en-US" sz="1800" dirty="0"/>
-          </a:p>
-          <a:p>
-            <a:pPr indent="0">
-              <a:buNone/>
-              <a:tabLst>
-                <a:tab pos="0" algn="l"/>
-                <a:tab pos="182880" algn="l"/>
-              </a:tabLst>
-            </a:pPr>
-            <a:r>
-              <a:rPr lang="en-US" sz="1800" dirty="0">
-                <a:latin typeface="Consolas" panose="020B0609020204030204" pitchFamily="49" charset="0"/>
-              </a:rPr>
-              <a:t>e.g.: &lt;title&gt;Home Page&lt;/title&gt;</a:t>
-            </a:r>
+              <a:rPr lang="en-US" sz="2400"/>
+              <a:t>The HTML </a:t>
+            </a:r>
+            <a:r>
+              <a:rPr lang="en-US" sz="2400" b="1">
+                <a:solidFill>
+                  <a:srgbClr val="00B0F0"/>
+                </a:solidFill>
+                <a:latin typeface="Consolas" panose="020B0609020204030204" pitchFamily="49" charset="0"/>
+                <a:hlinkClick r:id="rId2">
+                  <a:extLst>
+                    <a:ext uri="{A12FA001-AC4F-418D-AE19-62706E023703}">
+                      <ahyp:hlinkClr xmlns:ahyp="http://schemas.microsoft.com/office/drawing/2018/hyperlinkcolor" val="tx"/>
+                    </a:ext>
+                  </a:extLst>
+                </a:hlinkClick>
+              </a:rPr>
+              <a:t>&lt;head&gt;</a:t>
+            </a:r>
+            <a:r>
+              <a:rPr lang="en-US" sz="2400"/>
+              <a:t> element contains machine-readable information (or metadata) about the document, like its title, scripts, and style sheets.</a:t>
+            </a:r>
+          </a:p>
+        </p:txBody>
+      </p:sp>
+      <p:sp>
+        <p:nvSpPr>
+          <p:cNvPr id="5" name="Slide Number Placeholder 4"/>
+          <p:cNvSpPr>
+            <a:spLocks noGrp="1"/>
+          </p:cNvSpPr>
+          <p:nvPr>
+            <p:ph type="sldNum" sz="quarter" idx="12"/>
+          </p:nvPr>
+        </p:nvSpPr>
+        <p:spPr/>
+        <p:txBody>
+          <a:bodyPr/>
+          <a:lstStyle/>
+          <a:p>
+            <a:fld id="{34B7E4EF-A1BD-40F4-AB7B-04F084DD991D}" type="slidenum">
+              <a:rPr lang="en-US" smtClean="0"/>
+              <a:t>8</a:t>
+            </a:fld>
+            <a:endParaRPr lang="en-US" dirty="0"/>
           </a:p>
         </p:txBody>
       </p:sp>
@@ -9102,8 +11878,8 @@
         </p:nvSpPr>
         <p:spPr>
           <a:xfrm>
-            <a:off x="983810" y="5420825"/>
-            <a:ext cx="7589822" cy="646331"/>
+            <a:off x="1066800" y="5756006"/>
+            <a:ext cx="10058400" cy="646331"/>
           </a:xfrm>
           <a:prstGeom prst="rect">
             <a:avLst/>
@@ -9116,9 +11892,10 @@
           <a:lstStyle/>
           <a:p>
             <a:r>
-              <a:rPr lang="en-US" b="1" dirty="0"/>
+              <a:rPr lang="en-US" b="1"/>
               <a:t>Source</a:t>
             </a:r>
+            <a:endParaRPr lang="en-US" b="1" dirty="0"/>
           </a:p>
           <a:p>
             <a:r>
@@ -9126,8 +11903,18 @@
                 <a:solidFill>
                   <a:srgbClr val="00B0F0"/>
                 </a:solidFill>
-              </a:rPr>
-              <a:t>https://developer.mozilla.org/en-US/docs/Web/HTML/Element/title</a:t>
+                <a:hlinkClick r:id="rId2"/>
+              </a:rPr>
+              <a:t>https://developer.mozilla.org/en-US/docs/Web/HTML/Element</a:t>
+            </a:r>
+            <a:r>
+              <a:rPr lang="en-US">
+                <a:solidFill>
+                  <a:srgbClr val="00B0F0"/>
+                </a:solidFill>
+                <a:hlinkClick r:id="rId2"/>
+              </a:rPr>
+              <a:t>/head</a:t>
             </a:r>
             <a:endParaRPr lang="en-US" dirty="0">
               <a:solidFill>
@@ -9137,46 +11924,16 @@
           </a:p>
         </p:txBody>
       </p:sp>
-      <p:sp>
-        <p:nvSpPr>
-          <p:cNvPr id="5" name="Slide Number Placeholder 4"/>
-          <p:cNvSpPr>
-            <a:spLocks noGrp="1"/>
-          </p:cNvSpPr>
-          <p:nvPr>
-            <p:ph type="sldNum" sz="quarter" idx="12"/>
-          </p:nvPr>
-        </p:nvSpPr>
-        <p:spPr/>
-        <p:txBody>
-          <a:bodyPr/>
-          <a:lstStyle/>
-          <a:p>
-            <a:fld id="{34B7E4EF-A1BD-40F4-AB7B-04F084DD991D}" type="slidenum">
-              <a:rPr lang="en-US" smtClean="0"/>
-              <a:t>8</a:t>
-            </a:fld>
-            <a:endParaRPr lang="en-US" dirty="0"/>
-          </a:p>
-        </p:txBody>
-      </p:sp>
     </p:spTree>
     <p:extLst>
       <p:ext uri="{BB962C8B-B14F-4D97-AF65-F5344CB8AC3E}">
-        <p14:creationId xmlns:p14="http://schemas.microsoft.com/office/powerpoint/2010/main" val="984166339"/>
+        <p14:creationId xmlns:p14="http://schemas.microsoft.com/office/powerpoint/2010/main" val="3021436047"/>
       </p:ext>
     </p:extLst>
   </p:cSld>
   <p:clrMapOvr>
     <a:masterClrMapping/>
   </p:clrMapOvr>
-  <p:timing>
-    <p:tnLst>
-      <p:par>
-        <p:cTn id="1" dur="indefinite" restart="never" nodeType="tmRoot"/>
-      </p:par>
-    </p:tnLst>
-  </p:timing>
 </p:sld>
 </file>
 
@@ -9202,7 +11959,7 @@
           <p:cNvPr id="2" name="Title 1">
             <a:extLst>
               <a:ext uri="{FF2B5EF4-FFF2-40B4-BE49-F238E27FC236}">
-                <a16:creationId xmlns:a16="http://schemas.microsoft.com/office/drawing/2014/main" xmlns="" id="{BDFAC13C-59B1-436E-B58F-C304E1C705CF}"/>
+                <a16:creationId xmlns:a16="http://schemas.microsoft.com/office/drawing/2014/main" id="{BDFAC13C-59B1-436E-B58F-C304E1C705CF}"/>
               </a:ext>
             </a:extLst>
           </p:cNvPr>
@@ -9213,12 +11970,7 @@
             <p:ph type="title"/>
           </p:nvPr>
         </p:nvSpPr>
-        <p:spPr>
-          <a:xfrm>
-            <a:off x="664234" y="733579"/>
-            <a:ext cx="5077520" cy="1371600"/>
-          </a:xfrm>
-        </p:spPr>
+        <p:spPr/>
         <p:txBody>
           <a:bodyPr>
             <a:normAutofit/>
@@ -9226,10 +11978,14 @@
           <a:lstStyle/>
           <a:p>
             <a:r>
-              <a:rPr lang="en-US" u="sng" dirty="0" smtClean="0"/>
-              <a:t>&lt;title&gt;</a:t>
-            </a:r>
-            <a:endParaRPr lang="en-US" u="sng" dirty="0"/>
+              <a:rPr lang="en-US" u="sng">
+                <a:latin typeface="Consolas" panose="020B0609020204030204" pitchFamily="49" charset="0"/>
+              </a:rPr>
+              <a:t>&lt;meta /&gt;</a:t>
+            </a:r>
+            <a:endParaRPr lang="en-US" u="sng" dirty="0">
+              <a:latin typeface="Consolas" panose="020B0609020204030204" pitchFamily="49" charset="0"/>
+            </a:endParaRPr>
           </a:p>
         </p:txBody>
       </p:sp>
@@ -9238,7 +11994,7 @@
           <p:cNvPr id="3" name="Content Placeholder 2">
             <a:extLst>
               <a:ext uri="{FF2B5EF4-FFF2-40B4-BE49-F238E27FC236}">
-                <a16:creationId xmlns:a16="http://schemas.microsoft.com/office/drawing/2014/main" xmlns="" id="{844A3DC5-46BF-4BFF-8008-98FD467C4904}"/>
+                <a16:creationId xmlns:a16="http://schemas.microsoft.com/office/drawing/2014/main" id="{844A3DC5-46BF-4BFF-8008-98FD467C4904}"/>
               </a:ext>
             </a:extLst>
           </p:cNvPr>
@@ -9249,48 +12005,220 @@
             <p:ph idx="1"/>
           </p:nvPr>
         </p:nvSpPr>
-        <p:spPr>
-          <a:xfrm>
-            <a:off x="1066800" y="2733472"/>
-            <a:ext cx="10058400" cy="1919267"/>
-          </a:xfrm>
-        </p:spPr>
+        <p:spPr/>
         <p:txBody>
           <a:bodyPr>
-            <a:normAutofit/>
+            <a:normAutofit fontScale="92500" lnSpcReduction="20000"/>
           </a:bodyPr>
           <a:lstStyle/>
           <a:p>
-            <a:pPr indent="0">
-              <a:buNone/>
+            <a:pPr marL="0" indent="-342900">
+              <a:lnSpc>
+                <a:spcPct val="140000"/>
+              </a:lnSpc>
+              <a:spcBef>
+                <a:spcPts val="0"/>
+              </a:spcBef>
             </a:pPr>
             <a:r>
-              <a:rPr lang="en-US" sz="1800" dirty="0">
-                <a:cs typeface="Arial" panose="020B0604020202020204" pitchFamily="34" charset="0"/>
-              </a:rPr>
-              <a:t>The HTML &lt;title&gt; element defines the document's title that is shown in a browser's title bar or a page's tab. It only contains text.  Tags within the element are ignored</a:t>
+              <a:rPr lang="en-US" sz="1900">
+                <a:cs typeface="Arial" panose="020B0604020202020204" pitchFamily="34" charset="0"/>
+              </a:rPr>
+              <a:t>The HTML </a:t>
+            </a:r>
+            <a:r>
+              <a:rPr lang="en-US" sz="1900" b="1">
+                <a:cs typeface="Arial" panose="020B0604020202020204" pitchFamily="34" charset="0"/>
+                <a:hlinkClick r:id="rId2"/>
+              </a:rPr>
+              <a:t>&lt;meta&gt;</a:t>
+            </a:r>
+            <a:r>
+              <a:rPr lang="en-US" sz="1900">
+                <a:cs typeface="Arial" panose="020B0604020202020204" pitchFamily="34" charset="0"/>
+              </a:rPr>
+              <a:t> element defines metadata about an HTML document.</a:t>
+            </a:r>
+          </a:p>
+          <a:p>
+            <a:pPr marL="0" indent="-342900">
+              <a:lnSpc>
+                <a:spcPct val="140000"/>
+              </a:lnSpc>
+              <a:spcBef>
+                <a:spcPts val="0"/>
+              </a:spcBef>
+            </a:pPr>
+            <a:r>
+              <a:rPr lang="en-US" sz="1900">
+                <a:cs typeface="Arial" panose="020B0604020202020204" pitchFamily="34" charset="0"/>
+              </a:rPr>
+              <a:t>Metadata is data about data.</a:t>
+            </a:r>
+          </a:p>
+          <a:p>
+            <a:pPr marL="0" indent="-342900">
+              <a:lnSpc>
+                <a:spcPct val="140000"/>
+              </a:lnSpc>
+              <a:spcBef>
+                <a:spcPts val="0"/>
+              </a:spcBef>
+            </a:pPr>
+            <a:r>
+              <a:rPr lang="en-US" sz="1900">
+                <a:cs typeface="Arial" panose="020B0604020202020204" pitchFamily="34" charset="0"/>
+              </a:rPr>
+              <a:t>Metadata is used by browsers, search engines, and other web services.</a:t>
+            </a:r>
+          </a:p>
+          <a:p>
+            <a:pPr marL="0" indent="-342900">
+              <a:lnSpc>
+                <a:spcPct val="140000"/>
+              </a:lnSpc>
+              <a:spcBef>
+                <a:spcPts val="0"/>
+              </a:spcBef>
+            </a:pPr>
+            <a:r>
+              <a:rPr lang="en-US" sz="1900" b="1">
+                <a:latin typeface="Consolas" panose="020B0609020204030204" pitchFamily="49" charset="0"/>
+                <a:cs typeface="Arial" panose="020B0604020202020204" pitchFamily="34" charset="0"/>
+              </a:rPr>
+              <a:t>&lt;meta&gt;</a:t>
+            </a:r>
+            <a:r>
+              <a:rPr lang="en-US" sz="1900">
+                <a:cs typeface="Arial" panose="020B0604020202020204" pitchFamily="34" charset="0"/>
+              </a:rPr>
+              <a:t> tags always go inside the </a:t>
+            </a:r>
+            <a:r>
+              <a:rPr lang="en-US" sz="1900" b="1">
+                <a:latin typeface="Consolas" panose="020B0609020204030204" pitchFamily="49" charset="0"/>
+                <a:cs typeface="Arial" panose="020B0604020202020204" pitchFamily="34" charset="0"/>
+              </a:rPr>
+              <a:t>&lt;head&gt;</a:t>
+            </a:r>
+            <a:r>
+              <a:rPr lang="en-US" sz="1900">
+                <a:cs typeface="Arial" panose="020B0604020202020204" pitchFamily="34" charset="0"/>
+              </a:rPr>
+              <a:t> element.</a:t>
             </a:r>
           </a:p>
           <a:p>
             <a:pPr marL="0" indent="0">
+              <a:lnSpc>
+                <a:spcPct val="140000"/>
+              </a:lnSpc>
+              <a:spcBef>
+                <a:spcPts val="0"/>
+              </a:spcBef>
               <a:buNone/>
             </a:pPr>
-            <a:endParaRPr lang="en-US" sz="1800" dirty="0"/>
-          </a:p>
-          <a:p>
-            <a:pPr indent="0">
-              <a:buNone/>
-              <a:tabLst>
-                <a:tab pos="0" algn="l"/>
-                <a:tab pos="182880" algn="l"/>
-              </a:tabLst>
+            <a:endParaRPr lang="en-US" sz="1900">
+              <a:cs typeface="Arial" panose="020B0604020202020204" pitchFamily="34" charset="0"/>
+            </a:endParaRPr>
+          </a:p>
+          <a:p>
+            <a:pPr marL="0" indent="0">
+              <a:lnSpc>
+                <a:spcPct val="140000"/>
+              </a:lnSpc>
+              <a:spcBef>
+                <a:spcPts val="0"/>
+              </a:spcBef>
+              <a:buNone/>
             </a:pPr>
             <a:r>
-              <a:rPr lang="en-US" sz="1800" dirty="0">
-                <a:latin typeface="Consolas" panose="020B0609020204030204" pitchFamily="49" charset="0"/>
-              </a:rPr>
-              <a:t>e.g.: &lt;title&gt;Home Page&lt;/title&gt;</a:t>
-            </a:r>
+              <a:rPr lang="en-US" sz="1900" b="1" u="sng">
+                <a:cs typeface="Arial" panose="020B0604020202020204" pitchFamily="34" charset="0"/>
+              </a:rPr>
+              <a:t>Examples</a:t>
+            </a:r>
+          </a:p>
+          <a:p>
+            <a:pPr marL="0" indent="0">
+              <a:lnSpc>
+                <a:spcPct val="140000"/>
+              </a:lnSpc>
+              <a:spcBef>
+                <a:spcPts val="0"/>
+              </a:spcBef>
+              <a:buNone/>
+            </a:pPr>
+            <a:r>
+              <a:rPr lang="en-US" sz="1900">
+                <a:latin typeface="Consolas" panose="020B0609020204030204" pitchFamily="49" charset="0"/>
+                <a:cs typeface="Arial" panose="020B0604020202020204" pitchFamily="34" charset="0"/>
+              </a:rPr>
+              <a:t>&lt;meta charset="utf-8"&gt;</a:t>
+            </a:r>
+          </a:p>
+          <a:p>
+            <a:pPr marL="0" indent="0">
+              <a:lnSpc>
+                <a:spcPct val="140000"/>
+              </a:lnSpc>
+              <a:spcBef>
+                <a:spcPts val="0"/>
+              </a:spcBef>
+              <a:buNone/>
+            </a:pPr>
+            <a:r>
+              <a:rPr lang="en-US" sz="1900">
+                <a:latin typeface="Consolas" panose="020B0609020204030204" pitchFamily="49" charset="0"/>
+                <a:cs typeface="Arial" panose="020B0604020202020204" pitchFamily="34" charset="0"/>
+              </a:rPr>
+              <a:t>&lt;meta name="description" content="This will often show up in search results."&gt;</a:t>
+            </a:r>
+          </a:p>
+          <a:p>
+            <a:pPr marL="0" indent="0">
+              <a:lnSpc>
+                <a:spcPct val="140000"/>
+              </a:lnSpc>
+              <a:spcBef>
+                <a:spcPts val="0"/>
+              </a:spcBef>
+              <a:buNone/>
+            </a:pPr>
+            <a:r>
+              <a:rPr lang="en-US" sz="1900">
+                <a:latin typeface="Consolas" panose="020B0609020204030204" pitchFamily="49" charset="0"/>
+                <a:cs typeface="Arial" panose="020B0604020202020204" pitchFamily="34" charset="0"/>
+              </a:rPr>
+              <a:t>&lt;meta name="viewport" content="width=device-width, initial-scale=1"&gt;</a:t>
+            </a:r>
+            <a:endParaRPr lang="en-US" sz="1900" dirty="0">
+              <a:latin typeface="Consolas" panose="020B0609020204030204" pitchFamily="49" charset="0"/>
+              <a:cs typeface="Arial" panose="020B0604020202020204" pitchFamily="34" charset="0"/>
+            </a:endParaRPr>
+          </a:p>
+        </p:txBody>
+      </p:sp>
+      <p:sp>
+        <p:nvSpPr>
+          <p:cNvPr id="5" name="Slide Number Placeholder 4"/>
+          <p:cNvSpPr>
+            <a:spLocks noGrp="1"/>
+          </p:cNvSpPr>
+          <p:nvPr>
+            <p:ph type="sldNum" sz="quarter" idx="12"/>
+          </p:nvPr>
+        </p:nvSpPr>
+        <p:spPr/>
+        <p:txBody>
+          <a:bodyPr/>
+          <a:lstStyle/>
+          <a:p>
+            <a:fld id="{34B7E4EF-A1BD-40F4-AB7B-04F084DD991D}" type="slidenum">
+              <a:rPr lang="en-US" smtClean="0"/>
+              <a:t>9</a:t>
+            </a:fld>
+            <a:endParaRPr lang="en-US" dirty="0"/>
           </a:p>
         </p:txBody>
       </p:sp>
@@ -9302,8 +12230,8 @@
         </p:nvSpPr>
         <p:spPr>
           <a:xfrm>
-            <a:off x="983810" y="5420825"/>
-            <a:ext cx="7589822" cy="646331"/>
+            <a:off x="1066800" y="5754469"/>
+            <a:ext cx="10058400" cy="646331"/>
           </a:xfrm>
           <a:prstGeom prst="rect">
             <a:avLst/>
@@ -9322,12 +12250,10 @@
           </a:p>
           <a:p>
             <a:r>
-              <a:rPr lang="en-US" dirty="0">
-                <a:solidFill>
-                  <a:srgbClr val="00B0F0"/>
-                </a:solidFill>
-              </a:rPr>
-              <a:t>https://developer.mozilla.org/en-US/docs/Web/HTML/Element/title</a:t>
+              <a:rPr lang="en-US">
+                <a:hlinkClick r:id="rId2"/>
+              </a:rPr>
+              <a:t>https://developer.mozilla.org/en-US/docs/Web/HTML/Element/meta</a:t>
             </a:r>
             <a:endParaRPr lang="en-US" dirty="0">
               <a:solidFill>
@@ -9337,46 +12263,16 @@
           </a:p>
         </p:txBody>
       </p:sp>
-      <p:sp>
-        <p:nvSpPr>
-          <p:cNvPr id="5" name="Slide Number Placeholder 4"/>
-          <p:cNvSpPr>
-            <a:spLocks noGrp="1"/>
-          </p:cNvSpPr>
-          <p:nvPr>
-            <p:ph type="sldNum" sz="quarter" idx="12"/>
-          </p:nvPr>
-        </p:nvSpPr>
-        <p:spPr/>
-        <p:txBody>
-          <a:bodyPr/>
-          <a:lstStyle/>
-          <a:p>
-            <a:fld id="{34B7E4EF-A1BD-40F4-AB7B-04F084DD991D}" type="slidenum">
-              <a:rPr lang="en-US" smtClean="0"/>
-              <a:t>9</a:t>
-            </a:fld>
-            <a:endParaRPr lang="en-US" dirty="0"/>
-          </a:p>
-        </p:txBody>
-      </p:sp>
     </p:spTree>
     <p:extLst>
       <p:ext uri="{BB962C8B-B14F-4D97-AF65-F5344CB8AC3E}">
-        <p14:creationId xmlns:p14="http://schemas.microsoft.com/office/powerpoint/2010/main" val="2164745984"/>
+        <p14:creationId xmlns:p14="http://schemas.microsoft.com/office/powerpoint/2010/main" val="2820387909"/>
       </p:ext>
     </p:extLst>
   </p:cSld>
   <p:clrMapOvr>
     <a:masterClrMapping/>
   </p:clrMapOvr>
-  <p:timing>
-    <p:tnLst>
-      <p:par>
-        <p:cTn id="1" dur="indefinite" restart="never" nodeType="tmRoot"/>
-      </p:par>
-    </p:tnLst>
-  </p:timing>
 </p:sld>
 </file>
 
@@ -9918,6 +12814,15 @@
 </file>
 
 <file path=customXml/item1.xml><?xml version="1.0" encoding="utf-8"?>
+<?mso-contentType ?>
+<FormTemplates xmlns="http://schemas.microsoft.com/sharepoint/v3/contenttype/forms">
+  <Display>DocumentLibraryForm</Display>
+  <Edit>DocumentLibraryForm</Edit>
+  <New>DocumentLibraryForm</New>
+</FormTemplates>
+</file>
+
+<file path=customXml/item2.xml><?xml version="1.0" encoding="utf-8"?>
 <ct:contentTypeSchema xmlns:ct="http://schemas.microsoft.com/office/2006/metadata/contentType" xmlns:ma="http://schemas.microsoft.com/office/2006/metadata/properties/metaAttributes" ct:_="" ma:_="" ma:contentTypeName="Document" ma:contentTypeID="0x01010079F111ED35F8CC479449609E8A0923A6" ma:contentTypeVersion="12" ma:contentTypeDescription="Create a new document." ma:contentTypeScope="" ma:versionID="a410dd7f93c95333ffa1b60ed6adedd1">
   <xsd:schema xmlns:xsd="http://www.w3.org/2001/XMLSchema" xmlns:xs="http://www.w3.org/2001/XMLSchema" xmlns:p="http://schemas.microsoft.com/office/2006/metadata/properties" xmlns:ns2="71af3243-3dd4-4a8d-8c0d-dd76da1f02a5" xmlns:ns3="16c05727-aa75-4e4a-9b5f-8a80a1165891" targetNamespace="http://schemas.microsoft.com/office/2006/metadata/properties" ma:root="true" ma:fieldsID="a936d9baba76aa3866493feff160faab" ns2:_="" ns3:_="">
     <xsd:import namespace="71af3243-3dd4-4a8d-8c0d-dd76da1f02a5"/>
@@ -10138,15 +13043,6 @@
 </ct:contentTypeSchema>
 </file>
 
-<file path=customXml/item2.xml><?xml version="1.0" encoding="utf-8"?>
-<?mso-contentType ?>
-<FormTemplates xmlns="http://schemas.microsoft.com/sharepoint/v3/contenttype/forms">
-  <Display>DocumentLibraryForm</Display>
-  <Edit>DocumentLibraryForm</Edit>
-  <New>DocumentLibraryForm</New>
-</FormTemplates>
-</file>
-
 <file path=customXml/item3.xml><?xml version="1.0" encoding="utf-8"?>
 <p:properties xmlns:p="http://schemas.microsoft.com/office/2006/metadata/properties" xmlns:xsi="http://www.w3.org/2001/XMLSchema-instance" xmlns:pc="http://schemas.microsoft.com/office/infopath/2007/PartnerControls">
   <documentManagement>
@@ -10157,6 +13053,14 @@
 </file>
 
 <file path=customXml/itemProps1.xml><?xml version="1.0" encoding="utf-8"?>
+<ds:datastoreItem xmlns:ds="http://schemas.openxmlformats.org/officeDocument/2006/customXml" ds:itemID="{CDB58277-F8DF-46FF-84EC-EF41B835E69F}">
+  <ds:schemaRefs>
+    <ds:schemaRef ds:uri="http://schemas.microsoft.com/sharepoint/v3/contenttype/forms"/>
+  </ds:schemaRefs>
+</ds:datastoreItem>
+</file>
+
+<file path=customXml/itemProps2.xml><?xml version="1.0" encoding="utf-8"?>
 <ds:datastoreItem xmlns:ds="http://schemas.openxmlformats.org/officeDocument/2006/customXml" ds:itemID="{2D276E62-80A3-44DD-9BCC-97ED2B99B57F}">
   <ds:schemaRefs>
     <ds:schemaRef ds:uri="http://schemas.microsoft.com/office/2006/metadata/contentType"/>
@@ -10171,14 +13075,6 @@
     <ds:schemaRef ds:uri="http://purl.org/dc/elements/1.1/"/>
     <ds:schemaRef ds:uri="http://purl.org/dc/terms/"/>
     <ds:schemaRef ds:uri="http://schemas.microsoft.com/internal/obd"/>
-  </ds:schemaRefs>
-</ds:datastoreItem>
-</file>
-
-<file path=customXml/itemProps2.xml><?xml version="1.0" encoding="utf-8"?>
-<ds:datastoreItem xmlns:ds="http://schemas.openxmlformats.org/officeDocument/2006/customXml" ds:itemID="{CDB58277-F8DF-46FF-84EC-EF41B835E69F}">
-  <ds:schemaRefs>
-    <ds:schemaRef ds:uri="http://schemas.microsoft.com/sharepoint/v3/contenttype/forms"/>
   </ds:schemaRefs>
 </ds:datastoreItem>
 </file>
